--- a/课程PPT/08.JavaScript面向对象编程 二（8、this详解）.pptx
+++ b/课程PPT/08.JavaScript面向对象编程 二（8、this详解）.pptx
@@ -5,28 +5,33 @@
     <p:sldMasterId id="2147483648" r:id="rId1"/>
   </p:sldMasterIdLst>
   <p:notesMasterIdLst>
-    <p:notesMasterId r:id="rId6"/>
+    <p:notesMasterId r:id="rId7"/>
   </p:notesMasterIdLst>
   <p:sldIdLst>
     <p:sldId id="773" r:id="rId3"/>
-    <p:sldId id="1199" r:id="rId4"/>
-    <p:sldId id="1136" r:id="rId5"/>
-    <p:sldId id="1200" r:id="rId7"/>
-    <p:sldId id="1224" r:id="rId8"/>
-    <p:sldId id="1181" r:id="rId9"/>
-    <p:sldId id="1006" r:id="rId10"/>
-    <p:sldId id="1177" r:id="rId11"/>
-    <p:sldId id="1178" r:id="rId12"/>
-    <p:sldId id="1179" r:id="rId13"/>
-    <p:sldId id="1202" r:id="rId14"/>
-    <p:sldId id="1220" r:id="rId15"/>
-    <p:sldId id="1221" r:id="rId16"/>
-    <p:sldId id="1222" r:id="rId17"/>
-    <p:sldId id="1216" r:id="rId18"/>
-    <p:sldId id="1203" r:id="rId19"/>
-    <p:sldId id="1104" r:id="rId20"/>
-    <p:sldId id="1191" r:id="rId21"/>
-    <p:sldId id="1196" r:id="rId22"/>
+    <p:sldId id="1239" r:id="rId4"/>
+    <p:sldId id="1199" r:id="rId5"/>
+    <p:sldId id="1136" r:id="rId6"/>
+    <p:sldId id="1200" r:id="rId8"/>
+    <p:sldId id="1224" r:id="rId9"/>
+    <p:sldId id="1181" r:id="rId10"/>
+    <p:sldId id="1006" r:id="rId11"/>
+    <p:sldId id="1177" r:id="rId12"/>
+    <p:sldId id="1178" r:id="rId13"/>
+    <p:sldId id="1179" r:id="rId14"/>
+    <p:sldId id="1202" r:id="rId15"/>
+    <p:sldId id="1220" r:id="rId16"/>
+    <p:sldId id="1221" r:id="rId17"/>
+    <p:sldId id="1222" r:id="rId18"/>
+    <p:sldId id="1216" r:id="rId19"/>
+    <p:sldId id="1203" r:id="rId20"/>
+    <p:sldId id="1104" r:id="rId21"/>
+    <p:sldId id="1191" r:id="rId22"/>
+    <p:sldId id="1196" r:id="rId23"/>
+    <p:sldId id="1240" r:id="rId24"/>
+    <p:sldId id="1241" r:id="rId25"/>
+    <p:sldId id="1243" r:id="rId26"/>
+    <p:sldId id="1242" r:id="rId27"/>
   </p:sldIdLst>
   <p:sldSz cx="12192000" cy="6858000"/>
   <p:notesSz cx="6797675" cy="9928225"/>
@@ -3131,6 +3136,186 @@
           </a:extLst>
         </p:spPr>
       </p:pic>
+      <p:sp>
+        <p:nvSpPr>
+          <p:cNvPr id="2" name="TextBox 4"/>
+          <p:cNvSpPr txBox="1">
+            <a:spLocks noChangeArrowheads="1"/>
+          </p:cNvSpPr>
+          <p:nvPr/>
+        </p:nvSpPr>
+        <p:spPr bwMode="auto">
+          <a:xfrm>
+            <a:off x="5365116" y="4700905"/>
+            <a:ext cx="5286375" cy="583565"/>
+          </a:xfrm>
+          <a:prstGeom prst="rect">
+            <a:avLst/>
+          </a:prstGeom>
+          <a:noFill/>
+          <a:ln>
+            <a:noFill/>
+          </a:ln>
+          <a:extLst>
+            <a:ext uri="{909E8E84-426E-40DD-AFC4-6F175D3DCCD1}">
+              <a14:hiddenFill xmlns:a14="http://schemas.microsoft.com/office/drawing/2010/main">
+                <a:solidFill>
+                  <a:srgbClr val="FFFFFF"/>
+                </a:solidFill>
+              </a14:hiddenFill>
+            </a:ext>
+            <a:ext uri="{91240B29-F687-4F45-9708-019B960494DF}">
+              <a14:hiddenLine xmlns:a14="http://schemas.microsoft.com/office/drawing/2010/main" w="9525">
+                <a:solidFill>
+                  <a:srgbClr val="000000"/>
+                </a:solidFill>
+                <a:miter lim="800000"/>
+                <a:headEnd/>
+                <a:tailEnd/>
+              </a14:hiddenLine>
+            </a:ext>
+          </a:extLst>
+        </p:spPr>
+        <p:txBody>
+          <a:bodyPr>
+            <a:spAutoFit/>
+          </a:bodyPr>
+          <a:lstStyle>
+            <a:lvl1pPr>
+              <a:defRPr sz="3200">
+                <a:solidFill>
+                  <a:schemeClr val="tx1"/>
+                </a:solidFill>
+                <a:latin typeface="Arial" panose="020B0604020202020204" pitchFamily="34" charset="0"/>
+                <a:ea typeface="微软雅黑" panose="020B0503020204020204" pitchFamily="34" charset="-122"/>
+              </a:defRPr>
+            </a:lvl1pPr>
+            <a:lvl2pPr marL="742950" indent="-285750">
+              <a:defRPr sz="3200">
+                <a:solidFill>
+                  <a:schemeClr val="tx1"/>
+                </a:solidFill>
+                <a:latin typeface="Arial" panose="020B0604020202020204" pitchFamily="34" charset="0"/>
+                <a:ea typeface="微软雅黑" panose="020B0503020204020204" pitchFamily="34" charset="-122"/>
+              </a:defRPr>
+            </a:lvl2pPr>
+            <a:lvl3pPr marL="1143000" indent="-228600">
+              <a:defRPr sz="3200">
+                <a:solidFill>
+                  <a:schemeClr val="tx1"/>
+                </a:solidFill>
+                <a:latin typeface="Arial" panose="020B0604020202020204" pitchFamily="34" charset="0"/>
+                <a:ea typeface="微软雅黑" panose="020B0503020204020204" pitchFamily="34" charset="-122"/>
+              </a:defRPr>
+            </a:lvl3pPr>
+            <a:lvl4pPr marL="1600200" indent="-228600">
+              <a:defRPr sz="3200">
+                <a:solidFill>
+                  <a:schemeClr val="tx1"/>
+                </a:solidFill>
+                <a:latin typeface="Arial" panose="020B0604020202020204" pitchFamily="34" charset="0"/>
+                <a:ea typeface="微软雅黑" panose="020B0503020204020204" pitchFamily="34" charset="-122"/>
+              </a:defRPr>
+            </a:lvl4pPr>
+            <a:lvl5pPr marL="2057400" indent="-228600">
+              <a:defRPr sz="3200">
+                <a:solidFill>
+                  <a:schemeClr val="tx1"/>
+                </a:solidFill>
+                <a:latin typeface="Arial" panose="020B0604020202020204" pitchFamily="34" charset="0"/>
+                <a:ea typeface="微软雅黑" panose="020B0503020204020204" pitchFamily="34" charset="-122"/>
+              </a:defRPr>
+            </a:lvl5pPr>
+            <a:lvl6pPr marL="2514600" indent="-228600" eaLnBrk="0" fontAlgn="base" hangingPunct="0">
+              <a:spcBef>
+                <a:spcPct val="0"/>
+              </a:spcBef>
+              <a:spcAft>
+                <a:spcPct val="0"/>
+              </a:spcAft>
+              <a:defRPr sz="3200">
+                <a:solidFill>
+                  <a:schemeClr val="tx1"/>
+                </a:solidFill>
+                <a:latin typeface="Arial" panose="020B0604020202020204" pitchFamily="34" charset="0"/>
+                <a:ea typeface="微软雅黑" panose="020B0503020204020204" pitchFamily="34" charset="-122"/>
+              </a:defRPr>
+            </a:lvl6pPr>
+            <a:lvl7pPr marL="2971800" indent="-228600" eaLnBrk="0" fontAlgn="base" hangingPunct="0">
+              <a:spcBef>
+                <a:spcPct val="0"/>
+              </a:spcBef>
+              <a:spcAft>
+                <a:spcPct val="0"/>
+              </a:spcAft>
+              <a:defRPr sz="3200">
+                <a:solidFill>
+                  <a:schemeClr val="tx1"/>
+                </a:solidFill>
+                <a:latin typeface="Arial" panose="020B0604020202020204" pitchFamily="34" charset="0"/>
+                <a:ea typeface="微软雅黑" panose="020B0503020204020204" pitchFamily="34" charset="-122"/>
+              </a:defRPr>
+            </a:lvl7pPr>
+            <a:lvl8pPr marL="3429000" indent="-228600" eaLnBrk="0" fontAlgn="base" hangingPunct="0">
+              <a:spcBef>
+                <a:spcPct val="0"/>
+              </a:spcBef>
+              <a:spcAft>
+                <a:spcPct val="0"/>
+              </a:spcAft>
+              <a:defRPr sz="3200">
+                <a:solidFill>
+                  <a:schemeClr val="tx1"/>
+                </a:solidFill>
+                <a:latin typeface="Arial" panose="020B0604020202020204" pitchFamily="34" charset="0"/>
+                <a:ea typeface="微软雅黑" panose="020B0503020204020204" pitchFamily="34" charset="-122"/>
+              </a:defRPr>
+            </a:lvl8pPr>
+            <a:lvl9pPr marL="3886200" indent="-228600" eaLnBrk="0" fontAlgn="base" hangingPunct="0">
+              <a:spcBef>
+                <a:spcPct val="0"/>
+              </a:spcBef>
+              <a:spcAft>
+                <a:spcPct val="0"/>
+              </a:spcAft>
+              <a:defRPr sz="3200">
+                <a:solidFill>
+                  <a:schemeClr val="tx1"/>
+                </a:solidFill>
+                <a:latin typeface="Arial" panose="020B0604020202020204" pitchFamily="34" charset="0"/>
+                <a:ea typeface="微软雅黑" panose="020B0503020204020204" pitchFamily="34" charset="-122"/>
+              </a:defRPr>
+            </a:lvl9pPr>
+          </a:lstStyle>
+          <a:p>
+            <a:r>
+              <a:rPr lang="en-US" altLang="zh-CN">
+                <a:latin typeface="微软雅黑" panose="020B0503020204020204" pitchFamily="34" charset="-122"/>
+                <a:ea typeface="宋体" panose="02010600030101010101" pitchFamily="2" charset="-122"/>
+              </a:rPr>
+              <a:t>---</a:t>
+            </a:r>
+            <a:r>
+              <a:rPr lang="en-US" altLang="zh-CN">
+                <a:latin typeface="+mj-ea"/>
+                <a:ea typeface="+mj-ea"/>
+              </a:rPr>
+              <a:t>JS</a:t>
+            </a:r>
+            <a:r>
+              <a:rPr lang="zh-CN" altLang="en-US">
+                <a:latin typeface="+mj-ea"/>
+                <a:ea typeface="+mj-ea"/>
+              </a:rPr>
+              <a:t>中的对象绑定</a:t>
+            </a:r>
+            <a:endParaRPr lang="zh-CN" altLang="en-US" dirty="0">
+              <a:latin typeface="+mj-ea"/>
+              <a:ea typeface="+mj-ea"/>
+            </a:endParaRPr>
+          </a:p>
+        </p:txBody>
+      </p:sp>
     </p:spTree>
   </p:cSld>
   <p:clrMapOvr>
@@ -3218,245 +3403,237 @@
               <a:buChar char="•"/>
             </a:pPr>
             <a:r>
-              <a:rPr kumimoji="0" lang="zh-CN" altLang="en-US" dirty="0" smtClean="0">
+              <a:rPr lang="zh-CN" altLang="en-US" dirty="0" smtClean="0">
+                <a:solidFill>
+                  <a:srgbClr val="000000"/>
+                </a:solidFill>
+                <a:latin typeface="微软雅黑" panose="020B0503020204020204" pitchFamily="34" charset="-122"/>
+                <a:ea typeface="微软雅黑" panose="020B0503020204020204" pitchFamily="34" charset="-122"/>
+              </a:rPr>
+              <a:t>构造函数中的</a:t>
+            </a:r>
+            <a:r>
+              <a:rPr lang="en-US" altLang="zh-CN" dirty="0" smtClean="0">
+                <a:solidFill>
+                  <a:srgbClr val="000000"/>
+                </a:solidFill>
+                <a:latin typeface="微软雅黑" panose="020B0503020204020204" pitchFamily="34" charset="-122"/>
+                <a:ea typeface="微软雅黑" panose="020B0503020204020204" pitchFamily="34" charset="-122"/>
+              </a:rPr>
+              <a:t>this</a:t>
+            </a:r>
+            <a:r>
+              <a:rPr lang="zh-CN" altLang="en-US" dirty="0" smtClean="0">
+                <a:solidFill>
+                  <a:srgbClr val="000000"/>
+                </a:solidFill>
+                <a:latin typeface="微软雅黑" panose="020B0503020204020204" pitchFamily="34" charset="-122"/>
+                <a:ea typeface="微软雅黑" panose="020B0503020204020204" pitchFamily="34" charset="-122"/>
+              </a:rPr>
+              <a:t>指代</a:t>
+            </a:r>
+            <a:r>
+              <a:rPr lang="zh-CN" altLang="en-US" dirty="0" smtClean="0">
+                <a:solidFill>
+                  <a:srgbClr val="FF0000"/>
+                </a:solidFill>
+                <a:latin typeface="微软雅黑" panose="020B0503020204020204" pitchFamily="34" charset="-122"/>
+                <a:ea typeface="微软雅黑" panose="020B0503020204020204" pitchFamily="34" charset="-122"/>
+              </a:rPr>
+              <a:t>通过</a:t>
+            </a:r>
+            <a:r>
+              <a:rPr lang="en-US" altLang="zh-CN" dirty="0" smtClean="0">
+                <a:solidFill>
+                  <a:srgbClr val="FF0000"/>
+                </a:solidFill>
+                <a:latin typeface="微软雅黑" panose="020B0503020204020204" pitchFamily="34" charset="-122"/>
+                <a:ea typeface="微软雅黑" panose="020B0503020204020204" pitchFamily="34" charset="-122"/>
+              </a:rPr>
+              <a:t>new</a:t>
+            </a:r>
+            <a:r>
+              <a:rPr lang="zh-CN" altLang="en-US" dirty="0" smtClean="0">
+                <a:solidFill>
+                  <a:srgbClr val="FF0000"/>
+                </a:solidFill>
+                <a:latin typeface="微软雅黑" panose="020B0503020204020204" pitchFamily="34" charset="-122"/>
+                <a:ea typeface="微软雅黑" panose="020B0503020204020204" pitchFamily="34" charset="-122"/>
+              </a:rPr>
+              <a:t>新创建的对象</a:t>
+            </a:r>
+            <a:br>
+              <a:rPr lang="zh-CN" altLang="en-US" dirty="0" smtClean="0">
+                <a:solidFill>
+                  <a:srgbClr val="000000"/>
+                </a:solidFill>
+                <a:latin typeface="微软雅黑" panose="020B0503020204020204" pitchFamily="34" charset="-122"/>
+                <a:ea typeface="微软雅黑" panose="020B0503020204020204" pitchFamily="34" charset="-122"/>
+              </a:rPr>
+            </a:br>
+            <a:r>
+              <a:rPr kumimoji="0" lang="en-US" altLang="zh-CN" sz="1800" dirty="0" smtClean="0">
+                <a:solidFill>
+                  <a:schemeClr val="tx1"/>
+                </a:solidFill>
+                <a:latin typeface="微软雅黑" panose="020B0503020204020204" pitchFamily="34" charset="-122"/>
+                <a:ea typeface="微软雅黑" panose="020B0503020204020204" pitchFamily="34" charset="-122"/>
+              </a:rPr>
+              <a:t>- JS</a:t>
+            </a:r>
+            <a:r>
+              <a:rPr kumimoji="0" lang="zh-CN" altLang="en-US" sz="1800" dirty="0" smtClean="0">
+                <a:solidFill>
+                  <a:schemeClr val="tx1"/>
+                </a:solidFill>
+                <a:latin typeface="微软雅黑" panose="020B0503020204020204" pitchFamily="34" charset="-122"/>
+                <a:ea typeface="微软雅黑" panose="020B0503020204020204" pitchFamily="34" charset="-122"/>
+              </a:rPr>
+              <a:t>（</a:t>
+            </a:r>
+            <a:r>
+              <a:rPr kumimoji="0" lang="en-US" altLang="zh-CN" sz="1800" dirty="0" smtClean="0">
+                <a:solidFill>
+                  <a:schemeClr val="tx1"/>
+                </a:solidFill>
+                <a:latin typeface="微软雅黑" panose="020B0503020204020204" pitchFamily="34" charset="-122"/>
+                <a:ea typeface="微软雅黑" panose="020B0503020204020204" pitchFamily="34" charset="-122"/>
+              </a:rPr>
+              <a:t>ES5</a:t>
+            </a:r>
+            <a:r>
+              <a:rPr kumimoji="0" lang="zh-CN" altLang="en-US" sz="1800" dirty="0" smtClean="0">
+                <a:solidFill>
+                  <a:schemeClr val="tx1"/>
+                </a:solidFill>
+                <a:latin typeface="微软雅黑" panose="020B0503020204020204" pitchFamily="34" charset="-122"/>
+                <a:ea typeface="微软雅黑" panose="020B0503020204020204" pitchFamily="34" charset="-122"/>
+              </a:rPr>
+              <a:t>）</a:t>
+            </a:r>
+            <a:r>
+              <a:rPr kumimoji="0" lang="en-US" altLang="zh-CN" sz="1800" dirty="0" smtClean="0">
+                <a:solidFill>
+                  <a:schemeClr val="tx1"/>
+                </a:solidFill>
+                <a:latin typeface="微软雅黑" panose="020B0503020204020204" pitchFamily="34" charset="-122"/>
+                <a:ea typeface="微软雅黑" panose="020B0503020204020204" pitchFamily="34" charset="-122"/>
+              </a:rPr>
+              <a:t> 并没有类（class）的概念，</a:t>
+            </a:r>
+            <a:r>
+              <a:rPr kumimoji="0" lang="en-US" altLang="zh-CN" sz="1800" dirty="0" smtClean="0">
                 <a:solidFill>
                   <a:schemeClr val="tx1"/>
                 </a:solidFill>
                 <a:sym typeface="+mn-ea"/>
               </a:rPr>
-              <a:t>通过</a:t>
-            </a:r>
-            <a:r>
-              <a:rPr kumimoji="0" lang="en-US" altLang="zh-CN" dirty="0" smtClean="0">
-                <a:solidFill>
-                  <a:schemeClr val="tx1"/>
-                </a:solidFill>
-                <a:sym typeface="+mn-ea"/>
-              </a:rPr>
-              <a:t>call/applay</a:t>
-            </a:r>
-            <a:r>
-              <a:rPr kumimoji="0" lang="zh-CN" altLang="en-US" dirty="0" smtClean="0">
-                <a:solidFill>
-                  <a:schemeClr val="tx1"/>
-                </a:solidFill>
-                <a:sym typeface="+mn-ea"/>
-              </a:rPr>
-              <a:t>间接调用的函数中的</a:t>
-            </a:r>
-            <a:r>
-              <a:rPr kumimoji="0" lang="en-US" altLang="zh-CN" dirty="0" smtClean="0">
-                <a:solidFill>
-                  <a:schemeClr val="tx1"/>
-                </a:solidFill>
-                <a:sym typeface="+mn-ea"/>
-              </a:rPr>
-              <a:t>this</a:t>
-            </a:r>
-            <a:r>
-              <a:rPr kumimoji="0" lang="zh-CN" altLang="en-US" dirty="0" smtClean="0">
-                <a:solidFill>
-                  <a:schemeClr val="tx1"/>
-                </a:solidFill>
-                <a:sym typeface="+mn-ea"/>
-              </a:rPr>
-              <a:t>（指代第一个参数）</a:t>
+              <a:t>而是使用基于原型（prototype）的继承方式</a:t>
             </a:r>
             <a:br>
-              <a:rPr kumimoji="0" lang="zh-CN" altLang="en-US" dirty="0" smtClean="0">
-                <a:solidFill>
-                  <a:schemeClr val="tx1"/>
-                </a:solidFill>
-                <a:sym typeface="+mn-ea"/>
+              <a:rPr kumimoji="0" lang="en-US" altLang="zh-CN" sz="1800" dirty="0" smtClean="0">
+                <a:solidFill>
+                  <a:schemeClr val="tx1"/>
+                </a:solidFill>
+                <a:latin typeface="微软雅黑" panose="020B0503020204020204" pitchFamily="34" charset="-122"/>
+                <a:ea typeface="微软雅黑" panose="020B0503020204020204" pitchFamily="34" charset="-122"/>
               </a:rPr>
             </a:br>
             <a:r>
-              <a:rPr kumimoji="0" lang="en-US" altLang="zh-CN" sz="2000" dirty="0" smtClean="0">
-                <a:solidFill>
-                  <a:schemeClr val="tx1"/>
-                </a:solidFill>
-                <a:sym typeface="+mn-ea"/>
-              </a:rPr>
-              <a:t>- </a:t>
-            </a:r>
-            <a:r>
-              <a:rPr kumimoji="0" lang="en-US" sz="2000" dirty="0" smtClean="0">
-                <a:solidFill>
-                  <a:schemeClr val="tx1"/>
-                </a:solidFill>
-                <a:sym typeface="+mn-ea"/>
-              </a:rPr>
-              <a:t>JS</a:t>
-            </a:r>
-            <a:r>
-              <a:rPr kumimoji="0" lang="zh-CN" altLang="en-US" sz="2000" dirty="0" smtClean="0">
-                <a:solidFill>
-                  <a:schemeClr val="tx1"/>
-                </a:solidFill>
-                <a:sym typeface="+mn-ea"/>
-              </a:rPr>
-              <a:t>中函数也是对象（</a:t>
-            </a:r>
-            <a:r>
-              <a:rPr kumimoji="0" lang="zh-CN" altLang="en-US" sz="2000" dirty="0" smtClean="0">
-                <a:solidFill>
-                  <a:schemeClr val="accent3"/>
-                </a:solidFill>
-                <a:sym typeface="+mn-ea"/>
-              </a:rPr>
-              <a:t>函数对象</a:t>
-            </a:r>
-            <a:r>
-              <a:rPr kumimoji="0" lang="zh-CN" altLang="en-US" sz="2000" dirty="0" smtClean="0">
-                <a:solidFill>
-                  <a:schemeClr val="tx1"/>
-                </a:solidFill>
-                <a:sym typeface="+mn-ea"/>
-              </a:rPr>
-              <a:t>），也有属性和方法（</a:t>
-            </a:r>
-            <a:r>
-              <a:rPr kumimoji="0" lang="en-US" altLang="zh-CN" sz="2000" dirty="0" smtClean="0">
-                <a:solidFill>
-                  <a:schemeClr val="tx1"/>
-                </a:solidFill>
-                <a:sym typeface="+mn-ea"/>
-              </a:rPr>
-              <a:t>length</a:t>
-            </a:r>
-            <a:r>
-              <a:rPr kumimoji="0" lang="zh-CN" altLang="en-US" sz="2000" dirty="0" smtClean="0">
-                <a:solidFill>
-                  <a:schemeClr val="tx1"/>
-                </a:solidFill>
-                <a:sym typeface="+mn-ea"/>
-              </a:rPr>
-              <a:t>、</a:t>
-            </a:r>
-            <a:r>
-              <a:rPr kumimoji="0" lang="en-US" altLang="zh-CN" sz="2000" dirty="0" smtClean="0">
-                <a:solidFill>
-                  <a:schemeClr val="tx1"/>
-                </a:solidFill>
-                <a:sym typeface="+mn-ea"/>
-              </a:rPr>
-              <a:t>call</a:t>
-            </a:r>
-            <a:r>
-              <a:rPr kumimoji="0" lang="zh-CN" altLang="en-US" sz="2000" dirty="0" smtClean="0">
-                <a:solidFill>
-                  <a:schemeClr val="tx1"/>
-                </a:solidFill>
-                <a:sym typeface="+mn-ea"/>
-              </a:rPr>
-              <a:t>、</a:t>
-            </a:r>
-            <a:r>
-              <a:rPr kumimoji="0" lang="en-US" altLang="zh-CN" sz="2000" dirty="0" smtClean="0">
-                <a:solidFill>
-                  <a:schemeClr val="tx1"/>
-                </a:solidFill>
-                <a:sym typeface="+mn-ea"/>
-              </a:rPr>
-              <a:t>apply</a:t>
-            </a:r>
-            <a:r>
-              <a:rPr kumimoji="0" lang="zh-CN" altLang="en-US" sz="2000" dirty="0" smtClean="0">
-                <a:solidFill>
-                  <a:schemeClr val="tx1"/>
-                </a:solidFill>
-                <a:sym typeface="+mn-ea"/>
-              </a:rPr>
-              <a:t>等）</a:t>
+              <a:rPr kumimoji="0" lang="en-US" altLang="zh-CN" sz="1800" dirty="0" smtClean="0">
+                <a:solidFill>
+                  <a:schemeClr val="tx1"/>
+                </a:solidFill>
+                <a:latin typeface="微软雅黑" panose="020B0503020204020204" pitchFamily="34" charset="-122"/>
+                <a:ea typeface="微软雅黑" panose="020B0503020204020204" pitchFamily="34" charset="-122"/>
+              </a:rPr>
+              <a:t>- JS中的构造函数</a:t>
+            </a:r>
+            <a:r>
+              <a:rPr kumimoji="0" lang="zh-CN" altLang="en-US" sz="1800" dirty="0" smtClean="0">
+                <a:solidFill>
+                  <a:schemeClr val="tx1"/>
+                </a:solidFill>
+                <a:latin typeface="微软雅黑" panose="020B0503020204020204" pitchFamily="34" charset="-122"/>
+                <a:ea typeface="微软雅黑" panose="020B0503020204020204" pitchFamily="34" charset="-122"/>
+              </a:rPr>
+              <a:t>充当了类的角色</a:t>
+            </a:r>
+            <a:r>
+              <a:rPr kumimoji="0" lang="en-US" altLang="zh-CN" sz="1800" dirty="0" smtClean="0">
+                <a:solidFill>
+                  <a:schemeClr val="tx1"/>
+                </a:solidFill>
+                <a:latin typeface="微软雅黑" panose="020B0503020204020204" pitchFamily="34" charset="-122"/>
+                <a:ea typeface="微软雅黑" panose="020B0503020204020204" pitchFamily="34" charset="-122"/>
+              </a:rPr>
+              <a:t>，如果不使用 new 调用，则和普通函数一样。</a:t>
             </a:r>
             <a:br>
-              <a:rPr kumimoji="0" lang="zh-CN" altLang="en-US" sz="2000" dirty="0" smtClean="0">
-                <a:solidFill>
-                  <a:schemeClr val="tx1"/>
-                </a:solidFill>
-                <a:sym typeface="+mn-ea"/>
+              <a:rPr kumimoji="0" lang="en-US" altLang="zh-CN" sz="1800" dirty="0" smtClean="0">
+                <a:solidFill>
+                  <a:schemeClr val="tx1"/>
+                </a:solidFill>
+                <a:latin typeface="微软雅黑" panose="020B0503020204020204" pitchFamily="34" charset="-122"/>
+                <a:ea typeface="微软雅黑" panose="020B0503020204020204" pitchFamily="34" charset="-122"/>
               </a:rPr>
             </a:br>
             <a:r>
-              <a:rPr kumimoji="0" lang="en-US" altLang="zh-CN" sz="2000" dirty="0" smtClean="0">
-                <a:solidFill>
-                  <a:schemeClr val="tx1"/>
-                </a:solidFill>
-                <a:sym typeface="+mn-ea"/>
-              </a:rPr>
-              <a:t>- JS</a:t>
-            </a:r>
-            <a:r>
-              <a:rPr kumimoji="0" lang="zh-CN" altLang="en-US" sz="2000" dirty="0" smtClean="0">
-                <a:solidFill>
-                  <a:schemeClr val="tx1"/>
-                </a:solidFill>
-                <a:sym typeface="+mn-ea"/>
-              </a:rPr>
-              <a:t>中函数可以通过</a:t>
-            </a:r>
-            <a:r>
-              <a:rPr kumimoji="0" lang="en-US" altLang="zh-CN" sz="2000" dirty="0" smtClean="0">
-                <a:solidFill>
-                  <a:schemeClr val="tx1"/>
-                </a:solidFill>
-                <a:sym typeface="+mn-ea"/>
-              </a:rPr>
-              <a:t>call</a:t>
-            </a:r>
-            <a:r>
-              <a:rPr kumimoji="0" lang="zh-CN" altLang="en-US" sz="2000" dirty="0" smtClean="0">
-                <a:solidFill>
-                  <a:schemeClr val="tx1"/>
-                </a:solidFill>
-                <a:sym typeface="+mn-ea"/>
-              </a:rPr>
-              <a:t>和</a:t>
-            </a:r>
-            <a:r>
-              <a:rPr kumimoji="0" lang="en-US" altLang="zh-CN" sz="2000" dirty="0" smtClean="0">
-                <a:solidFill>
-                  <a:schemeClr val="tx1"/>
-                </a:solidFill>
-                <a:sym typeface="+mn-ea"/>
-              </a:rPr>
-              <a:t>apply</a:t>
-            </a:r>
-            <a:r>
-              <a:rPr kumimoji="0" lang="zh-CN" altLang="en-US" sz="2000" dirty="0" smtClean="0">
-                <a:solidFill>
-                  <a:schemeClr val="tx1"/>
-                </a:solidFill>
-                <a:sym typeface="+mn-ea"/>
-              </a:rPr>
-              <a:t>进行间接调用，</a:t>
-            </a:r>
-            <a:r>
-              <a:rPr kumimoji="0" lang="zh-CN" altLang="en-US" sz="2000" dirty="0" smtClean="0">
-                <a:solidFill>
-                  <a:schemeClr val="accent3"/>
-                </a:solidFill>
-                <a:sym typeface="+mn-ea"/>
-              </a:rPr>
-              <a:t>动态的指定由谁来调用此函数</a:t>
-            </a:r>
-            <a:br>
-              <a:rPr kumimoji="0" lang="en-US" altLang="zh-CN" dirty="0" smtClean="0">
+              <a:rPr kumimoji="0" lang="en-US" altLang="zh-CN" sz="1800" dirty="0" smtClean="0">
                 <a:solidFill>
                   <a:schemeClr val="tx1"/>
                 </a:solidFill>
                 <a:latin typeface="微软雅黑" panose="020B0503020204020204" pitchFamily="34" charset="-122"/>
                 <a:ea typeface="微软雅黑" panose="020B0503020204020204" pitchFamily="34" charset="-122"/>
-                <a:sym typeface="+mn-ea"/>
-              </a:rPr>
-            </a:br>
-            <a:endParaRPr kumimoji="0" lang="en-US" altLang="zh-CN" dirty="0" smtClean="0">
+              </a:rPr>
+              <a:t>- 如果</a:t>
+            </a:r>
+            <a:r>
+              <a:rPr kumimoji="0" lang="zh-CN" altLang="en-US" sz="1800" dirty="0" smtClean="0">
+                <a:solidFill>
+                  <a:schemeClr val="tx1"/>
+                </a:solidFill>
+                <a:latin typeface="微软雅黑" panose="020B0503020204020204" pitchFamily="34" charset="-122"/>
+                <a:ea typeface="微软雅黑" panose="020B0503020204020204" pitchFamily="34" charset="-122"/>
+              </a:rPr>
+              <a:t>作为构造函数正确调用时</a:t>
+            </a:r>
+            <a:r>
+              <a:rPr kumimoji="0" lang="en-US" altLang="zh-CN" sz="1800" dirty="0" smtClean="0">
+                <a:solidFill>
+                  <a:schemeClr val="tx1"/>
+                </a:solidFill>
+                <a:latin typeface="微软雅黑" panose="020B0503020204020204" pitchFamily="34" charset="-122"/>
+                <a:ea typeface="微软雅黑" panose="020B0503020204020204" pitchFamily="34" charset="-122"/>
+              </a:rPr>
+              <a:t>，</a:t>
+            </a:r>
+            <a:r>
+              <a:rPr kumimoji="0" lang="zh-CN" altLang="en-US" sz="1800" dirty="0" smtClean="0">
+                <a:solidFill>
+                  <a:schemeClr val="tx1"/>
+                </a:solidFill>
+                <a:latin typeface="微软雅黑" panose="020B0503020204020204" pitchFamily="34" charset="-122"/>
+                <a:ea typeface="微软雅黑" panose="020B0503020204020204" pitchFamily="34" charset="-122"/>
+              </a:rPr>
+              <a:t>构造函数中的</a:t>
+            </a:r>
+            <a:r>
+              <a:rPr kumimoji="0" lang="en-US" altLang="zh-CN" sz="1800" dirty="0" smtClean="0">
+                <a:solidFill>
+                  <a:schemeClr val="tx1"/>
+                </a:solidFill>
+                <a:latin typeface="微软雅黑" panose="020B0503020204020204" pitchFamily="34" charset="-122"/>
+                <a:ea typeface="微软雅黑" panose="020B0503020204020204" pitchFamily="34" charset="-122"/>
+              </a:rPr>
+              <a:t>this 绑定到新创建的对象上</a:t>
+            </a:r>
+            <a:endParaRPr kumimoji="0" lang="zh-CN" altLang="en-US" sz="1800" dirty="0" smtClean="0">
               <a:solidFill>
                 <a:schemeClr val="tx1"/>
               </a:solidFill>
               <a:latin typeface="微软雅黑" panose="020B0503020204020204" pitchFamily="34" charset="-122"/>
               <a:ea typeface="微软雅黑" panose="020B0503020204020204" pitchFamily="34" charset="-122"/>
-              <a:sym typeface="+mn-ea"/>
             </a:endParaRPr>
           </a:p>
         </p:txBody>
@@ -3481,76 +3658,35 @@
           <a:bodyPr/>
           <a:p>
             <a:r>
-              <a:rPr kumimoji="0" lang="zh-CN" altLang="en-US" b="0" dirty="0">
+              <a:rPr kumimoji="0" lang="zh-CN" b="0" dirty="0">
                 <a:solidFill>
                   <a:srgbClr val="C00000"/>
                 </a:solidFill>
               </a:rPr>
-              <a:t>四、间接调用</a:t>
-            </a:r>
-            <a:r>
-              <a:rPr kumimoji="0" lang="zh-CN" b="0" dirty="0">
+              <a:t>三、构造函数中的</a:t>
+            </a:r>
+            <a:r>
+              <a:rPr kumimoji="0" lang="en-US" altLang="zh-CN" b="0" dirty="0">
                 <a:solidFill>
                   <a:srgbClr val="C00000"/>
                 </a:solidFill>
               </a:rPr>
-              <a:t>中的</a:t>
-            </a:r>
-            <a:r>
-              <a:rPr kumimoji="0" lang="en-US" altLang="zh-CN" b="0" dirty="0">
-                <a:solidFill>
-                  <a:srgbClr val="C00000"/>
-                </a:solidFill>
-              </a:rPr>
               <a:t>this</a:t>
             </a:r>
-            <a:r>
-              <a:rPr kumimoji="0" lang="zh-CN" altLang="en-US" b="0" dirty="0">
-                <a:solidFill>
-                  <a:srgbClr val="C00000"/>
-                </a:solidFill>
-              </a:rPr>
-              <a:t>（</a:t>
-            </a:r>
-            <a:r>
-              <a:rPr kumimoji="0" lang="en-US" altLang="zh-CN" b="0" dirty="0">
-                <a:solidFill>
-                  <a:srgbClr val="C00000"/>
-                </a:solidFill>
-              </a:rPr>
-              <a:t>call</a:t>
-            </a:r>
-            <a:r>
-              <a:rPr kumimoji="0" lang="zh-CN" altLang="en-US" b="0" dirty="0">
-                <a:solidFill>
-                  <a:srgbClr val="C00000"/>
-                </a:solidFill>
-              </a:rPr>
-              <a:t>、</a:t>
-            </a:r>
-            <a:r>
-              <a:rPr kumimoji="0" lang="en-US" altLang="zh-CN" b="0" dirty="0">
-                <a:solidFill>
-                  <a:srgbClr val="C00000"/>
-                </a:solidFill>
-              </a:rPr>
-              <a:t>apply</a:t>
-            </a:r>
-            <a:r>
-              <a:rPr kumimoji="0" lang="zh-CN" altLang="en-US" b="0" dirty="0">
-                <a:solidFill>
-                  <a:srgbClr val="C00000"/>
-                </a:solidFill>
-              </a:rPr>
-              <a:t>）</a:t>
-            </a:r>
+            <a:endParaRPr kumimoji="0" lang="zh-CN" altLang="en-US" b="0" dirty="0">
+              <a:solidFill>
+                <a:srgbClr val="C00000"/>
+              </a:solidFill>
+            </a:endParaRPr>
+          </a:p>
+          <a:p>
             <a:endParaRPr lang="zh-CN" altLang="en-US" dirty="0"/>
           </a:p>
         </p:txBody>
       </p:sp>
       <p:pic>
         <p:nvPicPr>
-          <p:cNvPr id="2" name="图片 1"/>
+          <p:cNvPr id="2" name="图片 1" descr="02OLZ9HCUUST$M3[5$(C_%V"/>
           <p:cNvPicPr>
             <a:picLocks noChangeAspect="1"/>
           </p:cNvPicPr>
@@ -3564,8 +3700,8 @@
         </p:blipFill>
         <p:spPr>
           <a:xfrm>
-            <a:off x="1223010" y="2691130"/>
-            <a:ext cx="6071235" cy="3053715"/>
+            <a:off x="1154430" y="3093720"/>
+            <a:ext cx="4782820" cy="2839720"/>
           </a:xfrm>
           <a:prstGeom prst="rect">
             <a:avLst/>
@@ -3612,7 +3748,7 @@
                 <a:latin typeface="+mn-ea"/>
                 <a:ea typeface="+mn-ea"/>
               </a:rPr>
-              <a:t>demo05 </a:t>
+              <a:t>demo04 </a:t>
             </a:r>
             <a:r>
               <a:rPr lang="zh-CN" altLang="en-US" sz="2200">
@@ -3622,17 +3758,7 @@
                 <a:latin typeface="+mn-ea"/>
                 <a:ea typeface="+mn-ea"/>
               </a:rPr>
-              <a:t>间接调用中</a:t>
-            </a:r>
-            <a:r>
-              <a:rPr lang="zh-CN" altLang="en-US" sz="2200">
-                <a:solidFill>
-                  <a:srgbClr val="FF0000"/>
-                </a:solidFill>
-                <a:latin typeface="+mn-ea"/>
-                <a:ea typeface="+mn-ea"/>
-              </a:rPr>
-              <a:t>的</a:t>
+              <a:t>构造函数中的</a:t>
             </a:r>
             <a:r>
               <a:rPr lang="en-US" altLang="zh-CN" sz="2200">
@@ -3990,526 +4116,6 @@
       </p:grpSpPr>
       <p:sp>
         <p:nvSpPr>
-          <p:cNvPr id="5123" name="AutoShape 6"/>
-          <p:cNvSpPr>
-            <a:spLocks noChangeArrowheads="1"/>
-          </p:cNvSpPr>
-          <p:nvPr/>
-        </p:nvSpPr>
-        <p:spPr bwMode="auto">
-          <a:xfrm>
-            <a:off x="2566988" y="1339851"/>
-            <a:ext cx="6711950" cy="4214813"/>
-          </a:xfrm>
-          <a:prstGeom prst="roundRect">
-            <a:avLst>
-              <a:gd name="adj" fmla="val 16667"/>
-            </a:avLst>
-          </a:prstGeom>
-          <a:noFill/>
-          <a:ln w="28575">
-            <a:solidFill>
-              <a:srgbClr val="C0C0C0"/>
-            </a:solidFill>
-            <a:prstDash val="sysDot"/>
-            <a:round/>
-          </a:ln>
-          <a:extLst>
-            <a:ext uri="{909E8E84-426E-40DD-AFC4-6F175D3DCCD1}">
-              <a14:hiddenFill xmlns:a14="http://schemas.microsoft.com/office/drawing/2010/main">
-                <a:solidFill>
-                  <a:srgbClr val="FFFFFF"/>
-                </a:solidFill>
-              </a14:hiddenFill>
-            </a:ext>
-          </a:extLst>
-        </p:spPr>
-        <p:txBody>
-          <a:bodyPr wrap="none" anchor="ctr"/>
-          <a:lstStyle>
-            <a:lvl1pPr marL="457200" indent="-457200">
-              <a:defRPr sz="3200">
-                <a:solidFill>
-                  <a:schemeClr val="tx1"/>
-                </a:solidFill>
-                <a:latin typeface="Arial" panose="020B0604020202020204" pitchFamily="34" charset="0"/>
-                <a:ea typeface="微软雅黑" panose="020B0503020204020204" pitchFamily="34" charset="-122"/>
-              </a:defRPr>
-            </a:lvl1pPr>
-            <a:lvl2pPr marL="742950" indent="-285750">
-              <a:defRPr sz="3200">
-                <a:solidFill>
-                  <a:schemeClr val="tx1"/>
-                </a:solidFill>
-                <a:latin typeface="Arial" panose="020B0604020202020204" pitchFamily="34" charset="0"/>
-                <a:ea typeface="微软雅黑" panose="020B0503020204020204" pitchFamily="34" charset="-122"/>
-              </a:defRPr>
-            </a:lvl2pPr>
-            <a:lvl3pPr marL="1143000" indent="-228600">
-              <a:defRPr sz="3200">
-                <a:solidFill>
-                  <a:schemeClr val="tx1"/>
-                </a:solidFill>
-                <a:latin typeface="Arial" panose="020B0604020202020204" pitchFamily="34" charset="0"/>
-                <a:ea typeface="微软雅黑" panose="020B0503020204020204" pitchFamily="34" charset="-122"/>
-              </a:defRPr>
-            </a:lvl3pPr>
-            <a:lvl4pPr marL="1600200" indent="-228600">
-              <a:defRPr sz="3200">
-                <a:solidFill>
-                  <a:schemeClr val="tx1"/>
-                </a:solidFill>
-                <a:latin typeface="Arial" panose="020B0604020202020204" pitchFamily="34" charset="0"/>
-                <a:ea typeface="微软雅黑" panose="020B0503020204020204" pitchFamily="34" charset="-122"/>
-              </a:defRPr>
-            </a:lvl4pPr>
-            <a:lvl5pPr marL="2057400" indent="-228600">
-              <a:defRPr sz="3200">
-                <a:solidFill>
-                  <a:schemeClr val="tx1"/>
-                </a:solidFill>
-                <a:latin typeface="Arial" panose="020B0604020202020204" pitchFamily="34" charset="0"/>
-                <a:ea typeface="微软雅黑" panose="020B0503020204020204" pitchFamily="34" charset="-122"/>
-              </a:defRPr>
-            </a:lvl5pPr>
-            <a:lvl6pPr marL="2514600" indent="-228600" eaLnBrk="0" fontAlgn="base" hangingPunct="0">
-              <a:spcBef>
-                <a:spcPct val="0"/>
-              </a:spcBef>
-              <a:spcAft>
-                <a:spcPct val="0"/>
-              </a:spcAft>
-              <a:defRPr sz="3200">
-                <a:solidFill>
-                  <a:schemeClr val="tx1"/>
-                </a:solidFill>
-                <a:latin typeface="Arial" panose="020B0604020202020204" pitchFamily="34" charset="0"/>
-                <a:ea typeface="微软雅黑" panose="020B0503020204020204" pitchFamily="34" charset="-122"/>
-              </a:defRPr>
-            </a:lvl6pPr>
-            <a:lvl7pPr marL="2971800" indent="-228600" eaLnBrk="0" fontAlgn="base" hangingPunct="0">
-              <a:spcBef>
-                <a:spcPct val="0"/>
-              </a:spcBef>
-              <a:spcAft>
-                <a:spcPct val="0"/>
-              </a:spcAft>
-              <a:defRPr sz="3200">
-                <a:solidFill>
-                  <a:schemeClr val="tx1"/>
-                </a:solidFill>
-                <a:latin typeface="Arial" panose="020B0604020202020204" pitchFamily="34" charset="0"/>
-                <a:ea typeface="微软雅黑" panose="020B0503020204020204" pitchFamily="34" charset="-122"/>
-              </a:defRPr>
-            </a:lvl7pPr>
-            <a:lvl8pPr marL="3429000" indent="-228600" eaLnBrk="0" fontAlgn="base" hangingPunct="0">
-              <a:spcBef>
-                <a:spcPct val="0"/>
-              </a:spcBef>
-              <a:spcAft>
-                <a:spcPct val="0"/>
-              </a:spcAft>
-              <a:defRPr sz="3200">
-                <a:solidFill>
-                  <a:schemeClr val="tx1"/>
-                </a:solidFill>
-                <a:latin typeface="Arial" panose="020B0604020202020204" pitchFamily="34" charset="0"/>
-                <a:ea typeface="微软雅黑" panose="020B0503020204020204" pitchFamily="34" charset="-122"/>
-              </a:defRPr>
-            </a:lvl8pPr>
-            <a:lvl9pPr marL="3886200" indent="-228600" eaLnBrk="0" fontAlgn="base" hangingPunct="0">
-              <a:spcBef>
-                <a:spcPct val="0"/>
-              </a:spcBef>
-              <a:spcAft>
-                <a:spcPct val="0"/>
-              </a:spcAft>
-              <a:defRPr sz="3200">
-                <a:solidFill>
-                  <a:schemeClr val="tx1"/>
-                </a:solidFill>
-                <a:latin typeface="Arial" panose="020B0604020202020204" pitchFamily="34" charset="0"/>
-                <a:ea typeface="微软雅黑" panose="020B0503020204020204" pitchFamily="34" charset="-122"/>
-              </a:defRPr>
-            </a:lvl9pPr>
-          </a:lstStyle>
-          <a:p>
-            <a:pPr algn="l">
-              <a:lnSpc>
-                <a:spcPct val="150000"/>
-              </a:lnSpc>
-              <a:spcBef>
-                <a:spcPts val="1200"/>
-              </a:spcBef>
-              <a:spcAft>
-                <a:spcPts val="1200"/>
-              </a:spcAft>
-              <a:buClr>
-                <a:srgbClr val="92D050"/>
-              </a:buClr>
-              <a:buFont typeface="Wingdings" panose="05000000000000000000" pitchFamily="2" charset="2"/>
-              <a:buChar char="Ø"/>
-            </a:pPr>
-            <a:r>
-              <a:rPr lang="en-US" altLang="zh-CN" sz="2800" b="1">
-                <a:solidFill>
-                  <a:schemeClr val="tx1"/>
-                </a:solidFill>
-              </a:rPr>
-              <a:t>JS this</a:t>
-            </a:r>
-            <a:r>
-              <a:rPr lang="zh-CN" altLang="en-US" sz="2800" b="1">
-                <a:solidFill>
-                  <a:schemeClr val="tx1"/>
-                </a:solidFill>
-              </a:rPr>
-              <a:t>简介及特点</a:t>
-            </a:r>
-            <a:endParaRPr lang="zh-CN" altLang="en-US" sz="2800" b="1">
-              <a:solidFill>
-                <a:schemeClr val="tx1"/>
-              </a:solidFill>
-            </a:endParaRPr>
-          </a:p>
-          <a:p>
-            <a:pPr algn="l">
-              <a:lnSpc>
-                <a:spcPct val="150000"/>
-              </a:lnSpc>
-              <a:spcBef>
-                <a:spcPts val="1200"/>
-              </a:spcBef>
-              <a:spcAft>
-                <a:spcPts val="1200"/>
-              </a:spcAft>
-              <a:buClr>
-                <a:srgbClr val="92D050"/>
-              </a:buClr>
-              <a:buFont typeface="Wingdings" panose="05000000000000000000" pitchFamily="2" charset="2"/>
-              <a:buChar char="Ø"/>
-            </a:pPr>
-            <a:r>
-              <a:rPr lang="en-US" altLang="zh-CN" sz="2800" b="1">
-                <a:solidFill>
-                  <a:schemeClr val="tx1"/>
-                </a:solidFill>
-                <a:sym typeface="+mn-ea"/>
-              </a:rPr>
-              <a:t>JS this</a:t>
-            </a:r>
-            <a:r>
-              <a:rPr lang="zh-CN" altLang="en-US" sz="2800" b="1">
-                <a:solidFill>
-                  <a:schemeClr val="tx1"/>
-                </a:solidFill>
-                <a:sym typeface="+mn-ea"/>
-              </a:rPr>
-              <a:t>四种应用场景</a:t>
-            </a:r>
-            <a:endParaRPr lang="zh-CN" altLang="en-US" sz="2800" b="1">
-              <a:solidFill>
-                <a:schemeClr val="tx1"/>
-              </a:solidFill>
-              <a:sym typeface="+mn-ea"/>
-            </a:endParaRPr>
-          </a:p>
-          <a:p>
-            <a:pPr algn="l">
-              <a:lnSpc>
-                <a:spcPct val="150000"/>
-              </a:lnSpc>
-              <a:spcBef>
-                <a:spcPts val="1200"/>
-              </a:spcBef>
-              <a:spcAft>
-                <a:spcPts val="1200"/>
-              </a:spcAft>
-              <a:buClr>
-                <a:srgbClr val="92D050"/>
-              </a:buClr>
-              <a:buFont typeface="Wingdings" panose="05000000000000000000" pitchFamily="2" charset="2"/>
-              <a:buChar char="Ø"/>
-            </a:pPr>
-            <a:r>
-              <a:rPr lang="en-US" altLang="zh-CN" sz="2800" b="1">
-                <a:solidFill>
-                  <a:srgbClr val="FF0000"/>
-                </a:solidFill>
-                <a:sym typeface="+mn-ea"/>
-              </a:rPr>
-              <a:t>JS this</a:t>
-            </a:r>
-            <a:r>
-              <a:rPr lang="zh-CN" altLang="en-US" sz="2800" b="1">
-                <a:solidFill>
-                  <a:srgbClr val="FF0000"/>
-                </a:solidFill>
-                <a:sym typeface="+mn-ea"/>
-              </a:rPr>
-              <a:t>缺陷和解决方法</a:t>
-            </a:r>
-            <a:endParaRPr lang="zh-CN" altLang="en-US" sz="2800" b="1">
-              <a:solidFill>
-                <a:srgbClr val="FF0000"/>
-              </a:solidFill>
-              <a:sym typeface="+mn-ea"/>
-            </a:endParaRPr>
-          </a:p>
-        </p:txBody>
-      </p:sp>
-      <p:sp>
-        <p:nvSpPr>
-          <p:cNvPr id="4" name="内容占位符 3"/>
-          <p:cNvSpPr txBox="1"/>
-          <p:nvPr/>
-        </p:nvSpPr>
-        <p:spPr>
-          <a:xfrm>
-            <a:off x="981657" y="236943"/>
-            <a:ext cx="8191557" cy="490476"/>
-          </a:xfrm>
-          <a:prstGeom prst="rect">
-            <a:avLst/>
-          </a:prstGeom>
-        </p:spPr>
-        <p:txBody>
-          <a:bodyPr/>
-          <a:lstStyle>
-            <a:lvl1pPr marL="167005" indent="-167005" algn="l" defTabSz="0" rtl="0" eaLnBrk="0" fontAlgn="base" hangingPunct="0">
-              <a:spcBef>
-                <a:spcPct val="0"/>
-              </a:spcBef>
-              <a:spcAft>
-                <a:spcPct val="15000"/>
-              </a:spcAft>
-              <a:buClr>
-                <a:schemeClr val="tx2"/>
-              </a:buClr>
-              <a:buFont typeface="Arial" panose="020B0604020202020204" pitchFamily="34" charset="0"/>
-              <a:buChar char="•"/>
-              <a:defRPr kumimoji="1" sz="1600">
-                <a:solidFill>
-                  <a:srgbClr val="006F53"/>
-                </a:solidFill>
-                <a:latin typeface="微软雅黑" panose="020B0503020204020204" pitchFamily="34" charset="-122"/>
-                <a:ea typeface="微软雅黑" panose="020B0503020204020204" pitchFamily="34" charset="-122"/>
-                <a:cs typeface="微软雅黑" panose="020B0503020204020204" pitchFamily="34" charset="-122"/>
-              </a:defRPr>
-            </a:lvl1pPr>
-            <a:lvl2pPr marL="398780" indent="-230505" algn="l" defTabSz="0" rtl="0" eaLnBrk="0" fontAlgn="base" hangingPunct="0">
-              <a:spcBef>
-                <a:spcPct val="0"/>
-              </a:spcBef>
-              <a:spcAft>
-                <a:spcPct val="15000"/>
-              </a:spcAft>
-              <a:buClr>
-                <a:schemeClr val="tx2"/>
-              </a:buClr>
-              <a:buFont typeface="Arial" panose="020B0604020202020204" pitchFamily="34" charset="0"/>
-              <a:buChar char="–"/>
-              <a:defRPr kumimoji="1" sz="2800">
-                <a:solidFill>
-                  <a:schemeClr val="bg2"/>
-                </a:solidFill>
-                <a:latin typeface="微软雅黑" panose="020B0503020204020204" pitchFamily="34" charset="-122"/>
-                <a:ea typeface="微软雅黑" panose="020B0503020204020204" pitchFamily="34" charset="-122"/>
-                <a:cs typeface="微软雅黑" panose="020B0503020204020204" pitchFamily="34" charset="-122"/>
-              </a:defRPr>
-            </a:lvl2pPr>
-            <a:lvl3pPr marL="400050" indent="182880" algn="l" defTabSz="0" rtl="0" eaLnBrk="0" fontAlgn="base" hangingPunct="0">
-              <a:spcBef>
-                <a:spcPct val="0"/>
-              </a:spcBef>
-              <a:spcAft>
-                <a:spcPct val="15000"/>
-              </a:spcAft>
-              <a:buClr>
-                <a:schemeClr val="tx2"/>
-              </a:buClr>
-              <a:buFont typeface="Arial" panose="020B0604020202020204" pitchFamily="34" charset="0"/>
-              <a:buChar char="•"/>
-              <a:defRPr kumimoji="1" sz="1600">
-                <a:solidFill>
-                  <a:schemeClr val="bg2"/>
-                </a:solidFill>
-                <a:latin typeface="微软雅黑" panose="020B0503020204020204" pitchFamily="34" charset="-122"/>
-                <a:ea typeface="微软雅黑" panose="020B0503020204020204" pitchFamily="34" charset="-122"/>
-                <a:cs typeface="微软雅黑" panose="020B0503020204020204" pitchFamily="34" charset="-122"/>
-              </a:defRPr>
-            </a:lvl3pPr>
-            <a:lvl4pPr marL="825500" indent="-241300" algn="l" defTabSz="0" rtl="0" eaLnBrk="0" fontAlgn="base" hangingPunct="0">
-              <a:spcBef>
-                <a:spcPct val="0"/>
-              </a:spcBef>
-              <a:spcAft>
-                <a:spcPct val="15000"/>
-              </a:spcAft>
-              <a:buClr>
-                <a:schemeClr val="tx2"/>
-              </a:buClr>
-              <a:buFont typeface="Arial" panose="020B0604020202020204" pitchFamily="34" charset="0"/>
-              <a:buChar char="–"/>
-              <a:defRPr kumimoji="1" sz="1600">
-                <a:solidFill>
-                  <a:schemeClr val="bg2"/>
-                </a:solidFill>
-                <a:latin typeface="微软雅黑" panose="020B0503020204020204" pitchFamily="34" charset="-122"/>
-                <a:ea typeface="微软雅黑" panose="020B0503020204020204" pitchFamily="34" charset="-122"/>
-                <a:cs typeface="微软雅黑" panose="020B0503020204020204" pitchFamily="34" charset="-122"/>
-              </a:defRPr>
-            </a:lvl4pPr>
-            <a:lvl5pPr marL="2057400" indent="-228600" algn="l" defTabSz="0" rtl="0" eaLnBrk="0" fontAlgn="base" hangingPunct="0">
-              <a:spcBef>
-                <a:spcPct val="0"/>
-              </a:spcBef>
-              <a:spcAft>
-                <a:spcPct val="25000"/>
-              </a:spcAft>
-              <a:buClr>
-                <a:schemeClr val="tx2"/>
-              </a:buClr>
-              <a:buFont typeface="Arial" panose="020B0604020202020204" pitchFamily="34" charset="0"/>
-              <a:buChar char="–"/>
-              <a:defRPr kumimoji="1" sz="2000">
-                <a:solidFill>
-                  <a:schemeClr val="tx1"/>
-                </a:solidFill>
-                <a:latin typeface="+mn-lt"/>
-                <a:ea typeface="微软雅黑" panose="020B0503020204020204" pitchFamily="34" charset="-122"/>
-                <a:cs typeface="微软雅黑" panose="020B0503020204020204" pitchFamily="34" charset="-122"/>
-              </a:defRPr>
-            </a:lvl5pPr>
-            <a:lvl6pPr marL="2514600" indent="-228600" algn="l" defTabSz="0" rtl="0" eaLnBrk="0" fontAlgn="base" hangingPunct="0">
-              <a:spcBef>
-                <a:spcPct val="0"/>
-              </a:spcBef>
-              <a:spcAft>
-                <a:spcPct val="25000"/>
-              </a:spcAft>
-              <a:buClr>
-                <a:schemeClr val="tx2"/>
-              </a:buClr>
-              <a:buFont typeface="Arial" panose="020B0604020202020204" pitchFamily="34" charset="0"/>
-              <a:buChar char="–"/>
-              <a:defRPr>
-                <a:solidFill>
-                  <a:schemeClr val="tx1"/>
-                </a:solidFill>
-                <a:latin typeface="+mn-lt"/>
-              </a:defRPr>
-            </a:lvl6pPr>
-            <a:lvl7pPr marL="2971800" indent="-228600" algn="l" defTabSz="0" rtl="0" eaLnBrk="0" fontAlgn="base" hangingPunct="0">
-              <a:spcBef>
-                <a:spcPct val="0"/>
-              </a:spcBef>
-              <a:spcAft>
-                <a:spcPct val="25000"/>
-              </a:spcAft>
-              <a:buClr>
-                <a:schemeClr val="tx2"/>
-              </a:buClr>
-              <a:buFont typeface="Arial" panose="020B0604020202020204" pitchFamily="34" charset="0"/>
-              <a:buChar char="–"/>
-              <a:defRPr>
-                <a:solidFill>
-                  <a:schemeClr val="tx1"/>
-                </a:solidFill>
-                <a:latin typeface="+mn-lt"/>
-              </a:defRPr>
-            </a:lvl7pPr>
-            <a:lvl8pPr marL="3429000" indent="-228600" algn="l" defTabSz="0" rtl="0" eaLnBrk="0" fontAlgn="base" hangingPunct="0">
-              <a:spcBef>
-                <a:spcPct val="0"/>
-              </a:spcBef>
-              <a:spcAft>
-                <a:spcPct val="25000"/>
-              </a:spcAft>
-              <a:buClr>
-                <a:schemeClr val="tx2"/>
-              </a:buClr>
-              <a:buFont typeface="Arial" panose="020B0604020202020204" pitchFamily="34" charset="0"/>
-              <a:buChar char="–"/>
-              <a:defRPr>
-                <a:solidFill>
-                  <a:schemeClr val="tx1"/>
-                </a:solidFill>
-                <a:latin typeface="+mn-lt"/>
-              </a:defRPr>
-            </a:lvl8pPr>
-            <a:lvl9pPr marL="3886200" indent="-228600" algn="l" defTabSz="0" rtl="0" eaLnBrk="0" fontAlgn="base" hangingPunct="0">
-              <a:spcBef>
-                <a:spcPct val="0"/>
-              </a:spcBef>
-              <a:spcAft>
-                <a:spcPct val="25000"/>
-              </a:spcAft>
-              <a:buClr>
-                <a:schemeClr val="tx2"/>
-              </a:buClr>
-              <a:buFont typeface="Arial" panose="020B0604020202020204" pitchFamily="34" charset="0"/>
-              <a:buChar char="–"/>
-              <a:defRPr>
-                <a:solidFill>
-                  <a:schemeClr val="tx1"/>
-                </a:solidFill>
-                <a:latin typeface="+mn-lt"/>
-              </a:defRPr>
-            </a:lvl9pPr>
-          </a:lstStyle>
-          <a:p>
-            <a:pPr marL="0" indent="0">
-              <a:buNone/>
-            </a:pPr>
-            <a:r>
-              <a:rPr lang="zh-CN" altLang="en-US" sz="3200" dirty="0" smtClean="0">
-                <a:solidFill>
-                  <a:srgbClr val="C00000"/>
-                </a:solidFill>
-                <a:cs typeface="+mn-cs"/>
-                <a:sym typeface="+mn-ea"/>
-              </a:rPr>
-              <a:t>内容提纲</a:t>
-            </a:r>
-            <a:endParaRPr lang="zh-CN" altLang="en-US" kern="0" dirty="0"/>
-          </a:p>
-        </p:txBody>
-      </p:sp>
-    </p:spTree>
-  </p:cSld>
-  <p:clrMapOvr>
-    <a:masterClrMapping/>
-  </p:clrMapOvr>
-  <p:timing>
-    <p:tnLst>
-      <p:par>
-        <p:cTn id="1" dur="indefinite" restart="never" nodeType="tmRoot"/>
-      </p:par>
-    </p:tnLst>
-  </p:timing>
-</p:sld>
-</file>
-
-<file path=ppt/slides/slide12.xml><?xml version="1.0" encoding="utf-8"?>
-<p:sld xmlns:a="http://schemas.openxmlformats.org/drawingml/2006/main" xmlns:r="http://schemas.openxmlformats.org/officeDocument/2006/relationships" xmlns:p="http://schemas.openxmlformats.org/presentationml/2006/main">
-  <p:cSld>
-    <p:spTree>
-      <p:nvGrpSpPr>
-        <p:cNvPr id="1" name=""/>
-        <p:cNvGrpSpPr/>
-        <p:nvPr/>
-      </p:nvGrpSpPr>
-      <p:grpSpPr>
-        <a:xfrm>
-          <a:off x="0" y="0"/>
-          <a:ext cx="0" cy="0"/>
-          <a:chOff x="0" y="0"/>
-          <a:chExt cx="0" cy="0"/>
-        </a:xfrm>
-      </p:grpSpPr>
-      <p:sp>
-        <p:nvSpPr>
           <p:cNvPr id="30722" name="内容占位符 1"/>
           <p:cNvSpPr>
             <a:spLocks noGrp="1"/>
@@ -4521,7 +4127,7 @@
         <p:spPr bwMode="auto">
           <a:xfrm>
             <a:off x="947420" y="923290"/>
-            <a:ext cx="9940290" cy="5010785"/>
+            <a:ext cx="10138410" cy="5010785"/>
           </a:xfrm>
           <a:noFill/>
           <a:extLst>
@@ -4562,57 +4168,236 @@
               <a:buChar char="•"/>
             </a:pPr>
             <a:r>
-              <a:rPr kumimoji="0" lang="en-US" dirty="0">
+              <a:rPr kumimoji="0" lang="zh-CN" altLang="en-US" dirty="0" smtClean="0">
                 <a:solidFill>
                   <a:schemeClr val="tx1"/>
                 </a:solidFill>
                 <a:sym typeface="+mn-ea"/>
               </a:rPr>
+              <a:t>通过</a:t>
+            </a:r>
+            <a:r>
+              <a:rPr kumimoji="0" lang="en-US" altLang="zh-CN" dirty="0" smtClean="0">
+                <a:solidFill>
+                  <a:schemeClr val="tx1"/>
+                </a:solidFill>
+                <a:sym typeface="+mn-ea"/>
+              </a:rPr>
+              <a:t>call/applay</a:t>
+            </a:r>
+            <a:r>
+              <a:rPr kumimoji="0" lang="zh-CN" altLang="en-US" dirty="0" smtClean="0">
+                <a:solidFill>
+                  <a:schemeClr val="tx1"/>
+                </a:solidFill>
+                <a:sym typeface="+mn-ea"/>
+              </a:rPr>
+              <a:t>间接调用的函数中的</a:t>
+            </a:r>
+            <a:r>
+              <a:rPr kumimoji="0" lang="en-US" altLang="zh-CN" dirty="0" smtClean="0">
+                <a:solidFill>
+                  <a:schemeClr val="tx1"/>
+                </a:solidFill>
+                <a:sym typeface="+mn-ea"/>
+              </a:rPr>
               <a:t>this</a:t>
             </a:r>
             <a:r>
-              <a:rPr kumimoji="0" lang="zh-CN" altLang="en-US" dirty="0">
+              <a:rPr kumimoji="0" lang="zh-CN" altLang="en-US" dirty="0" smtClean="0">
                 <a:solidFill>
                   <a:schemeClr val="tx1"/>
                 </a:solidFill>
                 <a:sym typeface="+mn-ea"/>
               </a:rPr>
-              <a:t>不进行作用域传递、</a:t>
-            </a:r>
-            <a:r>
-              <a:rPr kumimoji="0" lang="zh-CN" dirty="0">
+              <a:t>（指代第一个参数）</a:t>
+            </a:r>
+            <a:br>
+              <a:rPr kumimoji="0" lang="zh-CN" altLang="en-US" dirty="0" smtClean="0">
                 <a:solidFill>
                   <a:schemeClr val="tx1"/>
                 </a:solidFill>
                 <a:sym typeface="+mn-ea"/>
               </a:rPr>
-              <a:t>函数嵌套中的</a:t>
-            </a:r>
-            <a:r>
-              <a:rPr kumimoji="0" lang="en-US" altLang="zh-CN" dirty="0">
+            </a:br>
+            <a:r>
+              <a:rPr kumimoji="0" lang="en-US" altLang="zh-CN" sz="2000" dirty="0" smtClean="0">
                 <a:solidFill>
                   <a:schemeClr val="tx1"/>
                 </a:solidFill>
                 <a:sym typeface="+mn-ea"/>
               </a:rPr>
-              <a:t>this</a:t>
-            </a:r>
-            <a:r>
-              <a:rPr kumimoji="0" lang="zh-CN" altLang="en-US" dirty="0">
+              <a:t>- </a:t>
+            </a:r>
+            <a:r>
+              <a:rPr kumimoji="0" lang="en-US" sz="2000" dirty="0" smtClean="0">
                 <a:solidFill>
                   <a:schemeClr val="tx1"/>
                 </a:solidFill>
                 <a:sym typeface="+mn-ea"/>
               </a:rPr>
-              <a:t>存在缺陷</a:t>
+              <a:t>JS</a:t>
+            </a:r>
+            <a:r>
+              <a:rPr kumimoji="0" lang="zh-CN" altLang="en-US" sz="2000" dirty="0" smtClean="0">
+                <a:solidFill>
+                  <a:schemeClr val="tx1"/>
+                </a:solidFill>
+                <a:sym typeface="+mn-ea"/>
+              </a:rPr>
+              <a:t>中函数也是对象（</a:t>
+            </a:r>
+            <a:r>
+              <a:rPr kumimoji="0" lang="zh-CN" altLang="en-US" sz="2000" dirty="0" smtClean="0">
+                <a:solidFill>
+                  <a:schemeClr val="accent3"/>
+                </a:solidFill>
+                <a:sym typeface="+mn-ea"/>
+              </a:rPr>
+              <a:t>函数对象</a:t>
+            </a:r>
+            <a:r>
+              <a:rPr kumimoji="0" lang="zh-CN" altLang="en-US" sz="2000" dirty="0" smtClean="0">
+                <a:solidFill>
+                  <a:schemeClr val="tx1"/>
+                </a:solidFill>
+                <a:sym typeface="+mn-ea"/>
+              </a:rPr>
+              <a:t>），也有属性和方法（</a:t>
+            </a:r>
+            <a:r>
+              <a:rPr kumimoji="0" lang="en-US" altLang="zh-CN" sz="2000" dirty="0" smtClean="0">
+                <a:solidFill>
+                  <a:schemeClr val="tx1"/>
+                </a:solidFill>
+                <a:sym typeface="+mn-ea"/>
+              </a:rPr>
+              <a:t>length</a:t>
+            </a:r>
+            <a:r>
+              <a:rPr kumimoji="0" lang="zh-CN" altLang="en-US" sz="2000" dirty="0" smtClean="0">
+                <a:solidFill>
+                  <a:schemeClr val="tx1"/>
+                </a:solidFill>
+                <a:sym typeface="+mn-ea"/>
+              </a:rPr>
+              <a:t>、</a:t>
+            </a:r>
+            <a:r>
+              <a:rPr kumimoji="0" lang="en-US" altLang="zh-CN" sz="2000" dirty="0" smtClean="0">
+                <a:solidFill>
+                  <a:schemeClr val="tx1"/>
+                </a:solidFill>
+                <a:sym typeface="+mn-ea"/>
+              </a:rPr>
+              <a:t>call</a:t>
+            </a:r>
+            <a:r>
+              <a:rPr kumimoji="0" lang="zh-CN" altLang="en-US" sz="2000" dirty="0" smtClean="0">
+                <a:solidFill>
+                  <a:schemeClr val="tx1"/>
+                </a:solidFill>
+                <a:sym typeface="+mn-ea"/>
+              </a:rPr>
+              <a:t>、</a:t>
+            </a:r>
+            <a:r>
+              <a:rPr kumimoji="0" lang="en-US" altLang="zh-CN" sz="2000" dirty="0" smtClean="0">
+                <a:solidFill>
+                  <a:schemeClr val="tx1"/>
+                </a:solidFill>
+                <a:sym typeface="+mn-ea"/>
+              </a:rPr>
+              <a:t>apply</a:t>
+            </a:r>
+            <a:r>
+              <a:rPr kumimoji="0" lang="zh-CN" altLang="en-US" sz="2000" dirty="0" smtClean="0">
+                <a:solidFill>
+                  <a:schemeClr val="tx1"/>
+                </a:solidFill>
+                <a:sym typeface="+mn-ea"/>
+              </a:rPr>
+              <a:t>等）</a:t>
             </a:r>
             <a:br>
-              <a:rPr lang="zh-CN" altLang="en-US" dirty="0" smtClean="0">
-                <a:solidFill>
-                  <a:srgbClr val="000000"/>
+              <a:rPr kumimoji="0" lang="zh-CN" altLang="en-US" sz="2000" dirty="0" smtClean="0">
+                <a:solidFill>
+                  <a:schemeClr val="tx1"/>
+                </a:solidFill>
+                <a:sym typeface="+mn-ea"/>
+              </a:rPr>
+            </a:br>
+            <a:r>
+              <a:rPr kumimoji="0" lang="en-US" altLang="zh-CN" sz="2000" dirty="0" smtClean="0">
+                <a:solidFill>
+                  <a:schemeClr val="tx1"/>
+                </a:solidFill>
+                <a:sym typeface="+mn-ea"/>
+              </a:rPr>
+              <a:t>- JS</a:t>
+            </a:r>
+            <a:r>
+              <a:rPr kumimoji="0" lang="zh-CN" altLang="en-US" sz="2000" dirty="0" smtClean="0">
+                <a:solidFill>
+                  <a:schemeClr val="tx1"/>
+                </a:solidFill>
+                <a:sym typeface="+mn-ea"/>
+              </a:rPr>
+              <a:t>中函数可以通过</a:t>
+            </a:r>
+            <a:r>
+              <a:rPr kumimoji="0" lang="en-US" altLang="zh-CN" sz="2000" dirty="0" smtClean="0">
+                <a:solidFill>
+                  <a:schemeClr val="tx1"/>
+                </a:solidFill>
+                <a:sym typeface="+mn-ea"/>
+              </a:rPr>
+              <a:t>call</a:t>
+            </a:r>
+            <a:r>
+              <a:rPr kumimoji="0" lang="zh-CN" altLang="en-US" sz="2000" dirty="0" smtClean="0">
+                <a:solidFill>
+                  <a:schemeClr val="tx1"/>
+                </a:solidFill>
+                <a:sym typeface="+mn-ea"/>
+              </a:rPr>
+              <a:t>和</a:t>
+            </a:r>
+            <a:r>
+              <a:rPr kumimoji="0" lang="en-US" altLang="zh-CN" sz="2000" dirty="0" smtClean="0">
+                <a:solidFill>
+                  <a:schemeClr val="tx1"/>
+                </a:solidFill>
+                <a:sym typeface="+mn-ea"/>
+              </a:rPr>
+              <a:t>apply</a:t>
+            </a:r>
+            <a:r>
+              <a:rPr kumimoji="0" lang="zh-CN" altLang="en-US" sz="2000" dirty="0" smtClean="0">
+                <a:solidFill>
+                  <a:schemeClr val="tx1"/>
+                </a:solidFill>
+                <a:sym typeface="+mn-ea"/>
+              </a:rPr>
+              <a:t>进行间接调用，</a:t>
+            </a:r>
+            <a:r>
+              <a:rPr kumimoji="0" lang="zh-CN" altLang="en-US" sz="2000" dirty="0" smtClean="0">
+                <a:solidFill>
+                  <a:schemeClr val="accent3"/>
+                </a:solidFill>
+                <a:sym typeface="+mn-ea"/>
+              </a:rPr>
+              <a:t>动态的指定由谁来调用此函数</a:t>
+            </a:r>
+            <a:br>
+              <a:rPr kumimoji="0" lang="en-US" altLang="zh-CN" dirty="0" smtClean="0">
+                <a:solidFill>
+                  <a:schemeClr val="tx1"/>
                 </a:solidFill>
                 <a:latin typeface="微软雅黑" panose="020B0503020204020204" pitchFamily="34" charset="-122"/>
                 <a:ea typeface="微软雅黑" panose="020B0503020204020204" pitchFamily="34" charset="-122"/>
+                <a:sym typeface="+mn-ea"/>
               </a:rPr>
             </a:br>
             <a:endParaRPr kumimoji="0" lang="en-US" altLang="zh-CN" dirty="0" smtClean="0">
@@ -4638,20 +4423,28 @@
         </p:nvSpPr>
         <p:spPr>
           <a:xfrm>
-            <a:off x="947420" y="308610"/>
-            <a:ext cx="9075420" cy="490220"/>
+            <a:off x="947204" y="308698"/>
+            <a:ext cx="8191557" cy="490476"/>
           </a:xfrm>
         </p:spPr>
         <p:txBody>
           <a:bodyPr/>
           <a:p>
             <a:r>
+              <a:rPr kumimoji="0" lang="zh-CN" altLang="en-US" b="0" dirty="0">
+                <a:solidFill>
+                  <a:srgbClr val="C00000"/>
+                </a:solidFill>
+              </a:rPr>
+              <a:t>四、间接调用</a:t>
+            </a:r>
+            <a:r>
               <a:rPr kumimoji="0" lang="zh-CN" b="0" dirty="0">
                 <a:solidFill>
                   <a:srgbClr val="C00000"/>
                 </a:solidFill>
               </a:rPr>
-              <a:t>对象方法中的</a:t>
+              <a:t>中的</a:t>
             </a:r>
             <a:r>
               <a:rPr kumimoji="0" lang="en-US" altLang="zh-CN" b="0" dirty="0">
@@ -4667,110 +4460,44 @@
                   <a:srgbClr val="C00000"/>
                 </a:solidFill>
               </a:rPr>
-              <a:t>（有函数嵌套的情况下）</a:t>
+              <a:t>（</a:t>
+            </a:r>
+            <a:r>
+              <a:rPr kumimoji="0" lang="en-US" altLang="zh-CN" b="0" dirty="0">
+                <a:solidFill>
+                  <a:srgbClr val="C00000"/>
+                </a:solidFill>
+              </a:rPr>
+              <a:t>call</a:t>
+            </a:r>
+            <a:r>
+              <a:rPr kumimoji="0" lang="zh-CN" altLang="en-US" b="0" dirty="0">
+                <a:solidFill>
+                  <a:srgbClr val="C00000"/>
+                </a:solidFill>
+              </a:rPr>
+              <a:t>、</a:t>
+            </a:r>
+            <a:r>
+              <a:rPr kumimoji="0" lang="en-US" altLang="zh-CN" b="0" dirty="0">
+                <a:solidFill>
+                  <a:srgbClr val="C00000"/>
+                </a:solidFill>
+              </a:rPr>
+              <a:t>apply</a:t>
+            </a:r>
+            <a:r>
+              <a:rPr kumimoji="0" lang="zh-CN" altLang="en-US" b="0" dirty="0">
+                <a:solidFill>
+                  <a:srgbClr val="C00000"/>
+                </a:solidFill>
+              </a:rPr>
+              <a:t>）</a:t>
             </a:r>
             <a:endParaRPr lang="zh-CN" altLang="en-US" dirty="0"/>
           </a:p>
         </p:txBody>
       </p:sp>
-      <p:sp>
-        <p:nvSpPr>
-          <p:cNvPr id="7" name="文本框 6"/>
-          <p:cNvSpPr txBox="1"/>
-          <p:nvPr/>
-        </p:nvSpPr>
-        <p:spPr>
-          <a:xfrm>
-            <a:off x="6407785" y="3880485"/>
-            <a:ext cx="4026535" cy="1938020"/>
-          </a:xfrm>
-          <a:prstGeom prst="rect">
-            <a:avLst/>
-          </a:prstGeom>
-          <a:noFill/>
-        </p:spPr>
-        <p:txBody>
-          <a:bodyPr wrap="square" rtlCol="0">
-            <a:spAutoFit/>
-          </a:bodyPr>
-          <a:p>
-            <a:r>
-              <a:rPr lang="en-US" altLang="zh-CN" sz="2400"/>
-              <a:t>moveTo</a:t>
-            </a:r>
-            <a:r>
-              <a:rPr lang="zh-CN" altLang="en-US" sz="2400"/>
-              <a:t>方法中嵌套的</a:t>
-            </a:r>
-            <a:r>
-              <a:rPr lang="en-US" altLang="zh-CN" sz="2400"/>
-              <a:t>moveToX</a:t>
-            </a:r>
-            <a:r>
-              <a:rPr lang="zh-CN" altLang="en-US" sz="2400"/>
-              <a:t>函数作为</a:t>
-            </a:r>
-            <a:r>
-              <a:rPr lang="zh-CN" altLang="en-US" sz="2400">
-                <a:solidFill>
-                  <a:schemeClr val="accent3"/>
-                </a:solidFill>
-              </a:rPr>
-              <a:t>一般函数</a:t>
-            </a:r>
-            <a:r>
-              <a:rPr lang="zh-CN" altLang="en-US" sz="2400"/>
-              <a:t>看待，此函数中的</a:t>
-            </a:r>
-            <a:r>
-              <a:rPr lang="en-US" altLang="zh-CN" sz="2400"/>
-              <a:t>this</a:t>
-            </a:r>
-            <a:r>
-              <a:rPr lang="zh-CN" altLang="en-US" sz="2400"/>
-              <a:t>此时指向的是全局对象</a:t>
-            </a:r>
-            <a:r>
-              <a:rPr lang="en-US" altLang="zh-CN" sz="2400"/>
-              <a:t>window</a:t>
-            </a:r>
-            <a:r>
-              <a:rPr lang="zh-CN" altLang="en-US" sz="2400"/>
-              <a:t>而不是</a:t>
-            </a:r>
-            <a:r>
-              <a:rPr lang="en-US" altLang="zh-CN" sz="2400"/>
-              <a:t>point</a:t>
-            </a:r>
-            <a:endParaRPr lang="en-US" altLang="zh-CN" sz="2400"/>
-          </a:p>
-        </p:txBody>
-      </p:sp>
-      <p:pic>
-        <p:nvPicPr>
-          <p:cNvPr id="8" name="图片 7" descr="DS]3HVZJM)~IN3KP0Y[))SY"/>
-          <p:cNvPicPr>
-            <a:picLocks noChangeAspect="1"/>
-          </p:cNvPicPr>
-          <p:nvPr/>
-        </p:nvPicPr>
-        <p:blipFill>
-          <a:blip r:embed="rId1"/>
-          <a:srcRect l="5073"/>
-          <a:stretch>
-            <a:fillRect/>
-          </a:stretch>
-        </p:blipFill>
-        <p:spPr>
-          <a:xfrm>
-            <a:off x="1066165" y="1516380"/>
-            <a:ext cx="5089525" cy="4620260"/>
-          </a:xfrm>
-          <a:prstGeom prst="rect">
-            <a:avLst/>
-          </a:prstGeom>
-        </p:spPr>
-      </p:pic>
       <p:pic>
         <p:nvPicPr>
           <p:cNvPr id="2" name="图片 1"/>
@@ -4780,15 +4507,15 @@
           <p:nvPr/>
         </p:nvPicPr>
         <p:blipFill>
-          <a:blip r:embed="rId2"/>
+          <a:blip r:embed="rId1"/>
           <a:stretch>
             <a:fillRect/>
           </a:stretch>
         </p:blipFill>
         <p:spPr>
           <a:xfrm>
-            <a:off x="6259195" y="1581785"/>
-            <a:ext cx="5543550" cy="1857375"/>
+            <a:off x="1223010" y="2691130"/>
+            <a:ext cx="6071235" cy="3053715"/>
           </a:xfrm>
           <a:prstGeom prst="rect">
             <a:avLst/>
@@ -4803,8 +4530,8 @@
         </p:nvSpPr>
         <p:spPr>
           <a:xfrm>
-            <a:off x="5511800" y="6108700"/>
-            <a:ext cx="6290945" cy="429895"/>
+            <a:off x="5153025" y="6036945"/>
+            <a:ext cx="4793615" cy="429895"/>
           </a:xfrm>
           <a:prstGeom prst="rect">
             <a:avLst/>
@@ -4835,7 +4562,7 @@
                 <a:latin typeface="+mn-ea"/>
                 <a:ea typeface="+mn-ea"/>
               </a:rPr>
-              <a:t>demo06</a:t>
+              <a:t>demo05 </a:t>
             </a:r>
             <a:r>
               <a:rPr lang="zh-CN" altLang="en-US" sz="2200">
@@ -4845,7 +4572,7 @@
                 <a:latin typeface="+mn-ea"/>
                 <a:ea typeface="+mn-ea"/>
               </a:rPr>
-              <a:t>前半部分 函数嵌套时</a:t>
+              <a:t>间接调用中的</a:t>
             </a:r>
             <a:r>
               <a:rPr lang="en-US" altLang="zh-CN" sz="2200">
@@ -4856,26 +4583,6 @@
                 <a:ea typeface="+mn-ea"/>
               </a:rPr>
               <a:t>this</a:t>
-            </a:r>
-            <a:r>
-              <a:rPr lang="zh-CN" altLang="en-US" sz="2200">
-                <a:solidFill>
-                  <a:srgbClr val="FF0000"/>
-                </a:solidFill>
-                <a:latin typeface="+mn-ea"/>
-                <a:ea typeface="+mn-ea"/>
-              </a:rPr>
-              <a:t>缺陷</a:t>
-            </a:r>
-            <a:r>
-              <a:rPr lang="zh-CN" altLang="en-US" sz="2200">
-                <a:solidFill>
-                  <a:srgbClr val="FF0000"/>
-                </a:solidFill>
-                <a:latin typeface="+mn-ea"/>
-                <a:ea typeface="+mn-ea"/>
-              </a:rPr>
-              <a:t> </a:t>
             </a:r>
             <a:endParaRPr lang="zh-CN" altLang="en-US" sz="2200">
               <a:solidFill>
@@ -5029,7 +4736,7 @@
                                           </p:stCondLst>
                                         </p:cTn>
                                         <p:tgtEl>
-                                          <p:spTgt spid="8"/>
+                                          <p:spTgt spid="2"/>
                                         </p:tgtEl>
                                         <p:attrNameLst>
                                           <p:attrName>style.visibility</p:attrName>
@@ -5043,97 +4750,6 @@
                                       <p:cBhvr additive="base">
                                         <p:cTn id="13" dur="500" fill="hold"/>
                                         <p:tgtEl>
-                                          <p:spTgt spid="8"/>
-                                        </p:tgtEl>
-                                        <p:attrNameLst>
-                                          <p:attrName>ppt_x</p:attrName>
-                                        </p:attrNameLst>
-                                      </p:cBhvr>
-                                      <p:tavLst>
-                                        <p:tav tm="0">
-                                          <p:val>
-                                            <p:strVal val="#ppt_x"/>
-                                          </p:val>
-                                        </p:tav>
-                                        <p:tav tm="100000">
-                                          <p:val>
-                                            <p:strVal val="#ppt_x"/>
-                                          </p:val>
-                                        </p:tav>
-                                      </p:tavLst>
-                                    </p:anim>
-                                    <p:anim calcmode="lin" valueType="num">
-                                      <p:cBhvr additive="base">
-                                        <p:cTn id="14" dur="500" fill="hold"/>
-                                        <p:tgtEl>
-                                          <p:spTgt spid="8"/>
-                                        </p:tgtEl>
-                                        <p:attrNameLst>
-                                          <p:attrName>ppt_y</p:attrName>
-                                        </p:attrNameLst>
-                                      </p:cBhvr>
-                                      <p:tavLst>
-                                        <p:tav tm="0">
-                                          <p:val>
-                                            <p:strVal val="1+#ppt_h/2"/>
-                                          </p:val>
-                                        </p:tav>
-                                        <p:tav tm="100000">
-                                          <p:val>
-                                            <p:strVal val="#ppt_y"/>
-                                          </p:val>
-                                        </p:tav>
-                                      </p:tavLst>
-                                    </p:anim>
-                                  </p:childTnLst>
-                                </p:cTn>
-                              </p:par>
-                            </p:childTnLst>
-                          </p:cTn>
-                        </p:par>
-                      </p:childTnLst>
-                    </p:cTn>
-                  </p:par>
-                  <p:par>
-                    <p:cTn id="15" fill="hold">
-                      <p:stCondLst>
-                        <p:cond delay="indefinite"/>
-                      </p:stCondLst>
-                      <p:childTnLst>
-                        <p:par>
-                          <p:cTn id="16" fill="hold">
-                            <p:stCondLst>
-                              <p:cond delay="0"/>
-                            </p:stCondLst>
-                            <p:childTnLst>
-                              <p:par>
-                                <p:cTn id="17" presetID="2" presetClass="entr" presetSubtype="4" fill="hold" nodeType="clickEffect">
-                                  <p:stCondLst>
-                                    <p:cond delay="0"/>
-                                  </p:stCondLst>
-                                  <p:childTnLst>
-                                    <p:set>
-                                      <p:cBhvr>
-                                        <p:cTn id="18" dur="1" fill="hold">
-                                          <p:stCondLst>
-                                            <p:cond delay="0"/>
-                                          </p:stCondLst>
-                                        </p:cTn>
-                                        <p:tgtEl>
-                                          <p:spTgt spid="2"/>
-                                        </p:tgtEl>
-                                        <p:attrNameLst>
-                                          <p:attrName>style.visibility</p:attrName>
-                                        </p:attrNameLst>
-                                      </p:cBhvr>
-                                      <p:to>
-                                        <p:strVal val="visible"/>
-                                      </p:to>
-                                    </p:set>
-                                    <p:anim calcmode="lin" valueType="num">
-                                      <p:cBhvr additive="base">
-                                        <p:cTn id="19" dur="500" fill="hold"/>
-                                        <p:tgtEl>
                                           <p:spTgt spid="2"/>
                                         </p:tgtEl>
                                         <p:attrNameLst>
@@ -5155,7 +4771,7 @@
                                     </p:anim>
                                     <p:anim calcmode="lin" valueType="num">
                                       <p:cBhvr additive="base">
-                                        <p:cTn id="20" dur="500" fill="hold"/>
+                                        <p:cTn id="14" dur="500" fill="hold"/>
                                         <p:tgtEl>
                                           <p:spTgt spid="2"/>
                                         </p:tgtEl>
@@ -5182,112 +4798,21 @@
                             </p:childTnLst>
                           </p:cTn>
                         </p:par>
-                      </p:childTnLst>
-                    </p:cTn>
-                  </p:par>
-                  <p:par>
-                    <p:cTn id="21" fill="hold">
-                      <p:stCondLst>
-                        <p:cond delay="indefinite"/>
-                      </p:stCondLst>
-                      <p:childTnLst>
                         <p:par>
-                          <p:cTn id="22" fill="hold">
+                          <p:cTn id="15" fill="hold">
                             <p:stCondLst>
-                              <p:cond delay="0"/>
+                              <p:cond delay="500"/>
                             </p:stCondLst>
                             <p:childTnLst>
                               <p:par>
-                                <p:cTn id="23" presetID="2" presetClass="entr" presetSubtype="4" fill="hold" grpId="0" nodeType="clickEffect">
+                                <p:cTn id="16" presetID="2" presetClass="entr" presetSubtype="4" fill="hold" grpId="0" nodeType="afterEffect">
                                   <p:stCondLst>
                                     <p:cond delay="0"/>
                                   </p:stCondLst>
                                   <p:childTnLst>
                                     <p:set>
                                       <p:cBhvr>
-                                        <p:cTn id="24" dur="1" fill="hold">
-                                          <p:stCondLst>
-                                            <p:cond delay="0"/>
-                                          </p:stCondLst>
-                                        </p:cTn>
-                                        <p:tgtEl>
-                                          <p:spTgt spid="7"/>
-                                        </p:tgtEl>
-                                        <p:attrNameLst>
-                                          <p:attrName>style.visibility</p:attrName>
-                                        </p:attrNameLst>
-                                      </p:cBhvr>
-                                      <p:to>
-                                        <p:strVal val="visible"/>
-                                      </p:to>
-                                    </p:set>
-                                    <p:anim calcmode="lin" valueType="num">
-                                      <p:cBhvr additive="base">
-                                        <p:cTn id="25" dur="500" fill="hold"/>
-                                        <p:tgtEl>
-                                          <p:spTgt spid="7"/>
-                                        </p:tgtEl>
-                                        <p:attrNameLst>
-                                          <p:attrName>ppt_x</p:attrName>
-                                        </p:attrNameLst>
-                                      </p:cBhvr>
-                                      <p:tavLst>
-                                        <p:tav tm="0">
-                                          <p:val>
-                                            <p:strVal val="#ppt_x"/>
-                                          </p:val>
-                                        </p:tav>
-                                        <p:tav tm="100000">
-                                          <p:val>
-                                            <p:strVal val="#ppt_x"/>
-                                          </p:val>
-                                        </p:tav>
-                                      </p:tavLst>
-                                    </p:anim>
-                                    <p:anim calcmode="lin" valueType="num">
-                                      <p:cBhvr additive="base">
-                                        <p:cTn id="26" dur="500" fill="hold"/>
-                                        <p:tgtEl>
-                                          <p:spTgt spid="7"/>
-                                        </p:tgtEl>
-                                        <p:attrNameLst>
-                                          <p:attrName>ppt_y</p:attrName>
-                                        </p:attrNameLst>
-                                      </p:cBhvr>
-                                      <p:tavLst>
-                                        <p:tav tm="0">
-                                          <p:val>
-                                            <p:strVal val="1+#ppt_h/2"/>
-                                          </p:val>
-                                        </p:tav>
-                                        <p:tav tm="100000">
-                                          <p:val>
-                                            <p:strVal val="#ppt_y"/>
-                                          </p:val>
-                                        </p:tav>
-                                      </p:tavLst>
-                                    </p:anim>
-                                  </p:childTnLst>
-                                </p:cTn>
-                              </p:par>
-                            </p:childTnLst>
-                          </p:cTn>
-                        </p:par>
-                        <p:par>
-                          <p:cTn id="27" fill="hold">
-                            <p:stCondLst>
-                              <p:cond delay="500"/>
-                            </p:stCondLst>
-                            <p:childTnLst>
-                              <p:par>
-                                <p:cTn id="28" presetID="2" presetClass="entr" presetSubtype="4" fill="hold" grpId="0" nodeType="afterEffect">
-                                  <p:stCondLst>
-                                    <p:cond delay="0"/>
-                                  </p:stCondLst>
-                                  <p:childTnLst>
-                                    <p:set>
-                                      <p:cBhvr>
-                                        <p:cTn id="29" dur="1" fill="hold">
+                                        <p:cTn id="17" dur="1" fill="hold">
                                           <p:stCondLst>
                                             <p:cond delay="0"/>
                                           </p:stCondLst>
@@ -5305,7 +4830,7 @@
                                     </p:set>
                                     <p:anim calcmode="lin" valueType="num">
                                       <p:cBhvr additive="base">
-                                        <p:cTn id="30" dur="500" fill="hold"/>
+                                        <p:cTn id="18" dur="500" fill="hold"/>
                                         <p:tgtEl>
                                           <p:spTgt spid="4"/>
                                         </p:tgtEl>
@@ -5328,7 +4853,7 @@
                                     </p:anim>
                                     <p:anim calcmode="lin" valueType="num">
                                       <p:cBhvr additive="base">
-                                        <p:cTn id="31" dur="500" fill="hold"/>
+                                        <p:cTn id="19" dur="500" fill="hold"/>
                                         <p:tgtEl>
                                           <p:spTgt spid="4"/>
                                         </p:tgtEl>
@@ -5380,9 +4905,528 @@
       </p:par>
     </p:tnLst>
     <p:bldLst>
-      <p:bldP spid="7" grpId="0"/>
       <p:bldP spid="4" grpId="0"/>
     </p:bldLst>
+  </p:timing>
+</p:sld>
+</file>
+
+<file path=ppt/slides/slide12.xml><?xml version="1.0" encoding="utf-8"?>
+<p:sld xmlns:a="http://schemas.openxmlformats.org/drawingml/2006/main" xmlns:r="http://schemas.openxmlformats.org/officeDocument/2006/relationships" xmlns:p="http://schemas.openxmlformats.org/presentationml/2006/main">
+  <p:cSld>
+    <p:spTree>
+      <p:nvGrpSpPr>
+        <p:cNvPr id="1" name=""/>
+        <p:cNvGrpSpPr/>
+        <p:nvPr/>
+      </p:nvGrpSpPr>
+      <p:grpSpPr>
+        <a:xfrm>
+          <a:off x="0" y="0"/>
+          <a:ext cx="0" cy="0"/>
+          <a:chOff x="0" y="0"/>
+          <a:chExt cx="0" cy="0"/>
+        </a:xfrm>
+      </p:grpSpPr>
+      <p:sp>
+        <p:nvSpPr>
+          <p:cNvPr id="5123" name="AutoShape 6"/>
+          <p:cNvSpPr>
+            <a:spLocks noChangeArrowheads="1"/>
+          </p:cNvSpPr>
+          <p:nvPr/>
+        </p:nvSpPr>
+        <p:spPr bwMode="auto">
+          <a:xfrm>
+            <a:off x="2566988" y="1339851"/>
+            <a:ext cx="6711950" cy="4214813"/>
+          </a:xfrm>
+          <a:prstGeom prst="roundRect">
+            <a:avLst>
+              <a:gd name="adj" fmla="val 16667"/>
+            </a:avLst>
+          </a:prstGeom>
+          <a:noFill/>
+          <a:ln w="28575">
+            <a:solidFill>
+              <a:srgbClr val="C0C0C0"/>
+            </a:solidFill>
+            <a:prstDash val="sysDot"/>
+            <a:round/>
+          </a:ln>
+          <a:extLst>
+            <a:ext uri="{909E8E84-426E-40DD-AFC4-6F175D3DCCD1}">
+              <a14:hiddenFill xmlns:a14="http://schemas.microsoft.com/office/drawing/2010/main">
+                <a:solidFill>
+                  <a:srgbClr val="FFFFFF"/>
+                </a:solidFill>
+              </a14:hiddenFill>
+            </a:ext>
+          </a:extLst>
+        </p:spPr>
+        <p:txBody>
+          <a:bodyPr wrap="none" anchor="ctr"/>
+          <a:lstStyle>
+            <a:lvl1pPr marL="457200" indent="-457200">
+              <a:defRPr sz="3200">
+                <a:solidFill>
+                  <a:schemeClr val="tx1"/>
+                </a:solidFill>
+                <a:latin typeface="Arial" panose="020B0604020202020204" pitchFamily="34" charset="0"/>
+                <a:ea typeface="微软雅黑" panose="020B0503020204020204" pitchFamily="34" charset="-122"/>
+              </a:defRPr>
+            </a:lvl1pPr>
+            <a:lvl2pPr marL="742950" indent="-285750">
+              <a:defRPr sz="3200">
+                <a:solidFill>
+                  <a:schemeClr val="tx1"/>
+                </a:solidFill>
+                <a:latin typeface="Arial" panose="020B0604020202020204" pitchFamily="34" charset="0"/>
+                <a:ea typeface="微软雅黑" panose="020B0503020204020204" pitchFamily="34" charset="-122"/>
+              </a:defRPr>
+            </a:lvl2pPr>
+            <a:lvl3pPr marL="1143000" indent="-228600">
+              <a:defRPr sz="3200">
+                <a:solidFill>
+                  <a:schemeClr val="tx1"/>
+                </a:solidFill>
+                <a:latin typeface="Arial" panose="020B0604020202020204" pitchFamily="34" charset="0"/>
+                <a:ea typeface="微软雅黑" panose="020B0503020204020204" pitchFamily="34" charset="-122"/>
+              </a:defRPr>
+            </a:lvl3pPr>
+            <a:lvl4pPr marL="1600200" indent="-228600">
+              <a:defRPr sz="3200">
+                <a:solidFill>
+                  <a:schemeClr val="tx1"/>
+                </a:solidFill>
+                <a:latin typeface="Arial" panose="020B0604020202020204" pitchFamily="34" charset="0"/>
+                <a:ea typeface="微软雅黑" panose="020B0503020204020204" pitchFamily="34" charset="-122"/>
+              </a:defRPr>
+            </a:lvl4pPr>
+            <a:lvl5pPr marL="2057400" indent="-228600">
+              <a:defRPr sz="3200">
+                <a:solidFill>
+                  <a:schemeClr val="tx1"/>
+                </a:solidFill>
+                <a:latin typeface="Arial" panose="020B0604020202020204" pitchFamily="34" charset="0"/>
+                <a:ea typeface="微软雅黑" panose="020B0503020204020204" pitchFamily="34" charset="-122"/>
+              </a:defRPr>
+            </a:lvl5pPr>
+            <a:lvl6pPr marL="2514600" indent="-228600" eaLnBrk="0" fontAlgn="base" hangingPunct="0">
+              <a:spcBef>
+                <a:spcPct val="0"/>
+              </a:spcBef>
+              <a:spcAft>
+                <a:spcPct val="0"/>
+              </a:spcAft>
+              <a:defRPr sz="3200">
+                <a:solidFill>
+                  <a:schemeClr val="tx1"/>
+                </a:solidFill>
+                <a:latin typeface="Arial" panose="020B0604020202020204" pitchFamily="34" charset="0"/>
+                <a:ea typeface="微软雅黑" panose="020B0503020204020204" pitchFamily="34" charset="-122"/>
+              </a:defRPr>
+            </a:lvl6pPr>
+            <a:lvl7pPr marL="2971800" indent="-228600" eaLnBrk="0" fontAlgn="base" hangingPunct="0">
+              <a:spcBef>
+                <a:spcPct val="0"/>
+              </a:spcBef>
+              <a:spcAft>
+                <a:spcPct val="0"/>
+              </a:spcAft>
+              <a:defRPr sz="3200">
+                <a:solidFill>
+                  <a:schemeClr val="tx1"/>
+                </a:solidFill>
+                <a:latin typeface="Arial" panose="020B0604020202020204" pitchFamily="34" charset="0"/>
+                <a:ea typeface="微软雅黑" panose="020B0503020204020204" pitchFamily="34" charset="-122"/>
+              </a:defRPr>
+            </a:lvl7pPr>
+            <a:lvl8pPr marL="3429000" indent="-228600" eaLnBrk="0" fontAlgn="base" hangingPunct="0">
+              <a:spcBef>
+                <a:spcPct val="0"/>
+              </a:spcBef>
+              <a:spcAft>
+                <a:spcPct val="0"/>
+              </a:spcAft>
+              <a:defRPr sz="3200">
+                <a:solidFill>
+                  <a:schemeClr val="tx1"/>
+                </a:solidFill>
+                <a:latin typeface="Arial" panose="020B0604020202020204" pitchFamily="34" charset="0"/>
+                <a:ea typeface="微软雅黑" panose="020B0503020204020204" pitchFamily="34" charset="-122"/>
+              </a:defRPr>
+            </a:lvl8pPr>
+            <a:lvl9pPr marL="3886200" indent="-228600" eaLnBrk="0" fontAlgn="base" hangingPunct="0">
+              <a:spcBef>
+                <a:spcPct val="0"/>
+              </a:spcBef>
+              <a:spcAft>
+                <a:spcPct val="0"/>
+              </a:spcAft>
+              <a:defRPr sz="3200">
+                <a:solidFill>
+                  <a:schemeClr val="tx1"/>
+                </a:solidFill>
+                <a:latin typeface="Arial" panose="020B0604020202020204" pitchFamily="34" charset="0"/>
+                <a:ea typeface="微软雅黑" panose="020B0503020204020204" pitchFamily="34" charset="-122"/>
+              </a:defRPr>
+            </a:lvl9pPr>
+          </a:lstStyle>
+          <a:p>
+            <a:pPr algn="l">
+              <a:lnSpc>
+                <a:spcPct val="150000"/>
+              </a:lnSpc>
+              <a:spcBef>
+                <a:spcPts val="1200"/>
+              </a:spcBef>
+              <a:spcAft>
+                <a:spcPts val="1200"/>
+              </a:spcAft>
+              <a:buClr>
+                <a:srgbClr val="92D050"/>
+              </a:buClr>
+              <a:buFont typeface="Wingdings" panose="05000000000000000000" pitchFamily="2" charset="2"/>
+              <a:buChar char="Ø"/>
+            </a:pPr>
+            <a:r>
+              <a:rPr lang="en-US" altLang="zh-CN" sz="2800" b="1">
+                <a:solidFill>
+                  <a:schemeClr val="tx1"/>
+                </a:solidFill>
+              </a:rPr>
+              <a:t>JS this</a:t>
+            </a:r>
+            <a:r>
+              <a:rPr lang="zh-CN" altLang="en-US" sz="2800" b="1">
+                <a:solidFill>
+                  <a:schemeClr val="tx1"/>
+                </a:solidFill>
+              </a:rPr>
+              <a:t>简介及特点</a:t>
+            </a:r>
+            <a:endParaRPr lang="zh-CN" altLang="en-US" sz="2800" b="1">
+              <a:solidFill>
+                <a:schemeClr val="tx1"/>
+              </a:solidFill>
+            </a:endParaRPr>
+          </a:p>
+          <a:p>
+            <a:pPr algn="l">
+              <a:lnSpc>
+                <a:spcPct val="150000"/>
+              </a:lnSpc>
+              <a:spcBef>
+                <a:spcPts val="1200"/>
+              </a:spcBef>
+              <a:spcAft>
+                <a:spcPts val="1200"/>
+              </a:spcAft>
+              <a:buClr>
+                <a:srgbClr val="92D050"/>
+              </a:buClr>
+              <a:buFont typeface="Wingdings" panose="05000000000000000000" pitchFamily="2" charset="2"/>
+              <a:buChar char="Ø"/>
+            </a:pPr>
+            <a:r>
+              <a:rPr lang="en-US" altLang="zh-CN" sz="2800" b="1">
+                <a:solidFill>
+                  <a:schemeClr val="tx1"/>
+                </a:solidFill>
+                <a:sym typeface="+mn-ea"/>
+              </a:rPr>
+              <a:t>JS this</a:t>
+            </a:r>
+            <a:r>
+              <a:rPr lang="zh-CN" altLang="en-US" sz="2800" b="1">
+                <a:solidFill>
+                  <a:schemeClr val="tx1"/>
+                </a:solidFill>
+                <a:sym typeface="+mn-ea"/>
+              </a:rPr>
+              <a:t>四种应用场景</a:t>
+            </a:r>
+            <a:endParaRPr lang="zh-CN" altLang="en-US" sz="2800" b="1">
+              <a:solidFill>
+                <a:schemeClr val="tx1"/>
+              </a:solidFill>
+              <a:sym typeface="+mn-ea"/>
+            </a:endParaRPr>
+          </a:p>
+          <a:p>
+            <a:pPr algn="l">
+              <a:lnSpc>
+                <a:spcPct val="150000"/>
+              </a:lnSpc>
+              <a:spcBef>
+                <a:spcPts val="1200"/>
+              </a:spcBef>
+              <a:spcAft>
+                <a:spcPts val="1200"/>
+              </a:spcAft>
+              <a:buClr>
+                <a:srgbClr val="92D050"/>
+              </a:buClr>
+              <a:buFont typeface="Wingdings" panose="05000000000000000000" pitchFamily="2" charset="2"/>
+              <a:buChar char="Ø"/>
+            </a:pPr>
+            <a:r>
+              <a:rPr lang="en-US" altLang="zh-CN" sz="2800" b="1">
+                <a:solidFill>
+                  <a:srgbClr val="FF0000"/>
+                </a:solidFill>
+                <a:sym typeface="+mn-ea"/>
+              </a:rPr>
+              <a:t>JS this</a:t>
+            </a:r>
+            <a:r>
+              <a:rPr lang="zh-CN" altLang="en-US" sz="2800" b="1">
+                <a:solidFill>
+                  <a:srgbClr val="FF0000"/>
+                </a:solidFill>
+                <a:sym typeface="+mn-ea"/>
+              </a:rPr>
+              <a:t>缺陷和解决方法</a:t>
+            </a:r>
+            <a:endParaRPr lang="zh-CN" altLang="en-US" sz="2800" b="1">
+              <a:solidFill>
+                <a:srgbClr val="FF0000"/>
+              </a:solidFill>
+              <a:sym typeface="+mn-ea"/>
+            </a:endParaRPr>
+          </a:p>
+        </p:txBody>
+      </p:sp>
+      <p:sp>
+        <p:nvSpPr>
+          <p:cNvPr id="4" name="内容占位符 3"/>
+          <p:cNvSpPr txBox="1"/>
+          <p:nvPr/>
+        </p:nvSpPr>
+        <p:spPr>
+          <a:xfrm>
+            <a:off x="981657" y="236943"/>
+            <a:ext cx="8191557" cy="490476"/>
+          </a:xfrm>
+          <a:prstGeom prst="rect">
+            <a:avLst/>
+          </a:prstGeom>
+        </p:spPr>
+        <p:txBody>
+          <a:bodyPr/>
+          <a:lstStyle>
+            <a:lvl1pPr marL="167005" indent="-167005" algn="l" defTabSz="0" rtl="0" eaLnBrk="0" fontAlgn="base" hangingPunct="0">
+              <a:spcBef>
+                <a:spcPct val="0"/>
+              </a:spcBef>
+              <a:spcAft>
+                <a:spcPct val="15000"/>
+              </a:spcAft>
+              <a:buClr>
+                <a:schemeClr val="tx2"/>
+              </a:buClr>
+              <a:buFont typeface="Arial" panose="020B0604020202020204" pitchFamily="34" charset="0"/>
+              <a:buChar char="•"/>
+              <a:defRPr kumimoji="1" sz="1600">
+                <a:solidFill>
+                  <a:srgbClr val="006F53"/>
+                </a:solidFill>
+                <a:latin typeface="微软雅黑" panose="020B0503020204020204" pitchFamily="34" charset="-122"/>
+                <a:ea typeface="微软雅黑" panose="020B0503020204020204" pitchFamily="34" charset="-122"/>
+                <a:cs typeface="微软雅黑" panose="020B0503020204020204" pitchFamily="34" charset="-122"/>
+              </a:defRPr>
+            </a:lvl1pPr>
+            <a:lvl2pPr marL="398780" indent="-230505" algn="l" defTabSz="0" rtl="0" eaLnBrk="0" fontAlgn="base" hangingPunct="0">
+              <a:spcBef>
+                <a:spcPct val="0"/>
+              </a:spcBef>
+              <a:spcAft>
+                <a:spcPct val="15000"/>
+              </a:spcAft>
+              <a:buClr>
+                <a:schemeClr val="tx2"/>
+              </a:buClr>
+              <a:buFont typeface="Arial" panose="020B0604020202020204" pitchFamily="34" charset="0"/>
+              <a:buChar char="–"/>
+              <a:defRPr kumimoji="1" sz="2800">
+                <a:solidFill>
+                  <a:schemeClr val="bg2"/>
+                </a:solidFill>
+                <a:latin typeface="微软雅黑" panose="020B0503020204020204" pitchFamily="34" charset="-122"/>
+                <a:ea typeface="微软雅黑" panose="020B0503020204020204" pitchFamily="34" charset="-122"/>
+                <a:cs typeface="微软雅黑" panose="020B0503020204020204" pitchFamily="34" charset="-122"/>
+              </a:defRPr>
+            </a:lvl2pPr>
+            <a:lvl3pPr marL="400050" indent="182880" algn="l" defTabSz="0" rtl="0" eaLnBrk="0" fontAlgn="base" hangingPunct="0">
+              <a:spcBef>
+                <a:spcPct val="0"/>
+              </a:spcBef>
+              <a:spcAft>
+                <a:spcPct val="15000"/>
+              </a:spcAft>
+              <a:buClr>
+                <a:schemeClr val="tx2"/>
+              </a:buClr>
+              <a:buFont typeface="Arial" panose="020B0604020202020204" pitchFamily="34" charset="0"/>
+              <a:buChar char="•"/>
+              <a:defRPr kumimoji="1" sz="1600">
+                <a:solidFill>
+                  <a:schemeClr val="bg2"/>
+                </a:solidFill>
+                <a:latin typeface="微软雅黑" panose="020B0503020204020204" pitchFamily="34" charset="-122"/>
+                <a:ea typeface="微软雅黑" panose="020B0503020204020204" pitchFamily="34" charset="-122"/>
+                <a:cs typeface="微软雅黑" panose="020B0503020204020204" pitchFamily="34" charset="-122"/>
+              </a:defRPr>
+            </a:lvl3pPr>
+            <a:lvl4pPr marL="825500" indent="-241300" algn="l" defTabSz="0" rtl="0" eaLnBrk="0" fontAlgn="base" hangingPunct="0">
+              <a:spcBef>
+                <a:spcPct val="0"/>
+              </a:spcBef>
+              <a:spcAft>
+                <a:spcPct val="15000"/>
+              </a:spcAft>
+              <a:buClr>
+                <a:schemeClr val="tx2"/>
+              </a:buClr>
+              <a:buFont typeface="Arial" panose="020B0604020202020204" pitchFamily="34" charset="0"/>
+              <a:buChar char="–"/>
+              <a:defRPr kumimoji="1" sz="1600">
+                <a:solidFill>
+                  <a:schemeClr val="bg2"/>
+                </a:solidFill>
+                <a:latin typeface="微软雅黑" panose="020B0503020204020204" pitchFamily="34" charset="-122"/>
+                <a:ea typeface="微软雅黑" panose="020B0503020204020204" pitchFamily="34" charset="-122"/>
+                <a:cs typeface="微软雅黑" panose="020B0503020204020204" pitchFamily="34" charset="-122"/>
+              </a:defRPr>
+            </a:lvl4pPr>
+            <a:lvl5pPr marL="2057400" indent="-228600" algn="l" defTabSz="0" rtl="0" eaLnBrk="0" fontAlgn="base" hangingPunct="0">
+              <a:spcBef>
+                <a:spcPct val="0"/>
+              </a:spcBef>
+              <a:spcAft>
+                <a:spcPct val="25000"/>
+              </a:spcAft>
+              <a:buClr>
+                <a:schemeClr val="tx2"/>
+              </a:buClr>
+              <a:buFont typeface="Arial" panose="020B0604020202020204" pitchFamily="34" charset="0"/>
+              <a:buChar char="–"/>
+              <a:defRPr kumimoji="1" sz="2000">
+                <a:solidFill>
+                  <a:schemeClr val="tx1"/>
+                </a:solidFill>
+                <a:latin typeface="+mn-lt"/>
+                <a:ea typeface="微软雅黑" panose="020B0503020204020204" pitchFamily="34" charset="-122"/>
+                <a:cs typeface="微软雅黑" panose="020B0503020204020204" pitchFamily="34" charset="-122"/>
+              </a:defRPr>
+            </a:lvl5pPr>
+            <a:lvl6pPr marL="2514600" indent="-228600" algn="l" defTabSz="0" rtl="0" eaLnBrk="0" fontAlgn="base" hangingPunct="0">
+              <a:spcBef>
+                <a:spcPct val="0"/>
+              </a:spcBef>
+              <a:spcAft>
+                <a:spcPct val="25000"/>
+              </a:spcAft>
+              <a:buClr>
+                <a:schemeClr val="tx2"/>
+              </a:buClr>
+              <a:buFont typeface="Arial" panose="020B0604020202020204" pitchFamily="34" charset="0"/>
+              <a:buChar char="–"/>
+              <a:defRPr>
+                <a:solidFill>
+                  <a:schemeClr val="tx1"/>
+                </a:solidFill>
+                <a:latin typeface="+mn-lt"/>
+              </a:defRPr>
+            </a:lvl6pPr>
+            <a:lvl7pPr marL="2971800" indent="-228600" algn="l" defTabSz="0" rtl="0" eaLnBrk="0" fontAlgn="base" hangingPunct="0">
+              <a:spcBef>
+                <a:spcPct val="0"/>
+              </a:spcBef>
+              <a:spcAft>
+                <a:spcPct val="25000"/>
+              </a:spcAft>
+              <a:buClr>
+                <a:schemeClr val="tx2"/>
+              </a:buClr>
+              <a:buFont typeface="Arial" panose="020B0604020202020204" pitchFamily="34" charset="0"/>
+              <a:buChar char="–"/>
+              <a:defRPr>
+                <a:solidFill>
+                  <a:schemeClr val="tx1"/>
+                </a:solidFill>
+                <a:latin typeface="+mn-lt"/>
+              </a:defRPr>
+            </a:lvl7pPr>
+            <a:lvl8pPr marL="3429000" indent="-228600" algn="l" defTabSz="0" rtl="0" eaLnBrk="0" fontAlgn="base" hangingPunct="0">
+              <a:spcBef>
+                <a:spcPct val="0"/>
+              </a:spcBef>
+              <a:spcAft>
+                <a:spcPct val="25000"/>
+              </a:spcAft>
+              <a:buClr>
+                <a:schemeClr val="tx2"/>
+              </a:buClr>
+              <a:buFont typeface="Arial" panose="020B0604020202020204" pitchFamily="34" charset="0"/>
+              <a:buChar char="–"/>
+              <a:defRPr>
+                <a:solidFill>
+                  <a:schemeClr val="tx1"/>
+                </a:solidFill>
+                <a:latin typeface="+mn-lt"/>
+              </a:defRPr>
+            </a:lvl8pPr>
+            <a:lvl9pPr marL="3886200" indent="-228600" algn="l" defTabSz="0" rtl="0" eaLnBrk="0" fontAlgn="base" hangingPunct="0">
+              <a:spcBef>
+                <a:spcPct val="0"/>
+              </a:spcBef>
+              <a:spcAft>
+                <a:spcPct val="25000"/>
+              </a:spcAft>
+              <a:buClr>
+                <a:schemeClr val="tx2"/>
+              </a:buClr>
+              <a:buFont typeface="Arial" panose="020B0604020202020204" pitchFamily="34" charset="0"/>
+              <a:buChar char="–"/>
+              <a:defRPr>
+                <a:solidFill>
+                  <a:schemeClr val="tx1"/>
+                </a:solidFill>
+                <a:latin typeface="+mn-lt"/>
+              </a:defRPr>
+            </a:lvl9pPr>
+          </a:lstStyle>
+          <a:p>
+            <a:pPr marL="0" indent="0">
+              <a:buNone/>
+            </a:pPr>
+            <a:r>
+              <a:rPr lang="zh-CN" altLang="en-US" sz="3200" dirty="0" smtClean="0">
+                <a:solidFill>
+                  <a:srgbClr val="C00000"/>
+                </a:solidFill>
+                <a:cs typeface="+mn-cs"/>
+                <a:sym typeface="+mn-ea"/>
+              </a:rPr>
+              <a:t>内容提纲</a:t>
+            </a:r>
+            <a:endParaRPr lang="zh-CN" altLang="en-US" kern="0" dirty="0"/>
+          </a:p>
+        </p:txBody>
+      </p:sp>
+    </p:spTree>
+  </p:cSld>
+  <p:clrMapOvr>
+    <a:masterClrMapping/>
+  </p:clrMapOvr>
+  <p:timing>
+    <p:tnLst>
+      <p:par>
+        <p:cTn id="1" dur="indefinite" restart="never" nodeType="tmRoot"/>
+      </p:par>
+    </p:tnLst>
   </p:timing>
 </p:sld>
 </file>
@@ -5458,13 +5502,31 @@
               <a:buChar char="•"/>
             </a:pPr>
             <a:r>
+              <a:rPr kumimoji="0" lang="en-US" dirty="0">
+                <a:solidFill>
+                  <a:schemeClr val="tx1"/>
+                </a:solidFill>
+                <a:sym typeface="+mn-ea"/>
+              </a:rPr>
+              <a:t>this</a:t>
+            </a:r>
+            <a:r>
               <a:rPr kumimoji="0" lang="zh-CN" altLang="en-US" dirty="0">
                 <a:solidFill>
                   <a:schemeClr val="tx1"/>
                 </a:solidFill>
                 <a:sym typeface="+mn-ea"/>
               </a:rPr>
-              <a:t>使用变量替代的方法（</a:t>
+              <a:t>不进行作用域传递、</a:t>
+            </a:r>
+            <a:r>
+              <a:rPr kumimoji="0" lang="zh-CN" dirty="0">
+                <a:solidFill>
+                  <a:schemeClr val="tx1"/>
+                </a:solidFill>
+                <a:sym typeface="+mn-ea"/>
+              </a:rPr>
+              <a:t>函数嵌套中的</a:t>
             </a:r>
             <a:r>
               <a:rPr kumimoji="0" lang="en-US" altLang="zh-CN" dirty="0">
@@ -5473,7 +5535,7 @@
                 </a:solidFill>
                 <a:sym typeface="+mn-ea"/>
               </a:rPr>
-              <a:t>that</a:t>
+              <a:t>this</a:t>
             </a:r>
             <a:r>
               <a:rPr kumimoji="0" lang="zh-CN" altLang="en-US" dirty="0">
@@ -5482,25 +5544,7 @@
                 </a:solidFill>
                 <a:sym typeface="+mn-ea"/>
               </a:rPr>
-              <a:t>、</a:t>
-            </a:r>
-            <a:r>
-              <a:rPr kumimoji="0" lang="en-US" altLang="zh-CN" dirty="0">
-                <a:solidFill>
-                  <a:schemeClr val="tx1"/>
-                </a:solidFill>
-                <a:sym typeface="+mn-ea"/>
-              </a:rPr>
-              <a:t>self</a:t>
-            </a:r>
-            <a:r>
-              <a:rPr kumimoji="0" lang="zh-CN" altLang="en-US" dirty="0">
-                <a:solidFill>
-                  <a:schemeClr val="tx1"/>
-                </a:solidFill>
-                <a:sym typeface="+mn-ea"/>
-              </a:rPr>
-              <a:t>）</a:t>
+              <a:t>存在缺陷</a:t>
             </a:r>
             <a:br>
               <a:rPr lang="zh-CN" altLang="en-US" dirty="0" smtClean="0">
@@ -5535,7 +5579,7 @@
         <p:spPr>
           <a:xfrm>
             <a:off x="947420" y="308610"/>
-            <a:ext cx="8482965" cy="490220"/>
+            <a:ext cx="9075420" cy="490220"/>
           </a:xfrm>
         </p:spPr>
         <p:txBody>
@@ -5547,7 +5591,7 @@
                   <a:srgbClr val="C00000"/>
                 </a:solidFill>
               </a:rPr>
-              <a:t>如何解决对象方法中嵌套函数的</a:t>
+              <a:t>对象方法中的</a:t>
             </a:r>
             <a:r>
               <a:rPr kumimoji="0" lang="en-US" altLang="zh-CN" b="0" dirty="0">
@@ -5563,46 +5607,22 @@
                   <a:srgbClr val="C00000"/>
                 </a:solidFill>
               </a:rPr>
-              <a:t>指向问题</a:t>
+              <a:t>（有函数嵌套的情况下）</a:t>
             </a:r>
             <a:endParaRPr lang="zh-CN" altLang="en-US" dirty="0"/>
           </a:p>
         </p:txBody>
       </p:sp>
-      <p:pic>
-        <p:nvPicPr>
-          <p:cNvPr id="10" name="图片 9" descr="FVCT%CT)1GIEGRM7%LFQFE9"/>
-          <p:cNvPicPr>
-            <a:picLocks noChangeAspect="1"/>
-          </p:cNvPicPr>
-          <p:nvPr/>
-        </p:nvPicPr>
-        <p:blipFill>
-          <a:blip r:embed="rId1"/>
-          <a:stretch>
-            <a:fillRect/>
-          </a:stretch>
-        </p:blipFill>
-        <p:spPr>
-          <a:xfrm>
-            <a:off x="6287135" y="1564640"/>
-            <a:ext cx="4911090" cy="1194435"/>
-          </a:xfrm>
-          <a:prstGeom prst="rect">
-            <a:avLst/>
-          </a:prstGeom>
-        </p:spPr>
-      </p:pic>
       <p:sp>
         <p:nvSpPr>
-          <p:cNvPr id="11" name="文本框 10"/>
+          <p:cNvPr id="7" name="文本框 6"/>
           <p:cNvSpPr txBox="1"/>
           <p:nvPr/>
         </p:nvSpPr>
         <p:spPr>
           <a:xfrm>
-            <a:off x="6407785" y="2816860"/>
-            <a:ext cx="3615055" cy="2676525"/>
+            <a:off x="6407785" y="3880485"/>
+            <a:ext cx="4026535" cy="1938020"/>
           </a:xfrm>
           <a:prstGeom prst="rect">
             <a:avLst/>
@@ -5620,59 +5640,80 @@
             </a:r>
             <a:r>
               <a:rPr lang="zh-CN" altLang="en-US" sz="2400"/>
-              <a:t>方法中嵌套的函数中的</a:t>
+              <a:t>方法中嵌套的</a:t>
             </a:r>
             <a:r>
               <a:rPr lang="en-US" altLang="zh-CN" sz="2400"/>
-              <a:t>that</a:t>
+              <a:t>moveToX</a:t>
             </a:r>
             <a:r>
               <a:rPr lang="zh-CN" altLang="en-US" sz="2400"/>
-              <a:t>此时指向的是</a:t>
+              <a:t>函数作为</a:t>
+            </a:r>
+            <a:r>
+              <a:rPr lang="zh-CN" altLang="en-US" sz="2400">
+                <a:solidFill>
+                  <a:schemeClr val="accent3"/>
+                </a:solidFill>
+              </a:rPr>
+              <a:t>一般函数</a:t>
+            </a:r>
+            <a:r>
+              <a:rPr lang="zh-CN" altLang="en-US" sz="2400"/>
+              <a:t>看待，此函数中的</a:t>
+            </a:r>
+            <a:r>
+              <a:rPr lang="en-US" altLang="zh-CN" sz="2400"/>
+              <a:t>this</a:t>
+            </a:r>
+            <a:r>
+              <a:rPr lang="zh-CN" altLang="en-US" sz="2400"/>
+              <a:t>此时指向的是全局对象</a:t>
+            </a:r>
+            <a:r>
+              <a:rPr lang="en-US" altLang="zh-CN" sz="2400"/>
+              <a:t>window</a:t>
+            </a:r>
+            <a:r>
+              <a:rPr lang="zh-CN" altLang="en-US" sz="2400"/>
+              <a:t>而不是</a:t>
             </a:r>
             <a:r>
               <a:rPr lang="en-US" altLang="zh-CN" sz="2400"/>
               <a:t>point</a:t>
             </a:r>
-            <a:r>
-              <a:rPr lang="zh-CN" altLang="en-US" sz="2400"/>
-              <a:t>对象。</a:t>
-            </a:r>
-            <a:endParaRPr lang="zh-CN" altLang="en-US" sz="2400"/>
-          </a:p>
-          <a:p>
-            <a:br>
-              <a:rPr lang="zh-CN" altLang="en-US" sz="2400"/>
-            </a:br>
-            <a:r>
-              <a:rPr lang="zh-CN" altLang="en-US" sz="2400"/>
-              <a:t>这是软绑定形式，</a:t>
-            </a:r>
-            <a:r>
-              <a:rPr lang="zh-CN" altLang="en-US" sz="2400">
-                <a:sym typeface="+mn-ea"/>
-              </a:rPr>
-              <a:t>除此之外，</a:t>
-            </a:r>
-            <a:r>
-              <a:rPr lang="zh-CN" altLang="en-US" sz="2400"/>
-              <a:t>还可以通过函数对象的</a:t>
-            </a:r>
-            <a:r>
-              <a:rPr lang="en-US" altLang="zh-CN" sz="2400"/>
-              <a:t>bind</a:t>
-            </a:r>
-            <a:r>
-              <a:rPr lang="zh-CN" altLang="en-US" sz="2400"/>
-              <a:t>方法进行硬绑定</a:t>
-            </a:r>
-            <a:endParaRPr lang="zh-CN" altLang="en-US" sz="2400"/>
+            <a:endParaRPr lang="en-US" altLang="zh-CN" sz="2400"/>
           </a:p>
         </p:txBody>
       </p:sp>
       <p:pic>
         <p:nvPicPr>
-          <p:cNvPr id="12" name="图片 11"/>
+          <p:cNvPr id="8" name="图片 7" descr="DS]3HVZJM)~IN3KP0Y[))SY"/>
+          <p:cNvPicPr>
+            <a:picLocks noChangeAspect="1"/>
+          </p:cNvPicPr>
+          <p:nvPr/>
+        </p:nvPicPr>
+        <p:blipFill>
+          <a:blip r:embed="rId1"/>
+          <a:srcRect l="5073"/>
+          <a:stretch>
+            <a:fillRect/>
+          </a:stretch>
+        </p:blipFill>
+        <p:spPr>
+          <a:xfrm>
+            <a:off x="1066165" y="1516380"/>
+            <a:ext cx="5089525" cy="4620260"/>
+          </a:xfrm>
+          <a:prstGeom prst="rect">
+            <a:avLst/>
+          </a:prstGeom>
+        </p:spPr>
+      </p:pic>
+      <p:pic>
+        <p:nvPicPr>
+          <p:cNvPr id="2" name="图片 1"/>
           <p:cNvPicPr>
             <a:picLocks noChangeAspect="1"/>
           </p:cNvPicPr>
@@ -5686,8 +5727,8 @@
         </p:blipFill>
         <p:spPr>
           <a:xfrm>
-            <a:off x="1109980" y="1547495"/>
-            <a:ext cx="5082540" cy="4658995"/>
+            <a:off x="6259195" y="1581785"/>
+            <a:ext cx="5543550" cy="1857375"/>
           </a:xfrm>
           <a:prstGeom prst="rect">
             <a:avLst/>
@@ -5702,7 +5743,7 @@
         </p:nvSpPr>
         <p:spPr>
           <a:xfrm>
-            <a:off x="5511800" y="6252210"/>
+            <a:off x="5511800" y="6108700"/>
             <a:ext cx="6290945" cy="429895"/>
           </a:xfrm>
           <a:prstGeom prst="rect">
@@ -5744,37 +5785,27 @@
                 <a:latin typeface="+mn-ea"/>
                 <a:ea typeface="+mn-ea"/>
               </a:rPr>
-              <a:t>后半</a:t>
-            </a:r>
-            <a:r>
-              <a:rPr lang="zh-CN" altLang="en-US" sz="2200">
+              <a:t>前半部分 函数嵌套时</a:t>
+            </a:r>
+            <a:r>
+              <a:rPr lang="en-US" altLang="zh-CN" sz="2200">
                 <a:solidFill>
                   <a:srgbClr val="FF0000"/>
                 </a:solidFill>
                 <a:latin typeface="+mn-ea"/>
                 <a:ea typeface="+mn-ea"/>
               </a:rPr>
-              <a:t>部分 </a:t>
-            </a:r>
-            <a:r>
-              <a:rPr lang="en-US" altLang="zh-CN" sz="2200">
+              <a:t>this</a:t>
+            </a:r>
+            <a:r>
+              <a:rPr lang="zh-CN" altLang="en-US" sz="2200">
                 <a:solidFill>
                   <a:srgbClr val="FF0000"/>
                 </a:solidFill>
                 <a:latin typeface="+mn-ea"/>
                 <a:ea typeface="+mn-ea"/>
               </a:rPr>
-              <a:t>this</a:t>
-            </a:r>
-            <a:r>
-              <a:rPr lang="zh-CN" altLang="en-US" sz="2200">
-                <a:solidFill>
-                  <a:srgbClr val="FF0000"/>
-                </a:solidFill>
-                <a:latin typeface="+mn-ea"/>
-                <a:ea typeface="+mn-ea"/>
-              </a:rPr>
-              <a:t>缺陷解决办法 </a:t>
+              <a:t>缺陷 </a:t>
             </a:r>
             <a:endParaRPr lang="zh-CN" altLang="en-US" sz="2200">
               <a:solidFill>
@@ -5899,27 +5930,36 @@
                             </p:childTnLst>
                           </p:cTn>
                         </p:par>
+                      </p:childTnLst>
+                    </p:cTn>
+                  </p:par>
+                  <p:par>
+                    <p:cTn id="9" fill="hold">
+                      <p:stCondLst>
+                        <p:cond delay="indefinite"/>
+                      </p:stCondLst>
+                      <p:childTnLst>
                         <p:par>
-                          <p:cTn id="9" fill="hold">
+                          <p:cTn id="10" fill="hold">
                             <p:stCondLst>
-                              <p:cond delay="500"/>
+                              <p:cond delay="0"/>
                             </p:stCondLst>
                             <p:childTnLst>
                               <p:par>
-                                <p:cTn id="10" presetID="2" presetClass="entr" presetSubtype="4" fill="hold" nodeType="afterEffect">
+                                <p:cTn id="11" presetID="2" presetClass="entr" presetSubtype="4" fill="hold" nodeType="clickEffect">
                                   <p:stCondLst>
                                     <p:cond delay="0"/>
                                   </p:stCondLst>
                                   <p:childTnLst>
                                     <p:set>
                                       <p:cBhvr>
-                                        <p:cTn id="11" dur="1" fill="hold">
+                                        <p:cTn id="12" dur="1" fill="hold">
                                           <p:stCondLst>
                                             <p:cond delay="0"/>
                                           </p:stCondLst>
                                         </p:cTn>
                                         <p:tgtEl>
-                                          <p:spTgt spid="12"/>
+                                          <p:spTgt spid="8"/>
                                         </p:tgtEl>
                                         <p:attrNameLst>
                                           <p:attrName>style.visibility</p:attrName>
@@ -5931,9 +5971,9 @@
                                     </p:set>
                                     <p:anim calcmode="lin" valueType="num">
                                       <p:cBhvr additive="base">
-                                        <p:cTn id="12" dur="500" fill="hold"/>
+                                        <p:cTn id="13" dur="500" fill="hold"/>
                                         <p:tgtEl>
-                                          <p:spTgt spid="12"/>
+                                          <p:spTgt spid="8"/>
                                         </p:tgtEl>
                                         <p:attrNameLst>
                                           <p:attrName>ppt_x</p:attrName>
@@ -5954,9 +5994,9 @@
                                     </p:anim>
                                     <p:anim calcmode="lin" valueType="num">
                                       <p:cBhvr additive="base">
-                                        <p:cTn id="13" dur="500" fill="hold"/>
+                                        <p:cTn id="14" dur="500" fill="hold"/>
                                         <p:tgtEl>
-                                          <p:spTgt spid="12"/>
+                                          <p:spTgt spid="8"/>
                                         </p:tgtEl>
                                         <p:attrNameLst>
                                           <p:attrName>ppt_y</p:attrName>
@@ -5985,32 +6025,32 @@
                     </p:cTn>
                   </p:par>
                   <p:par>
-                    <p:cTn id="14" fill="hold">
+                    <p:cTn id="15" fill="hold">
                       <p:stCondLst>
                         <p:cond delay="indefinite"/>
                       </p:stCondLst>
                       <p:childTnLst>
                         <p:par>
-                          <p:cTn id="15" fill="hold">
+                          <p:cTn id="16" fill="hold">
                             <p:stCondLst>
                               <p:cond delay="0"/>
                             </p:stCondLst>
                             <p:childTnLst>
                               <p:par>
-                                <p:cTn id="16" presetID="2" presetClass="entr" presetSubtype="4" fill="hold" nodeType="clickEffect">
+                                <p:cTn id="17" presetID="2" presetClass="entr" presetSubtype="4" fill="hold" nodeType="clickEffect">
                                   <p:stCondLst>
                                     <p:cond delay="0"/>
                                   </p:stCondLst>
                                   <p:childTnLst>
                                     <p:set>
                                       <p:cBhvr>
-                                        <p:cTn id="17" dur="1" fill="hold">
+                                        <p:cTn id="18" dur="1" fill="hold">
                                           <p:stCondLst>
                                             <p:cond delay="0"/>
                                           </p:stCondLst>
                                         </p:cTn>
                                         <p:tgtEl>
-                                          <p:spTgt spid="10"/>
+                                          <p:spTgt spid="2"/>
                                         </p:tgtEl>
                                         <p:attrNameLst>
                                           <p:attrName>style.visibility</p:attrName>
@@ -6022,9 +6062,9 @@
                                     </p:set>
                                     <p:anim calcmode="lin" valueType="num">
                                       <p:cBhvr additive="base">
-                                        <p:cTn id="18" dur="500" fill="hold"/>
+                                        <p:cTn id="19" dur="500" fill="hold"/>
                                         <p:tgtEl>
-                                          <p:spTgt spid="10"/>
+                                          <p:spTgt spid="2"/>
                                         </p:tgtEl>
                                         <p:attrNameLst>
                                           <p:attrName>ppt_x</p:attrName>
@@ -6045,9 +6085,9 @@
                                     </p:anim>
                                     <p:anim calcmode="lin" valueType="num">
                                       <p:cBhvr additive="base">
-                                        <p:cTn id="19" dur="500" fill="hold"/>
+                                        <p:cTn id="20" dur="500" fill="hold"/>
                                         <p:tgtEl>
-                                          <p:spTgt spid="10"/>
+                                          <p:spTgt spid="2"/>
                                         </p:tgtEl>
                                         <p:attrNameLst>
                                           <p:attrName>ppt_y</p:attrName>
@@ -6076,32 +6116,32 @@
                     </p:cTn>
                   </p:par>
                   <p:par>
-                    <p:cTn id="20" fill="hold">
+                    <p:cTn id="21" fill="hold">
                       <p:stCondLst>
                         <p:cond delay="indefinite"/>
                       </p:stCondLst>
                       <p:childTnLst>
                         <p:par>
-                          <p:cTn id="21" fill="hold">
+                          <p:cTn id="22" fill="hold">
                             <p:stCondLst>
                               <p:cond delay="0"/>
                             </p:stCondLst>
                             <p:childTnLst>
                               <p:par>
-                                <p:cTn id="22" presetID="2" presetClass="entr" presetSubtype="4" fill="hold" grpId="0" nodeType="clickEffect">
+                                <p:cTn id="23" presetID="2" presetClass="entr" presetSubtype="4" fill="hold" grpId="0" nodeType="clickEffect">
                                   <p:stCondLst>
                                     <p:cond delay="0"/>
                                   </p:stCondLst>
                                   <p:childTnLst>
                                     <p:set>
                                       <p:cBhvr>
-                                        <p:cTn id="23" dur="1" fill="hold">
+                                        <p:cTn id="24" dur="1" fill="hold">
                                           <p:stCondLst>
                                             <p:cond delay="0"/>
                                           </p:stCondLst>
                                         </p:cTn>
                                         <p:tgtEl>
-                                          <p:spTgt spid="11"/>
+                                          <p:spTgt spid="7"/>
                                         </p:tgtEl>
                                         <p:attrNameLst>
                                           <p:attrName>style.visibility</p:attrName>
@@ -6113,9 +6153,9 @@
                                     </p:set>
                                     <p:anim calcmode="lin" valueType="num">
                                       <p:cBhvr additive="base">
-                                        <p:cTn id="24" dur="500" fill="hold"/>
+                                        <p:cTn id="25" dur="500" fill="hold"/>
                                         <p:tgtEl>
-                                          <p:spTgt spid="11"/>
+                                          <p:spTgt spid="7"/>
                                         </p:tgtEl>
                                         <p:attrNameLst>
                                           <p:attrName>ppt_x</p:attrName>
@@ -6136,9 +6176,9 @@
                                     </p:anim>
                                     <p:anim calcmode="lin" valueType="num">
                                       <p:cBhvr additive="base">
-                                        <p:cTn id="25" dur="500" fill="hold"/>
+                                        <p:cTn id="26" dur="500" fill="hold"/>
                                         <p:tgtEl>
-                                          <p:spTgt spid="11"/>
+                                          <p:spTgt spid="7"/>
                                         </p:tgtEl>
                                         <p:attrNameLst>
                                           <p:attrName>ppt_y</p:attrName>
@@ -6164,20 +6204,20 @@
                           </p:cTn>
                         </p:par>
                         <p:par>
-                          <p:cTn id="26" fill="hold">
+                          <p:cTn id="27" fill="hold">
                             <p:stCondLst>
                               <p:cond delay="500"/>
                             </p:stCondLst>
                             <p:childTnLst>
                               <p:par>
-                                <p:cTn id="27" presetID="2" presetClass="entr" presetSubtype="4" fill="hold" grpId="0" nodeType="afterEffect">
+                                <p:cTn id="28" presetID="2" presetClass="entr" presetSubtype="4" fill="hold" grpId="0" nodeType="afterEffect">
                                   <p:stCondLst>
                                     <p:cond delay="0"/>
                                   </p:stCondLst>
                                   <p:childTnLst>
                                     <p:set>
                                       <p:cBhvr>
-                                        <p:cTn id="28" dur="1" fill="hold">
+                                        <p:cTn id="29" dur="1" fill="hold">
                                           <p:stCondLst>
                                             <p:cond delay="0"/>
                                           </p:stCondLst>
@@ -6195,7 +6235,7 @@
                                     </p:set>
                                     <p:anim calcmode="lin" valueType="num">
                                       <p:cBhvr additive="base">
-                                        <p:cTn id="29" dur="500" fill="hold"/>
+                                        <p:cTn id="30" dur="500" fill="hold"/>
                                         <p:tgtEl>
                                           <p:spTgt spid="4"/>
                                         </p:tgtEl>
@@ -6218,7 +6258,7 @@
                                     </p:anim>
                                     <p:anim calcmode="lin" valueType="num">
                                       <p:cBhvr additive="base">
-                                        <p:cTn id="30" dur="500" fill="hold"/>
+                                        <p:cTn id="31" dur="500" fill="hold"/>
                                         <p:tgtEl>
                                           <p:spTgt spid="4"/>
                                         </p:tgtEl>
@@ -6270,7 +6310,7 @@
       </p:par>
     </p:tnLst>
     <p:bldLst>
-      <p:bldP spid="11" grpId="0"/>
+      <p:bldP spid="7" grpId="0"/>
       <p:bldP spid="4" grpId="0"/>
     </p:bldLst>
   </p:timing>
@@ -6348,13 +6388,13 @@
               <a:buChar char="•"/>
             </a:pPr>
             <a:r>
-              <a:rPr kumimoji="0" lang="zh-CN" dirty="0">
+              <a:rPr kumimoji="0" lang="zh-CN" altLang="en-US" dirty="0">
                 <a:solidFill>
                   <a:schemeClr val="tx1"/>
                 </a:solidFill>
                 <a:sym typeface="+mn-ea"/>
               </a:rPr>
-              <a:t>构造函数中的</a:t>
+              <a:t>使用变量替代的方法（</a:t>
             </a:r>
             <a:r>
               <a:rPr kumimoji="0" lang="en-US" altLang="zh-CN" dirty="0">
@@ -6363,7 +6403,7 @@
                 </a:solidFill>
                 <a:sym typeface="+mn-ea"/>
               </a:rPr>
-              <a:t>this</a:t>
+              <a:t>that</a:t>
             </a:r>
             <a:r>
               <a:rPr kumimoji="0" lang="zh-CN" altLang="en-US" dirty="0">
@@ -6372,16 +6412,25 @@
                 </a:solidFill>
                 <a:sym typeface="+mn-ea"/>
               </a:rPr>
-              <a:t>同样存在函数嵌套缺陷，</a:t>
+              <a:t>、</a:t>
+            </a:r>
+            <a:r>
+              <a:rPr kumimoji="0" lang="en-US" altLang="zh-CN" dirty="0">
+                <a:solidFill>
+                  <a:schemeClr val="tx1"/>
+                </a:solidFill>
+                <a:sym typeface="+mn-ea"/>
+              </a:rPr>
+              <a:t>self</a:t>
             </a:r>
             <a:r>
               <a:rPr kumimoji="0" lang="zh-CN" altLang="en-US" dirty="0">
                 <a:solidFill>
-                  <a:schemeClr val="accent3"/>
+                  <a:schemeClr val="tx1"/>
                 </a:solidFill>
                 <a:sym typeface="+mn-ea"/>
               </a:rPr>
-              <a:t>解决办法同上</a:t>
+              <a:t>）</a:t>
             </a:r>
             <a:br>
               <a:rPr lang="zh-CN" altLang="en-US" dirty="0" smtClean="0">
@@ -6428,7 +6477,7 @@
                   <a:srgbClr val="C00000"/>
                 </a:solidFill>
               </a:rPr>
-              <a:t>构造函数中的</a:t>
+              <a:t>如何解决对象方法中嵌套函数的</a:t>
             </a:r>
             <a:r>
               <a:rPr kumimoji="0" lang="en-US" altLang="zh-CN" b="0" dirty="0">
@@ -6443,9 +6492,8 @@
                 <a:solidFill>
                   <a:srgbClr val="C00000"/>
                 </a:solidFill>
-                <a:sym typeface="+mn-ea"/>
-              </a:rPr>
-              <a:t>（有函数嵌套的情况下）</a:t>
+              </a:rPr>
+              <a:t>指向问题</a:t>
             </a:r>
             <a:endParaRPr lang="zh-CN" altLang="en-US" dirty="0"/>
           </a:p>
@@ -6453,7 +6501,7 @@
       </p:sp>
       <p:pic>
         <p:nvPicPr>
-          <p:cNvPr id="2" name="图片 1" descr="O22MYX2@P$LL%TB0{TBZKP3"/>
+          <p:cNvPr id="10" name="图片 9" descr="FVCT%CT)1GIEGRM7%LFQFE9"/>
           <p:cNvPicPr>
             <a:picLocks noChangeAspect="1"/>
           </p:cNvPicPr>
@@ -6461,24 +6509,100 @@
         </p:nvPicPr>
         <p:blipFill>
           <a:blip r:embed="rId1"/>
-          <a:srcRect l="5386"/>
           <a:stretch>
             <a:fillRect/>
           </a:stretch>
         </p:blipFill>
         <p:spPr>
           <a:xfrm>
-            <a:off x="1056640" y="1551940"/>
-            <a:ext cx="4660265" cy="4449445"/>
+            <a:off x="6287135" y="1564640"/>
+            <a:ext cx="4911090" cy="1194435"/>
           </a:xfrm>
           <a:prstGeom prst="rect">
             <a:avLst/>
           </a:prstGeom>
         </p:spPr>
       </p:pic>
+      <p:sp>
+        <p:nvSpPr>
+          <p:cNvPr id="11" name="文本框 10"/>
+          <p:cNvSpPr txBox="1"/>
+          <p:nvPr/>
+        </p:nvSpPr>
+        <p:spPr>
+          <a:xfrm>
+            <a:off x="6407785" y="2816860"/>
+            <a:ext cx="3615055" cy="2676525"/>
+          </a:xfrm>
+          <a:prstGeom prst="rect">
+            <a:avLst/>
+          </a:prstGeom>
+          <a:noFill/>
+        </p:spPr>
+        <p:txBody>
+          <a:bodyPr wrap="square" rtlCol="0">
+            <a:spAutoFit/>
+          </a:bodyPr>
+          <a:p>
+            <a:r>
+              <a:rPr lang="en-US" altLang="zh-CN" sz="2400"/>
+              <a:t>moveTo</a:t>
+            </a:r>
+            <a:r>
+              <a:rPr lang="zh-CN" altLang="en-US" sz="2400"/>
+              <a:t>方法中嵌套的函数中的</a:t>
+            </a:r>
+            <a:r>
+              <a:rPr lang="en-US" altLang="zh-CN" sz="2400"/>
+              <a:t>that</a:t>
+            </a:r>
+            <a:r>
+              <a:rPr lang="zh-CN" altLang="en-US" sz="2400"/>
+              <a:t>此时指向的是</a:t>
+            </a:r>
+            <a:r>
+              <a:rPr lang="en-US" altLang="zh-CN" sz="2400"/>
+              <a:t>point</a:t>
+            </a:r>
+            <a:r>
+              <a:rPr lang="zh-CN" altLang="en-US" sz="2400"/>
+              <a:t>对象。</a:t>
+            </a:r>
+            <a:endParaRPr lang="zh-CN" altLang="en-US" sz="2400"/>
+          </a:p>
+          <a:p>
+            <a:br>
+              <a:rPr lang="zh-CN" altLang="en-US" sz="2400"/>
+            </a:br>
+            <a:r>
+              <a:rPr lang="zh-CN" altLang="en-US" sz="2400"/>
+              <a:t>这是软绑定形式，</a:t>
+            </a:r>
+            <a:r>
+              <a:rPr lang="zh-CN" altLang="en-US" sz="2400">
+                <a:sym typeface="+mn-ea"/>
+              </a:rPr>
+              <a:t>除此之外，</a:t>
+            </a:r>
+            <a:r>
+              <a:rPr lang="zh-CN" altLang="en-US" sz="2400"/>
+              <a:t>还可以通过函数对象的</a:t>
+            </a:r>
+            <a:r>
+              <a:rPr lang="en-US" altLang="zh-CN" sz="2400"/>
+              <a:t>bind</a:t>
+            </a:r>
+            <a:r>
+              <a:rPr lang="zh-CN" altLang="en-US" sz="2400"/>
+              <a:t>方法进行硬绑定</a:t>
+            </a:r>
+            <a:endParaRPr lang="zh-CN" altLang="en-US" sz="2400"/>
+          </a:p>
+        </p:txBody>
+      </p:sp>
       <p:pic>
         <p:nvPicPr>
-          <p:cNvPr id="5" name="图片 4" descr="5DPHS5AA(Q@2}065VQ~FO5W"/>
+          <p:cNvPr id="12" name="图片 11"/>
           <p:cNvPicPr>
             <a:picLocks noChangeAspect="1"/>
           </p:cNvPicPr>
@@ -6486,15 +6610,14 @@
         </p:nvPicPr>
         <p:blipFill>
           <a:blip r:embed="rId2"/>
-          <a:srcRect l="4539"/>
           <a:stretch>
             <a:fillRect/>
           </a:stretch>
         </p:blipFill>
         <p:spPr>
           <a:xfrm>
-            <a:off x="5840095" y="1551940"/>
-            <a:ext cx="6076315" cy="4608830"/>
+            <a:off x="1109980" y="1547495"/>
+            <a:ext cx="5082540" cy="4658995"/>
           </a:xfrm>
           <a:prstGeom prst="rect">
             <a:avLst/>
@@ -6510,7 +6633,7 @@
         <p:spPr>
           <a:xfrm>
             <a:off x="5511800" y="6252210"/>
-            <a:ext cx="6550025" cy="429895"/>
+            <a:ext cx="6290945" cy="429895"/>
           </a:xfrm>
           <a:prstGeom prst="rect">
             <a:avLst/>
@@ -6541,7 +6664,7 @@
                 <a:latin typeface="+mn-ea"/>
                 <a:ea typeface="+mn-ea"/>
               </a:rPr>
-              <a:t>demo07</a:t>
+              <a:t>demo06</a:t>
             </a:r>
             <a:r>
               <a:rPr lang="zh-CN" altLang="en-US" sz="2200">
@@ -6551,7 +6674,7 @@
                 <a:latin typeface="+mn-ea"/>
                 <a:ea typeface="+mn-ea"/>
               </a:rPr>
-              <a:t> 构造函数中的函数嵌套中的</a:t>
+              <a:t>后半部分 </a:t>
             </a:r>
             <a:r>
               <a:rPr lang="en-US" altLang="zh-CN" sz="2200">
@@ -6571,7 +6694,7 @@
                 <a:latin typeface="+mn-ea"/>
                 <a:ea typeface="+mn-ea"/>
               </a:rPr>
-              <a:t> </a:t>
+              <a:t>缺陷解决办法 </a:t>
             </a:r>
             <a:endParaRPr lang="zh-CN" altLang="en-US" sz="2200">
               <a:solidFill>
@@ -6696,6 +6819,803 @@
                             </p:childTnLst>
                           </p:cTn>
                         </p:par>
+                        <p:par>
+                          <p:cTn id="9" fill="hold">
+                            <p:stCondLst>
+                              <p:cond delay="500"/>
+                            </p:stCondLst>
+                            <p:childTnLst>
+                              <p:par>
+                                <p:cTn id="10" presetID="2" presetClass="entr" presetSubtype="4" fill="hold" nodeType="afterEffect">
+                                  <p:stCondLst>
+                                    <p:cond delay="0"/>
+                                  </p:stCondLst>
+                                  <p:childTnLst>
+                                    <p:set>
+                                      <p:cBhvr>
+                                        <p:cTn id="11" dur="1" fill="hold">
+                                          <p:stCondLst>
+                                            <p:cond delay="0"/>
+                                          </p:stCondLst>
+                                        </p:cTn>
+                                        <p:tgtEl>
+                                          <p:spTgt spid="12"/>
+                                        </p:tgtEl>
+                                        <p:attrNameLst>
+                                          <p:attrName>style.visibility</p:attrName>
+                                        </p:attrNameLst>
+                                      </p:cBhvr>
+                                      <p:to>
+                                        <p:strVal val="visible"/>
+                                      </p:to>
+                                    </p:set>
+                                    <p:anim calcmode="lin" valueType="num">
+                                      <p:cBhvr additive="base">
+                                        <p:cTn id="12" dur="500" fill="hold"/>
+                                        <p:tgtEl>
+                                          <p:spTgt spid="12"/>
+                                        </p:tgtEl>
+                                        <p:attrNameLst>
+                                          <p:attrName>ppt_x</p:attrName>
+                                        </p:attrNameLst>
+                                      </p:cBhvr>
+                                      <p:tavLst>
+                                        <p:tav tm="0">
+                                          <p:val>
+                                            <p:strVal val="#ppt_x"/>
+                                          </p:val>
+                                        </p:tav>
+                                        <p:tav tm="100000">
+                                          <p:val>
+                                            <p:strVal val="#ppt_x"/>
+                                          </p:val>
+                                        </p:tav>
+                                      </p:tavLst>
+                                    </p:anim>
+                                    <p:anim calcmode="lin" valueType="num">
+                                      <p:cBhvr additive="base">
+                                        <p:cTn id="13" dur="500" fill="hold"/>
+                                        <p:tgtEl>
+                                          <p:spTgt spid="12"/>
+                                        </p:tgtEl>
+                                        <p:attrNameLst>
+                                          <p:attrName>ppt_y</p:attrName>
+                                        </p:attrNameLst>
+                                      </p:cBhvr>
+                                      <p:tavLst>
+                                        <p:tav tm="0">
+                                          <p:val>
+                                            <p:strVal val="1+#ppt_h/2"/>
+                                          </p:val>
+                                        </p:tav>
+                                        <p:tav tm="100000">
+                                          <p:val>
+                                            <p:strVal val="#ppt_y"/>
+                                          </p:val>
+                                        </p:tav>
+                                      </p:tavLst>
+                                    </p:anim>
+                                  </p:childTnLst>
+                                </p:cTn>
+                              </p:par>
+                            </p:childTnLst>
+                          </p:cTn>
+                        </p:par>
+                      </p:childTnLst>
+                    </p:cTn>
+                  </p:par>
+                  <p:par>
+                    <p:cTn id="14" fill="hold">
+                      <p:stCondLst>
+                        <p:cond delay="indefinite"/>
+                      </p:stCondLst>
+                      <p:childTnLst>
+                        <p:par>
+                          <p:cTn id="15" fill="hold">
+                            <p:stCondLst>
+                              <p:cond delay="0"/>
+                            </p:stCondLst>
+                            <p:childTnLst>
+                              <p:par>
+                                <p:cTn id="16" presetID="2" presetClass="entr" presetSubtype="4" fill="hold" nodeType="clickEffect">
+                                  <p:stCondLst>
+                                    <p:cond delay="0"/>
+                                  </p:stCondLst>
+                                  <p:childTnLst>
+                                    <p:set>
+                                      <p:cBhvr>
+                                        <p:cTn id="17" dur="1" fill="hold">
+                                          <p:stCondLst>
+                                            <p:cond delay="0"/>
+                                          </p:stCondLst>
+                                        </p:cTn>
+                                        <p:tgtEl>
+                                          <p:spTgt spid="10"/>
+                                        </p:tgtEl>
+                                        <p:attrNameLst>
+                                          <p:attrName>style.visibility</p:attrName>
+                                        </p:attrNameLst>
+                                      </p:cBhvr>
+                                      <p:to>
+                                        <p:strVal val="visible"/>
+                                      </p:to>
+                                    </p:set>
+                                    <p:anim calcmode="lin" valueType="num">
+                                      <p:cBhvr additive="base">
+                                        <p:cTn id="18" dur="500" fill="hold"/>
+                                        <p:tgtEl>
+                                          <p:spTgt spid="10"/>
+                                        </p:tgtEl>
+                                        <p:attrNameLst>
+                                          <p:attrName>ppt_x</p:attrName>
+                                        </p:attrNameLst>
+                                      </p:cBhvr>
+                                      <p:tavLst>
+                                        <p:tav tm="0">
+                                          <p:val>
+                                            <p:strVal val="#ppt_x"/>
+                                          </p:val>
+                                        </p:tav>
+                                        <p:tav tm="100000">
+                                          <p:val>
+                                            <p:strVal val="#ppt_x"/>
+                                          </p:val>
+                                        </p:tav>
+                                      </p:tavLst>
+                                    </p:anim>
+                                    <p:anim calcmode="lin" valueType="num">
+                                      <p:cBhvr additive="base">
+                                        <p:cTn id="19" dur="500" fill="hold"/>
+                                        <p:tgtEl>
+                                          <p:spTgt spid="10"/>
+                                        </p:tgtEl>
+                                        <p:attrNameLst>
+                                          <p:attrName>ppt_y</p:attrName>
+                                        </p:attrNameLst>
+                                      </p:cBhvr>
+                                      <p:tavLst>
+                                        <p:tav tm="0">
+                                          <p:val>
+                                            <p:strVal val="1+#ppt_h/2"/>
+                                          </p:val>
+                                        </p:tav>
+                                        <p:tav tm="100000">
+                                          <p:val>
+                                            <p:strVal val="#ppt_y"/>
+                                          </p:val>
+                                        </p:tav>
+                                      </p:tavLst>
+                                    </p:anim>
+                                  </p:childTnLst>
+                                </p:cTn>
+                              </p:par>
+                            </p:childTnLst>
+                          </p:cTn>
+                        </p:par>
+                      </p:childTnLst>
+                    </p:cTn>
+                  </p:par>
+                  <p:par>
+                    <p:cTn id="20" fill="hold">
+                      <p:stCondLst>
+                        <p:cond delay="indefinite"/>
+                      </p:stCondLst>
+                      <p:childTnLst>
+                        <p:par>
+                          <p:cTn id="21" fill="hold">
+                            <p:stCondLst>
+                              <p:cond delay="0"/>
+                            </p:stCondLst>
+                            <p:childTnLst>
+                              <p:par>
+                                <p:cTn id="22" presetID="2" presetClass="entr" presetSubtype="4" fill="hold" grpId="0" nodeType="clickEffect">
+                                  <p:stCondLst>
+                                    <p:cond delay="0"/>
+                                  </p:stCondLst>
+                                  <p:childTnLst>
+                                    <p:set>
+                                      <p:cBhvr>
+                                        <p:cTn id="23" dur="1" fill="hold">
+                                          <p:stCondLst>
+                                            <p:cond delay="0"/>
+                                          </p:stCondLst>
+                                        </p:cTn>
+                                        <p:tgtEl>
+                                          <p:spTgt spid="11"/>
+                                        </p:tgtEl>
+                                        <p:attrNameLst>
+                                          <p:attrName>style.visibility</p:attrName>
+                                        </p:attrNameLst>
+                                      </p:cBhvr>
+                                      <p:to>
+                                        <p:strVal val="visible"/>
+                                      </p:to>
+                                    </p:set>
+                                    <p:anim calcmode="lin" valueType="num">
+                                      <p:cBhvr additive="base">
+                                        <p:cTn id="24" dur="500" fill="hold"/>
+                                        <p:tgtEl>
+                                          <p:spTgt spid="11"/>
+                                        </p:tgtEl>
+                                        <p:attrNameLst>
+                                          <p:attrName>ppt_x</p:attrName>
+                                        </p:attrNameLst>
+                                      </p:cBhvr>
+                                      <p:tavLst>
+                                        <p:tav tm="0">
+                                          <p:val>
+                                            <p:strVal val="#ppt_x"/>
+                                          </p:val>
+                                        </p:tav>
+                                        <p:tav tm="100000">
+                                          <p:val>
+                                            <p:strVal val="#ppt_x"/>
+                                          </p:val>
+                                        </p:tav>
+                                      </p:tavLst>
+                                    </p:anim>
+                                    <p:anim calcmode="lin" valueType="num">
+                                      <p:cBhvr additive="base">
+                                        <p:cTn id="25" dur="500" fill="hold"/>
+                                        <p:tgtEl>
+                                          <p:spTgt spid="11"/>
+                                        </p:tgtEl>
+                                        <p:attrNameLst>
+                                          <p:attrName>ppt_y</p:attrName>
+                                        </p:attrNameLst>
+                                      </p:cBhvr>
+                                      <p:tavLst>
+                                        <p:tav tm="0">
+                                          <p:val>
+                                            <p:strVal val="1+#ppt_h/2"/>
+                                          </p:val>
+                                        </p:tav>
+                                        <p:tav tm="100000">
+                                          <p:val>
+                                            <p:strVal val="#ppt_y"/>
+                                          </p:val>
+                                        </p:tav>
+                                      </p:tavLst>
+                                    </p:anim>
+                                  </p:childTnLst>
+                                </p:cTn>
+                              </p:par>
+                            </p:childTnLst>
+                          </p:cTn>
+                        </p:par>
+                        <p:par>
+                          <p:cTn id="26" fill="hold">
+                            <p:stCondLst>
+                              <p:cond delay="500"/>
+                            </p:stCondLst>
+                            <p:childTnLst>
+                              <p:par>
+                                <p:cTn id="27" presetID="2" presetClass="entr" presetSubtype="4" fill="hold" grpId="0" nodeType="afterEffect">
+                                  <p:stCondLst>
+                                    <p:cond delay="0"/>
+                                  </p:stCondLst>
+                                  <p:childTnLst>
+                                    <p:set>
+                                      <p:cBhvr>
+                                        <p:cTn id="28" dur="1" fill="hold">
+                                          <p:stCondLst>
+                                            <p:cond delay="0"/>
+                                          </p:stCondLst>
+                                        </p:cTn>
+                                        <p:tgtEl>
+                                          <p:spTgt spid="4"/>
+                                        </p:tgtEl>
+                                        <p:attrNameLst>
+                                          <p:attrName>style.visibility</p:attrName>
+                                        </p:attrNameLst>
+                                      </p:cBhvr>
+                                      <p:to>
+                                        <p:strVal val="visible"/>
+                                      </p:to>
+                                    </p:set>
+                                    <p:anim calcmode="lin" valueType="num">
+                                      <p:cBhvr additive="base">
+                                        <p:cTn id="29" dur="500" fill="hold"/>
+                                        <p:tgtEl>
+                                          <p:spTgt spid="4"/>
+                                        </p:tgtEl>
+                                        <p:attrNameLst>
+                                          <p:attrName>ppt_x</p:attrName>
+                                        </p:attrNameLst>
+                                      </p:cBhvr>
+                                      <p:tavLst>
+                                        <p:tav tm="0">
+                                          <p:val>
+                                            <p:strVal val="#ppt_x"/>
+                                          </p:val>
+                                        </p:tav>
+                                        <p:tav tm="100000">
+                                          <p:val>
+                                            <p:strVal val="#ppt_x"/>
+                                          </p:val>
+                                        </p:tav>
+                                      </p:tavLst>
+                                    </p:anim>
+                                    <p:anim calcmode="lin" valueType="num">
+                                      <p:cBhvr additive="base">
+                                        <p:cTn id="30" dur="500" fill="hold"/>
+                                        <p:tgtEl>
+                                          <p:spTgt spid="4"/>
+                                        </p:tgtEl>
+                                        <p:attrNameLst>
+                                          <p:attrName>ppt_y</p:attrName>
+                                        </p:attrNameLst>
+                                      </p:cBhvr>
+                                      <p:tavLst>
+                                        <p:tav tm="0">
+                                          <p:val>
+                                            <p:strVal val="1+#ppt_h/2"/>
+                                          </p:val>
+                                        </p:tav>
+                                        <p:tav tm="100000">
+                                          <p:val>
+                                            <p:strVal val="#ppt_y"/>
+                                          </p:val>
+                                        </p:tav>
+                                      </p:tavLst>
+                                    </p:anim>
+                                  </p:childTnLst>
+                                </p:cTn>
+                              </p:par>
+                            </p:childTnLst>
+                          </p:cTn>
+                        </p:par>
+                      </p:childTnLst>
+                    </p:cTn>
+                  </p:par>
+                </p:childTnLst>
+              </p:cTn>
+              <p:prevCondLst>
+                <p:cond evt="onPrev" delay="0">
+                  <p:tgtEl>
+                    <p:sldTgt/>
+                  </p:tgtEl>
+                </p:cond>
+              </p:prevCondLst>
+              <p:nextCondLst>
+                <p:cond evt="onNext" delay="0">
+                  <p:tgtEl>
+                    <p:sldTgt/>
+                  </p:tgtEl>
+                </p:cond>
+              </p:nextCondLst>
+            </p:seq>
+          </p:childTnLst>
+        </p:cTn>
+      </p:par>
+    </p:tnLst>
+    <p:bldLst>
+      <p:bldP spid="11" grpId="0"/>
+      <p:bldP spid="4" grpId="0"/>
+    </p:bldLst>
+  </p:timing>
+</p:sld>
+</file>
+
+<file path=ppt/slides/slide15.xml><?xml version="1.0" encoding="utf-8"?>
+<p:sld xmlns:a="http://schemas.openxmlformats.org/drawingml/2006/main" xmlns:r="http://schemas.openxmlformats.org/officeDocument/2006/relationships" xmlns:p="http://schemas.openxmlformats.org/presentationml/2006/main">
+  <p:cSld>
+    <p:spTree>
+      <p:nvGrpSpPr>
+        <p:cNvPr id="1" name=""/>
+        <p:cNvGrpSpPr/>
+        <p:nvPr/>
+      </p:nvGrpSpPr>
+      <p:grpSpPr>
+        <a:xfrm>
+          <a:off x="0" y="0"/>
+          <a:ext cx="0" cy="0"/>
+          <a:chOff x="0" y="0"/>
+          <a:chExt cx="0" cy="0"/>
+        </a:xfrm>
+      </p:grpSpPr>
+      <p:sp>
+        <p:nvSpPr>
+          <p:cNvPr id="30722" name="内容占位符 1"/>
+          <p:cNvSpPr>
+            <a:spLocks noGrp="1"/>
+          </p:cNvSpPr>
+          <p:nvPr>
+            <p:ph sz="quarter" idx="10"/>
+          </p:nvPr>
+        </p:nvSpPr>
+        <p:spPr bwMode="auto">
+          <a:xfrm>
+            <a:off x="947420" y="923290"/>
+            <a:ext cx="9940290" cy="5010785"/>
+          </a:xfrm>
+          <a:noFill/>
+          <a:extLst>
+            <a:ext uri="{909E8E84-426E-40DD-AFC4-6F175D3DCCD1}">
+              <a14:hiddenFill xmlns:a14="http://schemas.microsoft.com/office/drawing/2010/main">
+                <a:solidFill>
+                  <a:srgbClr val="FFFFFF"/>
+                </a:solidFill>
+              </a14:hiddenFill>
+            </a:ext>
+            <a:ext uri="{91240B29-F687-4F45-9708-019B960494DF}">
+              <a14:hiddenLine xmlns:a14="http://schemas.microsoft.com/office/drawing/2010/main" w="9525">
+                <a:solidFill>
+                  <a:srgbClr val="000000"/>
+                </a:solidFill>
+                <a:miter lim="800000"/>
+                <a:headEnd/>
+                <a:tailEnd/>
+              </a14:hiddenLine>
+            </a:ext>
+          </a:extLst>
+        </p:spPr>
+        <p:txBody>
+          <a:bodyPr vert="horz" wrap="square" lIns="91440" tIns="45720" rIns="91440" bIns="45720" numCol="1" anchor="t" anchorCtr="0" compatLnSpc="1"/>
+          <a:lstStyle/>
+          <a:p>
+            <a:pPr>
+              <a:lnSpc>
+                <a:spcPts val="3800"/>
+              </a:lnSpc>
+              <a:spcBef>
+                <a:spcPts val="600"/>
+              </a:spcBef>
+              <a:spcAft>
+                <a:spcPts val="600"/>
+              </a:spcAft>
+              <a:buFont typeface="Arial" panose="020B0604020202020204" pitchFamily="34" charset="0"/>
+              <a:buChar char="•"/>
+            </a:pPr>
+            <a:r>
+              <a:rPr kumimoji="0" lang="zh-CN" dirty="0">
+                <a:solidFill>
+                  <a:schemeClr val="tx1"/>
+                </a:solidFill>
+                <a:sym typeface="+mn-ea"/>
+              </a:rPr>
+              <a:t>构造函数中的</a:t>
+            </a:r>
+            <a:r>
+              <a:rPr kumimoji="0" lang="en-US" altLang="zh-CN" dirty="0">
+                <a:solidFill>
+                  <a:schemeClr val="tx1"/>
+                </a:solidFill>
+                <a:sym typeface="+mn-ea"/>
+              </a:rPr>
+              <a:t>this</a:t>
+            </a:r>
+            <a:r>
+              <a:rPr kumimoji="0" lang="zh-CN" altLang="en-US" dirty="0">
+                <a:solidFill>
+                  <a:schemeClr val="tx1"/>
+                </a:solidFill>
+                <a:sym typeface="+mn-ea"/>
+              </a:rPr>
+              <a:t>同样存在函数嵌套缺陷，</a:t>
+            </a:r>
+            <a:r>
+              <a:rPr kumimoji="0" lang="zh-CN" altLang="en-US" dirty="0">
+                <a:solidFill>
+                  <a:schemeClr val="accent3"/>
+                </a:solidFill>
+                <a:sym typeface="+mn-ea"/>
+              </a:rPr>
+              <a:t>解决办法同上</a:t>
+            </a:r>
+            <a:br>
+              <a:rPr lang="zh-CN" altLang="en-US" dirty="0" smtClean="0">
+                <a:solidFill>
+                  <a:srgbClr val="000000"/>
+                </a:solidFill>
+                <a:latin typeface="微软雅黑" panose="020B0503020204020204" pitchFamily="34" charset="-122"/>
+                <a:ea typeface="微软雅黑" panose="020B0503020204020204" pitchFamily="34" charset="-122"/>
+              </a:rPr>
+            </a:br>
+            <a:endParaRPr kumimoji="0" lang="en-US" altLang="zh-CN" dirty="0" smtClean="0">
+              <a:solidFill>
+                <a:schemeClr val="tx1"/>
+              </a:solidFill>
+              <a:latin typeface="微软雅黑" panose="020B0503020204020204" pitchFamily="34" charset="-122"/>
+              <a:ea typeface="微软雅黑" panose="020B0503020204020204" pitchFamily="34" charset="-122"/>
+              <a:sym typeface="+mn-ea"/>
+            </a:endParaRPr>
+          </a:p>
+        </p:txBody>
+      </p:sp>
+      <p:sp>
+        <p:nvSpPr>
+          <p:cNvPr id="3" name="内容占位符 2"/>
+          <p:cNvSpPr>
+            <a:spLocks noGrp="1"/>
+          </p:cNvSpPr>
+          <p:nvPr>
+            <p:ph sz="quarter" idx="11"/>
+          </p:nvPr>
+        </p:nvSpPr>
+        <p:spPr>
+          <a:xfrm>
+            <a:off x="947420" y="308610"/>
+            <a:ext cx="8482965" cy="490220"/>
+          </a:xfrm>
+        </p:spPr>
+        <p:txBody>
+          <a:bodyPr/>
+          <a:p>
+            <a:r>
+              <a:rPr kumimoji="0" lang="zh-CN" b="0" dirty="0">
+                <a:solidFill>
+                  <a:srgbClr val="C00000"/>
+                </a:solidFill>
+              </a:rPr>
+              <a:t>构造函数中的</a:t>
+            </a:r>
+            <a:r>
+              <a:rPr kumimoji="0" lang="en-US" altLang="zh-CN" b="0" dirty="0">
+                <a:solidFill>
+                  <a:srgbClr val="C00000"/>
+                </a:solidFill>
+              </a:rPr>
+              <a:t>this</a:t>
+            </a:r>
+            <a:r>
+              <a:rPr kumimoji="0" lang="zh-CN" altLang="en-US" b="0" dirty="0">
+                <a:solidFill>
+                  <a:srgbClr val="C00000"/>
+                </a:solidFill>
+                <a:sym typeface="+mn-ea"/>
+              </a:rPr>
+              <a:t>（有函数嵌套的情况下）</a:t>
+            </a:r>
+            <a:endParaRPr lang="zh-CN" altLang="en-US" dirty="0"/>
+          </a:p>
+        </p:txBody>
+      </p:sp>
+      <p:pic>
+        <p:nvPicPr>
+          <p:cNvPr id="2" name="图片 1" descr="O22MYX2@P$LL%TB0{TBZKP3"/>
+          <p:cNvPicPr>
+            <a:picLocks noChangeAspect="1"/>
+          </p:cNvPicPr>
+          <p:nvPr/>
+        </p:nvPicPr>
+        <p:blipFill>
+          <a:blip r:embed="rId1"/>
+          <a:srcRect l="5386"/>
+          <a:stretch>
+            <a:fillRect/>
+          </a:stretch>
+        </p:blipFill>
+        <p:spPr>
+          <a:xfrm>
+            <a:off x="1056640" y="1551940"/>
+            <a:ext cx="4660265" cy="4449445"/>
+          </a:xfrm>
+          <a:prstGeom prst="rect">
+            <a:avLst/>
+          </a:prstGeom>
+        </p:spPr>
+      </p:pic>
+      <p:pic>
+        <p:nvPicPr>
+          <p:cNvPr id="5" name="图片 4" descr="5DPHS5AA(Q@2}065VQ~FO5W"/>
+          <p:cNvPicPr>
+            <a:picLocks noChangeAspect="1"/>
+          </p:cNvPicPr>
+          <p:nvPr/>
+        </p:nvPicPr>
+        <p:blipFill>
+          <a:blip r:embed="rId2"/>
+          <a:srcRect l="4539"/>
+          <a:stretch>
+            <a:fillRect/>
+          </a:stretch>
+        </p:blipFill>
+        <p:spPr>
+          <a:xfrm>
+            <a:off x="5840095" y="1551940"/>
+            <a:ext cx="6076315" cy="4608830"/>
+          </a:xfrm>
+          <a:prstGeom prst="rect">
+            <a:avLst/>
+          </a:prstGeom>
+        </p:spPr>
+      </p:pic>
+      <p:sp>
+        <p:nvSpPr>
+          <p:cNvPr id="4" name="文本框 3"/>
+          <p:cNvSpPr txBox="1"/>
+          <p:nvPr/>
+        </p:nvSpPr>
+        <p:spPr>
+          <a:xfrm>
+            <a:off x="5511800" y="6252210"/>
+            <a:ext cx="6550025" cy="429895"/>
+          </a:xfrm>
+          <a:prstGeom prst="rect">
+            <a:avLst/>
+          </a:prstGeom>
+          <a:noFill/>
+        </p:spPr>
+        <p:txBody>
+          <a:bodyPr wrap="square" rtlCol="0">
+            <a:spAutoFit/>
+          </a:bodyPr>
+          <a:p>
+            <a:pPr algn="l"/>
+            <a:r>
+              <a:rPr lang="zh-CN" altLang="en-US" sz="2200">
+                <a:solidFill>
+                  <a:srgbClr val="FF0000"/>
+                </a:solidFill>
+                <a:latin typeface="+mn-ea"/>
+                <a:ea typeface="+mn-ea"/>
+              </a:rPr>
+              <a:t>参见实例</a:t>
+            </a:r>
+            <a:r>
+              <a:rPr lang="en-US" altLang="zh-CN" sz="2200">
+                <a:solidFill>
+                  <a:srgbClr val="FF0000"/>
+                </a:solidFill>
+                <a:latin typeface="+mn-ea"/>
+                <a:ea typeface="+mn-ea"/>
+              </a:rPr>
+              <a:t>demo07</a:t>
+            </a:r>
+            <a:r>
+              <a:rPr lang="zh-CN" altLang="en-US" sz="2200">
+                <a:solidFill>
+                  <a:srgbClr val="FF0000"/>
+                </a:solidFill>
+                <a:latin typeface="+mn-ea"/>
+                <a:ea typeface="+mn-ea"/>
+              </a:rPr>
+              <a:t> 构造函数中的函数嵌套中的</a:t>
+            </a:r>
+            <a:r>
+              <a:rPr lang="en-US" altLang="zh-CN" sz="2200">
+                <a:solidFill>
+                  <a:srgbClr val="FF0000"/>
+                </a:solidFill>
+                <a:latin typeface="+mn-ea"/>
+                <a:ea typeface="+mn-ea"/>
+              </a:rPr>
+              <a:t>this</a:t>
+            </a:r>
+            <a:r>
+              <a:rPr lang="zh-CN" altLang="en-US" sz="2200">
+                <a:solidFill>
+                  <a:srgbClr val="FF0000"/>
+                </a:solidFill>
+                <a:latin typeface="+mn-ea"/>
+                <a:ea typeface="+mn-ea"/>
+              </a:rPr>
+              <a:t> </a:t>
+            </a:r>
+            <a:endParaRPr lang="zh-CN" altLang="en-US" sz="2200">
+              <a:solidFill>
+                <a:srgbClr val="FF0000"/>
+              </a:solidFill>
+              <a:latin typeface="+mn-ea"/>
+              <a:ea typeface="+mn-ea"/>
+            </a:endParaRPr>
+          </a:p>
+        </p:txBody>
+      </p:sp>
+    </p:spTree>
+  </p:cSld>
+  <p:clrMapOvr>
+    <a:masterClrMapping/>
+  </p:clrMapOvr>
+  <p:timing>
+    <p:tnLst>
+      <p:par>
+        <p:cTn id="1" dur="indefinite" restart="never" nodeType="tmRoot">
+          <p:childTnLst>
+            <p:seq concurrent="1" nextAc="seek">
+              <p:cTn id="2" dur="indefinite" nodeType="mainSeq">
+                <p:childTnLst>
+                  <p:par>
+                    <p:cTn id="3" fill="hold">
+                      <p:stCondLst>
+                        <p:cond delay="indefinite"/>
+                      </p:stCondLst>
+                      <p:childTnLst>
+                        <p:par>
+                          <p:cTn id="4" fill="hold">
+                            <p:stCondLst>
+                              <p:cond delay="0"/>
+                            </p:stCondLst>
+                            <p:childTnLst>
+                              <p:par>
+                                <p:cTn id="5" presetID="2" presetClass="entr" presetSubtype="4" fill="hold" nodeType="clickEffect">
+                                  <p:stCondLst>
+                                    <p:cond delay="0"/>
+                                  </p:stCondLst>
+                                  <p:childTnLst>
+                                    <p:set>
+                                      <p:cBhvr>
+                                        <p:cTn id="6" dur="1" fill="hold">
+                                          <p:stCondLst>
+                                            <p:cond delay="0"/>
+                                          </p:stCondLst>
+                                        </p:cTn>
+                                        <p:tgtEl>
+                                          <p:spTgt spid="30722">
+                                            <p:txEl>
+                                              <p:pRg st="0" end="0"/>
+                                            </p:txEl>
+                                          </p:spTgt>
+                                        </p:tgtEl>
+                                        <p:attrNameLst>
+                                          <p:attrName>style.visibility</p:attrName>
+                                        </p:attrNameLst>
+                                      </p:cBhvr>
+                                      <p:to>
+                                        <p:strVal val="visible"/>
+                                      </p:to>
+                                    </p:set>
+                                    <p:anim calcmode="lin" valueType="num">
+                                      <p:cBhvr additive="base">
+                                        <p:cTn id="7" dur="500" fill="hold"/>
+                                        <p:tgtEl>
+                                          <p:spTgt spid="30722">
+                                            <p:txEl>
+                                              <p:pRg st="0" end="0"/>
+                                            </p:txEl>
+                                          </p:spTgt>
+                                        </p:tgtEl>
+                                        <p:attrNameLst>
+                                          <p:attrName>ppt_x</p:attrName>
+                                        </p:attrNameLst>
+                                      </p:cBhvr>
+                                      <p:tavLst>
+                                        <p:tav tm="0">
+                                          <p:val>
+                                            <p:strVal val="#ppt_x"/>
+                                          </p:val>
+                                        </p:tav>
+                                        <p:tav tm="100000">
+                                          <p:val>
+                                            <p:strVal val="#ppt_x"/>
+                                          </p:val>
+                                        </p:tav>
+                                      </p:tavLst>
+                                    </p:anim>
+                                    <p:anim calcmode="lin" valueType="num">
+                                      <p:cBhvr additive="base">
+                                        <p:cTn id="8" dur="500" fill="hold"/>
+                                        <p:tgtEl>
+                                          <p:spTgt spid="30722">
+                                            <p:txEl>
+                                              <p:pRg st="0" end="0"/>
+                                            </p:txEl>
+                                          </p:spTgt>
+                                        </p:tgtEl>
+                                        <p:attrNameLst>
+                                          <p:attrName>ppt_y</p:attrName>
+                                        </p:attrNameLst>
+                                      </p:cBhvr>
+                                      <p:tavLst>
+                                        <p:tav tm="0">
+                                          <p:val>
+                                            <p:strVal val="1+#ppt_h/2"/>
+                                          </p:val>
+                                        </p:tav>
+                                        <p:tav tm="100000">
+                                          <p:val>
+                                            <p:strVal val="#ppt_y"/>
+                                          </p:val>
+                                        </p:tav>
+                                      </p:tavLst>
+                                    </p:anim>
+                                  </p:childTnLst>
+                                </p:cTn>
+                              </p:par>
+                            </p:childTnLst>
+                          </p:cTn>
+                        </p:par>
                       </p:childTnLst>
                     </p:cTn>
                   </p:par>
@@ -6973,7 +7893,7 @@
 </p:sld>
 </file>
 
-<file path=ppt/slides/slide15.xml><?xml version="1.0" encoding="utf-8"?>
+<file path=ppt/slides/slide16.xml><?xml version="1.0" encoding="utf-8"?>
 <p:sld xmlns:a="http://schemas.openxmlformats.org/drawingml/2006/main" xmlns:r="http://schemas.openxmlformats.org/officeDocument/2006/relationships" xmlns:p="http://schemas.openxmlformats.org/presentationml/2006/main">
   <p:cSld>
     <p:spTree>
@@ -7493,7 +8413,7 @@
 </p:sld>
 </file>
 
-<file path=ppt/slides/slide16.xml><?xml version="1.0" encoding="utf-8"?>
+<file path=ppt/slides/slide17.xml><?xml version="1.0" encoding="utf-8"?>
 <p:sld xmlns:a="http://schemas.openxmlformats.org/drawingml/2006/main" xmlns:r="http://schemas.openxmlformats.org/officeDocument/2006/relationships" xmlns:p="http://schemas.openxmlformats.org/presentationml/2006/main">
   <p:cSld>
     <p:spTree>
@@ -8274,7 +9194,7 @@
 </p:sld>
 </file>
 
-<file path=ppt/slides/slide17.xml><?xml version="1.0" encoding="utf-8"?>
+<file path=ppt/slides/slide18.xml><?xml version="1.0" encoding="utf-8"?>
 <p:sld xmlns:a="http://schemas.openxmlformats.org/drawingml/2006/main" xmlns:r="http://schemas.openxmlformats.org/officeDocument/2006/relationships" xmlns:p="http://schemas.openxmlformats.org/presentationml/2006/main">
   <p:cSld>
     <p:spTree>
@@ -8478,7 +9398,7 @@
 </p:sld>
 </file>
 
-<file path=ppt/slides/slide18.xml><?xml version="1.0" encoding="utf-8"?>
+<file path=ppt/slides/slide19.xml><?xml version="1.0" encoding="utf-8"?>
 <p:sld xmlns:a="http://schemas.openxmlformats.org/drawingml/2006/main" xmlns:r="http://schemas.openxmlformats.org/officeDocument/2006/relationships" xmlns:p="http://schemas.openxmlformats.org/presentationml/2006/main">
   <p:cSld>
     <p:spTree>
@@ -8874,7 +9794,395 @@
 </p:sld>
 </file>
 
-<file path=ppt/slides/slide19.xml><?xml version="1.0" encoding="utf-8"?>
+<file path=ppt/slides/slide2.xml><?xml version="1.0" encoding="utf-8"?>
+<p:sld xmlns:a="http://schemas.openxmlformats.org/drawingml/2006/main" xmlns:r="http://schemas.openxmlformats.org/officeDocument/2006/relationships" xmlns:p="http://schemas.openxmlformats.org/presentationml/2006/main">
+  <p:cSld>
+    <p:spTree>
+      <p:nvGrpSpPr>
+        <p:cNvPr id="1" name=""/>
+        <p:cNvGrpSpPr/>
+        <p:nvPr/>
+      </p:nvGrpSpPr>
+      <p:grpSpPr>
+        <a:xfrm>
+          <a:off x="0" y="0"/>
+          <a:ext cx="0" cy="0"/>
+          <a:chOff x="0" y="0"/>
+          <a:chExt cx="0" cy="0"/>
+        </a:xfrm>
+      </p:grpSpPr>
+      <p:pic>
+        <p:nvPicPr>
+          <p:cNvPr id="4098" name="Picture 4"/>
+          <p:cNvPicPr>
+            <a:picLocks noChangeAspect="1" noChangeArrowheads="1"/>
+          </p:cNvPicPr>
+          <p:nvPr/>
+        </p:nvPicPr>
+        <p:blipFill>
+          <a:blip r:embed="rId1">
+            <a:extLst>
+              <a:ext uri="{28A0092B-C50C-407E-A947-70E740481C1C}">
+                <a14:useLocalDpi xmlns:a14="http://schemas.microsoft.com/office/drawing/2010/main" val="0"/>
+              </a:ext>
+            </a:extLst>
+          </a:blip>
+          <a:srcRect/>
+          <a:stretch>
+            <a:fillRect/>
+          </a:stretch>
+        </p:blipFill>
+        <p:spPr bwMode="auto">
+          <a:xfrm>
+            <a:off x="0" y="0"/>
+            <a:ext cx="12192000" cy="6858000"/>
+          </a:xfrm>
+          <a:prstGeom prst="rect">
+            <a:avLst/>
+          </a:prstGeom>
+          <a:noFill/>
+          <a:ln>
+            <a:noFill/>
+          </a:ln>
+          <a:extLst>
+            <a:ext uri="{909E8E84-426E-40DD-AFC4-6F175D3DCCD1}">
+              <a14:hiddenFill xmlns:a14="http://schemas.microsoft.com/office/drawing/2010/main">
+                <a:solidFill>
+                  <a:srgbClr val="FFFFFF"/>
+                </a:solidFill>
+              </a14:hiddenFill>
+            </a:ext>
+            <a:ext uri="{91240B29-F687-4F45-9708-019B960494DF}">
+              <a14:hiddenLine xmlns:a14="http://schemas.microsoft.com/office/drawing/2010/main" w="9525">
+                <a:solidFill>
+                  <a:srgbClr val="000000"/>
+                </a:solidFill>
+                <a:miter lim="800000"/>
+                <a:headEnd/>
+                <a:tailEnd/>
+              </a14:hiddenLine>
+            </a:ext>
+          </a:extLst>
+        </p:spPr>
+      </p:pic>
+      <p:sp>
+        <p:nvSpPr>
+          <p:cNvPr id="4099" name="Rectangle 2"/>
+          <p:cNvSpPr>
+            <a:spLocks noGrp="1" noChangeArrowheads="1"/>
+          </p:cNvSpPr>
+          <p:nvPr>
+            <p:ph type="ctrTitle" idx="4294967295"/>
+          </p:nvPr>
+        </p:nvSpPr>
+        <p:spPr bwMode="auto">
+          <a:xfrm>
+            <a:off x="1809751" y="2428876"/>
+            <a:ext cx="7286625" cy="1116013"/>
+          </a:xfrm>
+          <a:prstGeom prst="rect">
+            <a:avLst/>
+          </a:prstGeom>
+          <a:noFill/>
+          <a:extLst>
+            <a:ext uri="{909E8E84-426E-40DD-AFC4-6F175D3DCCD1}">
+              <a14:hiddenFill xmlns:a14="http://schemas.microsoft.com/office/drawing/2010/main">
+                <a:solidFill>
+                  <a:srgbClr val="FFFFFF"/>
+                </a:solidFill>
+              </a14:hiddenFill>
+            </a:ext>
+            <a:ext uri="{91240B29-F687-4F45-9708-019B960494DF}">
+              <a14:hiddenLine xmlns:a14="http://schemas.microsoft.com/office/drawing/2010/main" w="9525">
+                <a:solidFill>
+                  <a:srgbClr val="000000"/>
+                </a:solidFill>
+                <a:miter lim="800000"/>
+                <a:headEnd/>
+                <a:tailEnd/>
+              </a14:hiddenLine>
+            </a:ext>
+          </a:extLst>
+        </p:spPr>
+        <p:txBody>
+          <a:bodyPr anchor="b"/>
+          <a:lstStyle/>
+          <a:p>
+            <a:pPr algn="ctr" eaLnBrk="1" hangingPunct="1"/>
+            <a:r>
+              <a:rPr lang="en-US" sz="4800" b="1" dirty="0">
+                <a:sym typeface="+mn-ea"/>
+              </a:rPr>
+              <a:t>JavaScript</a:t>
+            </a:r>
+            <a:r>
+              <a:rPr lang="zh-CN" altLang="en-US" sz="4800" b="1" dirty="0">
+                <a:sym typeface="+mn-ea"/>
+              </a:rPr>
+              <a:t>进阶</a:t>
+            </a:r>
+            <a:endParaRPr kumimoji="0" lang="zh-CN" altLang="zh-CN" sz="4800" b="1"/>
+          </a:p>
+        </p:txBody>
+      </p:sp>
+      <p:sp>
+        <p:nvSpPr>
+          <p:cNvPr id="4100" name="TextBox 4"/>
+          <p:cNvSpPr txBox="1">
+            <a:spLocks noChangeArrowheads="1"/>
+          </p:cNvSpPr>
+          <p:nvPr/>
+        </p:nvSpPr>
+        <p:spPr bwMode="auto">
+          <a:xfrm>
+            <a:off x="5381626" y="4358640"/>
+            <a:ext cx="5286375" cy="613410"/>
+          </a:xfrm>
+          <a:prstGeom prst="rect">
+            <a:avLst/>
+          </a:prstGeom>
+          <a:noFill/>
+          <a:ln>
+            <a:noFill/>
+          </a:ln>
+          <a:extLst>
+            <a:ext uri="{909E8E84-426E-40DD-AFC4-6F175D3DCCD1}">
+              <a14:hiddenFill xmlns:a14="http://schemas.microsoft.com/office/drawing/2010/main">
+                <a:solidFill>
+                  <a:srgbClr val="FFFFFF"/>
+                </a:solidFill>
+              </a14:hiddenFill>
+            </a:ext>
+            <a:ext uri="{91240B29-F687-4F45-9708-019B960494DF}">
+              <a14:hiddenLine xmlns:a14="http://schemas.microsoft.com/office/drawing/2010/main" w="9525">
+                <a:solidFill>
+                  <a:srgbClr val="000000"/>
+                </a:solidFill>
+                <a:miter lim="800000"/>
+                <a:headEnd/>
+                <a:tailEnd/>
+              </a14:hiddenLine>
+            </a:ext>
+          </a:extLst>
+        </p:spPr>
+        <p:txBody>
+          <a:bodyPr>
+            <a:spAutoFit/>
+          </a:bodyPr>
+          <a:lstStyle>
+            <a:lvl1pPr>
+              <a:defRPr sz="3200">
+                <a:solidFill>
+                  <a:schemeClr val="tx1"/>
+                </a:solidFill>
+                <a:latin typeface="Arial" panose="020B0604020202020204" pitchFamily="34" charset="0"/>
+                <a:ea typeface="微软雅黑" panose="020B0503020204020204" pitchFamily="34" charset="-122"/>
+              </a:defRPr>
+            </a:lvl1pPr>
+            <a:lvl2pPr marL="742950" indent="-285750">
+              <a:defRPr sz="3200">
+                <a:solidFill>
+                  <a:schemeClr val="tx1"/>
+                </a:solidFill>
+                <a:latin typeface="Arial" panose="020B0604020202020204" pitchFamily="34" charset="0"/>
+                <a:ea typeface="微软雅黑" panose="020B0503020204020204" pitchFamily="34" charset="-122"/>
+              </a:defRPr>
+            </a:lvl2pPr>
+            <a:lvl3pPr marL="1143000" indent="-228600">
+              <a:defRPr sz="3200">
+                <a:solidFill>
+                  <a:schemeClr val="tx1"/>
+                </a:solidFill>
+                <a:latin typeface="Arial" panose="020B0604020202020204" pitchFamily="34" charset="0"/>
+                <a:ea typeface="微软雅黑" panose="020B0503020204020204" pitchFamily="34" charset="-122"/>
+              </a:defRPr>
+            </a:lvl3pPr>
+            <a:lvl4pPr marL="1600200" indent="-228600">
+              <a:defRPr sz="3200">
+                <a:solidFill>
+                  <a:schemeClr val="tx1"/>
+                </a:solidFill>
+                <a:latin typeface="Arial" panose="020B0604020202020204" pitchFamily="34" charset="0"/>
+                <a:ea typeface="微软雅黑" panose="020B0503020204020204" pitchFamily="34" charset="-122"/>
+              </a:defRPr>
+            </a:lvl4pPr>
+            <a:lvl5pPr marL="2057400" indent="-228600">
+              <a:defRPr sz="3200">
+                <a:solidFill>
+                  <a:schemeClr val="tx1"/>
+                </a:solidFill>
+                <a:latin typeface="Arial" panose="020B0604020202020204" pitchFamily="34" charset="0"/>
+                <a:ea typeface="微软雅黑" panose="020B0503020204020204" pitchFamily="34" charset="-122"/>
+              </a:defRPr>
+            </a:lvl5pPr>
+            <a:lvl6pPr marL="2514600" indent="-228600" eaLnBrk="0" fontAlgn="base" hangingPunct="0">
+              <a:spcBef>
+                <a:spcPct val="0"/>
+              </a:spcBef>
+              <a:spcAft>
+                <a:spcPct val="0"/>
+              </a:spcAft>
+              <a:defRPr sz="3200">
+                <a:solidFill>
+                  <a:schemeClr val="tx1"/>
+                </a:solidFill>
+                <a:latin typeface="Arial" panose="020B0604020202020204" pitchFamily="34" charset="0"/>
+                <a:ea typeface="微软雅黑" panose="020B0503020204020204" pitchFamily="34" charset="-122"/>
+              </a:defRPr>
+            </a:lvl6pPr>
+            <a:lvl7pPr marL="2971800" indent="-228600" eaLnBrk="0" fontAlgn="base" hangingPunct="0">
+              <a:spcBef>
+                <a:spcPct val="0"/>
+              </a:spcBef>
+              <a:spcAft>
+                <a:spcPct val="0"/>
+              </a:spcAft>
+              <a:defRPr sz="3200">
+                <a:solidFill>
+                  <a:schemeClr val="tx1"/>
+                </a:solidFill>
+                <a:latin typeface="Arial" panose="020B0604020202020204" pitchFamily="34" charset="0"/>
+                <a:ea typeface="微软雅黑" panose="020B0503020204020204" pitchFamily="34" charset="-122"/>
+              </a:defRPr>
+            </a:lvl7pPr>
+            <a:lvl8pPr marL="3429000" indent="-228600" eaLnBrk="0" fontAlgn="base" hangingPunct="0">
+              <a:spcBef>
+                <a:spcPct val="0"/>
+              </a:spcBef>
+              <a:spcAft>
+                <a:spcPct val="0"/>
+              </a:spcAft>
+              <a:defRPr sz="3200">
+                <a:solidFill>
+                  <a:schemeClr val="tx1"/>
+                </a:solidFill>
+                <a:latin typeface="Arial" panose="020B0604020202020204" pitchFamily="34" charset="0"/>
+                <a:ea typeface="微软雅黑" panose="020B0503020204020204" pitchFamily="34" charset="-122"/>
+              </a:defRPr>
+            </a:lvl8pPr>
+            <a:lvl9pPr marL="3886200" indent="-228600" eaLnBrk="0" fontAlgn="base" hangingPunct="0">
+              <a:spcBef>
+                <a:spcPct val="0"/>
+              </a:spcBef>
+              <a:spcAft>
+                <a:spcPct val="0"/>
+              </a:spcAft>
+              <a:defRPr sz="3200">
+                <a:solidFill>
+                  <a:schemeClr val="tx1"/>
+                </a:solidFill>
+                <a:latin typeface="Arial" panose="020B0604020202020204" pitchFamily="34" charset="0"/>
+                <a:ea typeface="微软雅黑" panose="020B0503020204020204" pitchFamily="34" charset="-122"/>
+              </a:defRPr>
+            </a:lvl9pPr>
+          </a:lstStyle>
+          <a:p>
+            <a:r>
+              <a:rPr lang="en-US" altLang="zh-CN">
+                <a:latin typeface="微软雅黑" panose="020B0503020204020204" pitchFamily="34" charset="-122"/>
+                <a:ea typeface="宋体" panose="02010600030101010101" pitchFamily="2" charset="-122"/>
+              </a:rPr>
+              <a:t>---</a:t>
+            </a:r>
+            <a:r>
+              <a:rPr lang="en-US" altLang="zh-CN">
+                <a:latin typeface="+mj-ea"/>
+                <a:ea typeface="+mj-ea"/>
+              </a:rPr>
+              <a:t>JS</a:t>
+            </a:r>
+            <a:r>
+              <a:rPr lang="zh-CN" altLang="en-US">
+                <a:latin typeface="+mj-ea"/>
+                <a:ea typeface="+mj-ea"/>
+              </a:rPr>
+              <a:t>中的</a:t>
+            </a:r>
+            <a:r>
+              <a:rPr lang="en-US">
+                <a:latin typeface="+mj-ea"/>
+                <a:ea typeface="+mj-ea"/>
+              </a:rPr>
+              <a:t>this</a:t>
+            </a:r>
+            <a:endParaRPr lang="zh-CN" altLang="en-US" dirty="0">
+              <a:latin typeface="+mj-ea"/>
+              <a:ea typeface="+mj-ea"/>
+            </a:endParaRPr>
+          </a:p>
+        </p:txBody>
+      </p:sp>
+      <p:pic>
+        <p:nvPicPr>
+          <p:cNvPr id="4101" name="图片 4" descr="软院logo横版.png"/>
+          <p:cNvPicPr>
+            <a:picLocks noChangeAspect="1"/>
+          </p:cNvPicPr>
+          <p:nvPr/>
+        </p:nvPicPr>
+        <p:blipFill>
+          <a:blip r:embed="rId2">
+            <a:extLst>
+              <a:ext uri="{28A0092B-C50C-407E-A947-70E740481C1C}">
+                <a14:useLocalDpi xmlns:a14="http://schemas.microsoft.com/office/drawing/2010/main" val="0"/>
+              </a:ext>
+            </a:extLst>
+          </a:blip>
+          <a:srcRect/>
+          <a:stretch>
+            <a:fillRect/>
+          </a:stretch>
+        </p:blipFill>
+        <p:spPr bwMode="auto">
+          <a:xfrm>
+            <a:off x="6604001" y="5784851"/>
+            <a:ext cx="3381375" cy="525463"/>
+          </a:xfrm>
+          <a:prstGeom prst="rect">
+            <a:avLst/>
+          </a:prstGeom>
+          <a:noFill/>
+          <a:ln>
+            <a:noFill/>
+          </a:ln>
+          <a:extLst>
+            <a:ext uri="{909E8E84-426E-40DD-AFC4-6F175D3DCCD1}">
+              <a14:hiddenFill xmlns:a14="http://schemas.microsoft.com/office/drawing/2010/main">
+                <a:solidFill>
+                  <a:srgbClr val="FFFFFF"/>
+                </a:solidFill>
+              </a14:hiddenFill>
+            </a:ext>
+            <a:ext uri="{91240B29-F687-4F45-9708-019B960494DF}">
+              <a14:hiddenLine xmlns:a14="http://schemas.microsoft.com/office/drawing/2010/main" w="9525">
+                <a:solidFill>
+                  <a:srgbClr val="000000"/>
+                </a:solidFill>
+                <a:miter lim="800000"/>
+                <a:headEnd/>
+                <a:tailEnd/>
+              </a14:hiddenLine>
+            </a:ext>
+          </a:extLst>
+        </p:spPr>
+      </p:pic>
+    </p:spTree>
+  </p:cSld>
+  <p:clrMapOvr>
+    <a:masterClrMapping/>
+  </p:clrMapOvr>
+  <p:transition advClick="0"/>
+  <p:timing>
+    <p:tnLst>
+      <p:par>
+        <p:cTn id="1" dur="indefinite" restart="never" nodeType="tmRoot"/>
+      </p:par>
+    </p:tnLst>
+  </p:timing>
+</p:sld>
+</file>
+
+<file path=ppt/slides/slide20.xml><?xml version="1.0" encoding="utf-8"?>
 <p:sld xmlns:a="http://schemas.openxmlformats.org/drawingml/2006/main" xmlns:r="http://schemas.openxmlformats.org/officeDocument/2006/relationships" xmlns:p="http://schemas.openxmlformats.org/presentationml/2006/main">
   <p:cSld>
     <p:spTree>
@@ -9142,7 +10450,388 @@
 </p:sld>
 </file>
 
-<file path=ppt/slides/slide2.xml><?xml version="1.0" encoding="utf-8"?>
+<file path=ppt/slides/slide21.xml><?xml version="1.0" encoding="utf-8"?>
+<p:sld xmlns:a="http://schemas.openxmlformats.org/drawingml/2006/main" xmlns:r="http://schemas.openxmlformats.org/officeDocument/2006/relationships" xmlns:p="http://schemas.openxmlformats.org/presentationml/2006/main">
+  <p:cSld>
+    <p:spTree>
+      <p:nvGrpSpPr>
+        <p:cNvPr id="1" name=""/>
+        <p:cNvGrpSpPr/>
+        <p:nvPr/>
+      </p:nvGrpSpPr>
+      <p:grpSpPr>
+        <a:xfrm>
+          <a:off x="0" y="0"/>
+          <a:ext cx="0" cy="0"/>
+          <a:chOff x="0" y="0"/>
+          <a:chExt cx="0" cy="0"/>
+        </a:xfrm>
+      </p:grpSpPr>
+      <p:pic>
+        <p:nvPicPr>
+          <p:cNvPr id="4098" name="Picture 4"/>
+          <p:cNvPicPr>
+            <a:picLocks noChangeAspect="1" noChangeArrowheads="1"/>
+          </p:cNvPicPr>
+          <p:nvPr/>
+        </p:nvPicPr>
+        <p:blipFill>
+          <a:blip r:embed="rId1">
+            <a:extLst>
+              <a:ext uri="{28A0092B-C50C-407E-A947-70E740481C1C}">
+                <a14:useLocalDpi xmlns:a14="http://schemas.microsoft.com/office/drawing/2010/main" val="0"/>
+              </a:ext>
+            </a:extLst>
+          </a:blip>
+          <a:srcRect/>
+          <a:stretch>
+            <a:fillRect/>
+          </a:stretch>
+        </p:blipFill>
+        <p:spPr bwMode="auto">
+          <a:xfrm>
+            <a:off x="0" y="0"/>
+            <a:ext cx="12192000" cy="6858000"/>
+          </a:xfrm>
+          <a:prstGeom prst="rect">
+            <a:avLst/>
+          </a:prstGeom>
+          <a:noFill/>
+          <a:ln>
+            <a:noFill/>
+          </a:ln>
+          <a:extLst>
+            <a:ext uri="{909E8E84-426E-40DD-AFC4-6F175D3DCCD1}">
+              <a14:hiddenFill xmlns:a14="http://schemas.microsoft.com/office/drawing/2010/main">
+                <a:solidFill>
+                  <a:srgbClr val="FFFFFF"/>
+                </a:solidFill>
+              </a14:hiddenFill>
+            </a:ext>
+            <a:ext uri="{91240B29-F687-4F45-9708-019B960494DF}">
+              <a14:hiddenLine xmlns:a14="http://schemas.microsoft.com/office/drawing/2010/main" w="9525">
+                <a:solidFill>
+                  <a:srgbClr val="000000"/>
+                </a:solidFill>
+                <a:miter lim="800000"/>
+                <a:headEnd/>
+                <a:tailEnd/>
+              </a14:hiddenLine>
+            </a:ext>
+          </a:extLst>
+        </p:spPr>
+      </p:pic>
+      <p:sp>
+        <p:nvSpPr>
+          <p:cNvPr id="4099" name="Rectangle 2"/>
+          <p:cNvSpPr>
+            <a:spLocks noGrp="1" noChangeArrowheads="1"/>
+          </p:cNvSpPr>
+          <p:nvPr>
+            <p:ph type="ctrTitle" idx="4294967295"/>
+          </p:nvPr>
+        </p:nvSpPr>
+        <p:spPr bwMode="auto">
+          <a:xfrm>
+            <a:off x="1809751" y="2428876"/>
+            <a:ext cx="7286625" cy="1116013"/>
+          </a:xfrm>
+          <a:prstGeom prst="rect">
+            <a:avLst/>
+          </a:prstGeom>
+          <a:noFill/>
+          <a:extLst>
+            <a:ext uri="{909E8E84-426E-40DD-AFC4-6F175D3DCCD1}">
+              <a14:hiddenFill xmlns:a14="http://schemas.microsoft.com/office/drawing/2010/main">
+                <a:solidFill>
+                  <a:srgbClr val="FFFFFF"/>
+                </a:solidFill>
+              </a14:hiddenFill>
+            </a:ext>
+            <a:ext uri="{91240B29-F687-4F45-9708-019B960494DF}">
+              <a14:hiddenLine xmlns:a14="http://schemas.microsoft.com/office/drawing/2010/main" w="9525">
+                <a:solidFill>
+                  <a:srgbClr val="000000"/>
+                </a:solidFill>
+                <a:miter lim="800000"/>
+                <a:headEnd/>
+                <a:tailEnd/>
+              </a14:hiddenLine>
+            </a:ext>
+          </a:extLst>
+        </p:spPr>
+        <p:txBody>
+          <a:bodyPr anchor="b"/>
+          <a:lstStyle/>
+          <a:p>
+            <a:pPr algn="ctr" eaLnBrk="1" hangingPunct="1"/>
+            <a:r>
+              <a:rPr lang="en-US" sz="4800" b="1" dirty="0">
+                <a:sym typeface="+mn-ea"/>
+              </a:rPr>
+              <a:t>JavaScript</a:t>
+            </a:r>
+            <a:r>
+              <a:rPr lang="zh-CN" altLang="en-US" sz="4800" b="1" dirty="0">
+                <a:sym typeface="+mn-ea"/>
+              </a:rPr>
+              <a:t>进阶</a:t>
+            </a:r>
+            <a:endParaRPr kumimoji="0" lang="zh-CN" altLang="zh-CN" sz="4800" b="1"/>
+          </a:p>
+        </p:txBody>
+      </p:sp>
+      <p:sp>
+        <p:nvSpPr>
+          <p:cNvPr id="4100" name="TextBox 4"/>
+          <p:cNvSpPr txBox="1">
+            <a:spLocks noChangeArrowheads="1"/>
+          </p:cNvSpPr>
+          <p:nvPr/>
+        </p:nvSpPr>
+        <p:spPr bwMode="auto">
+          <a:xfrm>
+            <a:off x="5381626" y="4358640"/>
+            <a:ext cx="5286375" cy="583565"/>
+          </a:xfrm>
+          <a:prstGeom prst="rect">
+            <a:avLst/>
+          </a:prstGeom>
+          <a:noFill/>
+          <a:ln>
+            <a:noFill/>
+          </a:ln>
+          <a:extLst>
+            <a:ext uri="{909E8E84-426E-40DD-AFC4-6F175D3DCCD1}">
+              <a14:hiddenFill xmlns:a14="http://schemas.microsoft.com/office/drawing/2010/main">
+                <a:solidFill>
+                  <a:srgbClr val="FFFFFF"/>
+                </a:solidFill>
+              </a14:hiddenFill>
+            </a:ext>
+            <a:ext uri="{91240B29-F687-4F45-9708-019B960494DF}">
+              <a14:hiddenLine xmlns:a14="http://schemas.microsoft.com/office/drawing/2010/main" w="9525">
+                <a:solidFill>
+                  <a:srgbClr val="000000"/>
+                </a:solidFill>
+                <a:miter lim="800000"/>
+                <a:headEnd/>
+                <a:tailEnd/>
+              </a14:hiddenLine>
+            </a:ext>
+          </a:extLst>
+        </p:spPr>
+        <p:txBody>
+          <a:bodyPr>
+            <a:spAutoFit/>
+          </a:bodyPr>
+          <a:lstStyle>
+            <a:lvl1pPr>
+              <a:defRPr sz="3200">
+                <a:solidFill>
+                  <a:schemeClr val="tx1"/>
+                </a:solidFill>
+                <a:latin typeface="Arial" panose="020B0604020202020204" pitchFamily="34" charset="0"/>
+                <a:ea typeface="微软雅黑" panose="020B0503020204020204" pitchFamily="34" charset="-122"/>
+              </a:defRPr>
+            </a:lvl1pPr>
+            <a:lvl2pPr marL="742950" indent="-285750">
+              <a:defRPr sz="3200">
+                <a:solidFill>
+                  <a:schemeClr val="tx1"/>
+                </a:solidFill>
+                <a:latin typeface="Arial" panose="020B0604020202020204" pitchFamily="34" charset="0"/>
+                <a:ea typeface="微软雅黑" panose="020B0503020204020204" pitchFamily="34" charset="-122"/>
+              </a:defRPr>
+            </a:lvl2pPr>
+            <a:lvl3pPr marL="1143000" indent="-228600">
+              <a:defRPr sz="3200">
+                <a:solidFill>
+                  <a:schemeClr val="tx1"/>
+                </a:solidFill>
+                <a:latin typeface="Arial" panose="020B0604020202020204" pitchFamily="34" charset="0"/>
+                <a:ea typeface="微软雅黑" panose="020B0503020204020204" pitchFamily="34" charset="-122"/>
+              </a:defRPr>
+            </a:lvl3pPr>
+            <a:lvl4pPr marL="1600200" indent="-228600">
+              <a:defRPr sz="3200">
+                <a:solidFill>
+                  <a:schemeClr val="tx1"/>
+                </a:solidFill>
+                <a:latin typeface="Arial" panose="020B0604020202020204" pitchFamily="34" charset="0"/>
+                <a:ea typeface="微软雅黑" panose="020B0503020204020204" pitchFamily="34" charset="-122"/>
+              </a:defRPr>
+            </a:lvl4pPr>
+            <a:lvl5pPr marL="2057400" indent="-228600">
+              <a:defRPr sz="3200">
+                <a:solidFill>
+                  <a:schemeClr val="tx1"/>
+                </a:solidFill>
+                <a:latin typeface="Arial" panose="020B0604020202020204" pitchFamily="34" charset="0"/>
+                <a:ea typeface="微软雅黑" panose="020B0503020204020204" pitchFamily="34" charset="-122"/>
+              </a:defRPr>
+            </a:lvl5pPr>
+            <a:lvl6pPr marL="2514600" indent="-228600" eaLnBrk="0" fontAlgn="base" hangingPunct="0">
+              <a:spcBef>
+                <a:spcPct val="0"/>
+              </a:spcBef>
+              <a:spcAft>
+                <a:spcPct val="0"/>
+              </a:spcAft>
+              <a:defRPr sz="3200">
+                <a:solidFill>
+                  <a:schemeClr val="tx1"/>
+                </a:solidFill>
+                <a:latin typeface="Arial" panose="020B0604020202020204" pitchFamily="34" charset="0"/>
+                <a:ea typeface="微软雅黑" panose="020B0503020204020204" pitchFamily="34" charset="-122"/>
+              </a:defRPr>
+            </a:lvl6pPr>
+            <a:lvl7pPr marL="2971800" indent="-228600" eaLnBrk="0" fontAlgn="base" hangingPunct="0">
+              <a:spcBef>
+                <a:spcPct val="0"/>
+              </a:spcBef>
+              <a:spcAft>
+                <a:spcPct val="0"/>
+              </a:spcAft>
+              <a:defRPr sz="3200">
+                <a:solidFill>
+                  <a:schemeClr val="tx1"/>
+                </a:solidFill>
+                <a:latin typeface="Arial" panose="020B0604020202020204" pitchFamily="34" charset="0"/>
+                <a:ea typeface="微软雅黑" panose="020B0503020204020204" pitchFamily="34" charset="-122"/>
+              </a:defRPr>
+            </a:lvl7pPr>
+            <a:lvl8pPr marL="3429000" indent="-228600" eaLnBrk="0" fontAlgn="base" hangingPunct="0">
+              <a:spcBef>
+                <a:spcPct val="0"/>
+              </a:spcBef>
+              <a:spcAft>
+                <a:spcPct val="0"/>
+              </a:spcAft>
+              <a:defRPr sz="3200">
+                <a:solidFill>
+                  <a:schemeClr val="tx1"/>
+                </a:solidFill>
+                <a:latin typeface="Arial" panose="020B0604020202020204" pitchFamily="34" charset="0"/>
+                <a:ea typeface="微软雅黑" panose="020B0503020204020204" pitchFamily="34" charset="-122"/>
+              </a:defRPr>
+            </a:lvl8pPr>
+            <a:lvl9pPr marL="3886200" indent="-228600" eaLnBrk="0" fontAlgn="base" hangingPunct="0">
+              <a:spcBef>
+                <a:spcPct val="0"/>
+              </a:spcBef>
+              <a:spcAft>
+                <a:spcPct val="0"/>
+              </a:spcAft>
+              <a:defRPr sz="3200">
+                <a:solidFill>
+                  <a:schemeClr val="tx1"/>
+                </a:solidFill>
+                <a:latin typeface="Arial" panose="020B0604020202020204" pitchFamily="34" charset="0"/>
+                <a:ea typeface="微软雅黑" panose="020B0503020204020204" pitchFamily="34" charset="-122"/>
+              </a:defRPr>
+            </a:lvl9pPr>
+          </a:lstStyle>
+          <a:p>
+            <a:r>
+              <a:rPr lang="en-US" altLang="zh-CN">
+                <a:latin typeface="微软雅黑" panose="020B0503020204020204" pitchFamily="34" charset="-122"/>
+                <a:ea typeface="宋体" panose="02010600030101010101" pitchFamily="2" charset="-122"/>
+              </a:rPr>
+              <a:t>---</a:t>
+            </a:r>
+            <a:r>
+              <a:rPr lang="en-US" altLang="zh-CN">
+                <a:latin typeface="+mj-ea"/>
+                <a:ea typeface="+mj-ea"/>
+              </a:rPr>
+              <a:t>JS</a:t>
+            </a:r>
+            <a:r>
+              <a:rPr lang="zh-CN" altLang="en-US">
+                <a:latin typeface="+mj-ea"/>
+                <a:ea typeface="+mj-ea"/>
+              </a:rPr>
+              <a:t>中的对象绑定</a:t>
+            </a:r>
+            <a:endParaRPr lang="en-US" altLang="zh-CN" dirty="0">
+              <a:latin typeface="+mj-ea"/>
+              <a:ea typeface="+mj-ea"/>
+            </a:endParaRPr>
+          </a:p>
+        </p:txBody>
+      </p:sp>
+      <p:pic>
+        <p:nvPicPr>
+          <p:cNvPr id="4101" name="图片 4" descr="软院logo横版.png"/>
+          <p:cNvPicPr>
+            <a:picLocks noChangeAspect="1"/>
+          </p:cNvPicPr>
+          <p:nvPr/>
+        </p:nvPicPr>
+        <p:blipFill>
+          <a:blip r:embed="rId2">
+            <a:extLst>
+              <a:ext uri="{28A0092B-C50C-407E-A947-70E740481C1C}">
+                <a14:useLocalDpi xmlns:a14="http://schemas.microsoft.com/office/drawing/2010/main" val="0"/>
+              </a:ext>
+            </a:extLst>
+          </a:blip>
+          <a:srcRect/>
+          <a:stretch>
+            <a:fillRect/>
+          </a:stretch>
+        </p:blipFill>
+        <p:spPr bwMode="auto">
+          <a:xfrm>
+            <a:off x="6604001" y="5784851"/>
+            <a:ext cx="3381375" cy="525463"/>
+          </a:xfrm>
+          <a:prstGeom prst="rect">
+            <a:avLst/>
+          </a:prstGeom>
+          <a:noFill/>
+          <a:ln>
+            <a:noFill/>
+          </a:ln>
+          <a:extLst>
+            <a:ext uri="{909E8E84-426E-40DD-AFC4-6F175D3DCCD1}">
+              <a14:hiddenFill xmlns:a14="http://schemas.microsoft.com/office/drawing/2010/main">
+                <a:solidFill>
+                  <a:srgbClr val="FFFFFF"/>
+                </a:solidFill>
+              </a14:hiddenFill>
+            </a:ext>
+            <a:ext uri="{91240B29-F687-4F45-9708-019B960494DF}">
+              <a14:hiddenLine xmlns:a14="http://schemas.microsoft.com/office/drawing/2010/main" w="9525">
+                <a:solidFill>
+                  <a:srgbClr val="000000"/>
+                </a:solidFill>
+                <a:miter lim="800000"/>
+                <a:headEnd/>
+                <a:tailEnd/>
+              </a14:hiddenLine>
+            </a:ext>
+          </a:extLst>
+        </p:spPr>
+      </p:pic>
+    </p:spTree>
+  </p:cSld>
+  <p:clrMapOvr>
+    <a:masterClrMapping/>
+  </p:clrMapOvr>
+  <p:transition advClick="0"/>
+  <p:timing>
+    <p:tnLst>
+      <p:par>
+        <p:cTn id="1" dur="indefinite" restart="never" nodeType="tmRoot"/>
+      </p:par>
+    </p:tnLst>
+  </p:timing>
+</p:sld>
+</file>
+
+<file path=ppt/slides/slide22.xml><?xml version="1.0" encoding="utf-8"?>
 <p:sld xmlns:a="http://schemas.openxmlformats.org/drawingml/2006/main" xmlns:r="http://schemas.openxmlformats.org/officeDocument/2006/relationships" xmlns:p="http://schemas.openxmlformats.org/presentationml/2006/main">
   <p:cSld>
     <p:spTree>
@@ -9327,7 +11016,7 @@
                   <a:srgbClr val="FF0000"/>
                 </a:solidFill>
               </a:rPr>
-              <a:t>JS this</a:t>
+              <a:t>JS </a:t>
             </a:r>
             <a:r>
               <a:rPr lang="zh-CN" altLang="en-US" sz="2800" b="1">
@@ -9335,7 +11024,7 @@
                   <a:srgbClr val="FF0000"/>
                 </a:solidFill>
               </a:rPr>
-              <a:t>简介及特点</a:t>
+              <a:t>对象软绑定</a:t>
             </a:r>
             <a:endParaRPr lang="zh-CN" altLang="en-US" sz="2800" b="1">
               <a:solidFill>
@@ -9367,7 +11056,7 @@
                 </a:solidFill>
                 <a:sym typeface="+mn-ea"/>
               </a:rPr>
-              <a:t>JS this</a:t>
+              <a:t>JS </a:t>
             </a:r>
             <a:r>
               <a:rPr lang="zh-CN" altLang="en-US" sz="2800" b="1">
@@ -9376,49 +11065,7 @@
                 </a:solidFill>
                 <a:sym typeface="+mn-ea"/>
               </a:rPr>
-              <a:t>四种应用场景</a:t>
-            </a:r>
-            <a:endParaRPr lang="zh-CN" altLang="en-US" sz="2800" b="1">
-              <a:solidFill>
-                <a:schemeClr val="tx1"/>
-              </a:solidFill>
-              <a:sym typeface="+mn-ea"/>
-            </a:endParaRPr>
-          </a:p>
-          <a:p>
-            <a:pPr algn="l">
-              <a:lnSpc>
-                <a:spcPct val="150000"/>
-              </a:lnSpc>
-              <a:spcBef>
-                <a:spcPts val="1200"/>
-              </a:spcBef>
-              <a:spcAft>
-                <a:spcPts val="1200"/>
-              </a:spcAft>
-              <a:buClr>
-                <a:srgbClr val="92D050"/>
-              </a:buClr>
-              <a:buFont typeface="Wingdings" panose="05000000000000000000" pitchFamily="2" charset="2"/>
-              <a:buChar char="Ø"/>
-            </a:pPr>
-            <a:r>
-              <a:rPr lang="en-US" altLang="zh-CN" sz="2800" b="1">
-                <a:solidFill>
-                  <a:schemeClr val="tx1"/>
-                </a:solidFill>
-                <a:sym typeface="+mn-ea"/>
-              </a:rPr>
-              <a:t>JS this</a:t>
-            </a:r>
-            <a:r>
-              <a:rPr lang="zh-CN" altLang="en-US" sz="2800" b="1">
-                <a:solidFill>
-                  <a:schemeClr val="tx1"/>
-                </a:solidFill>
-                <a:sym typeface="+mn-ea"/>
-              </a:rPr>
-              <a:t>缺陷及解决方法</a:t>
+              <a:t>对象硬绑定</a:t>
             </a:r>
             <a:endParaRPr lang="zh-CN" altLang="en-US" sz="2800" b="1">
               <a:solidFill>
@@ -9662,7 +11309,1209 @@
 </p:sld>
 </file>
 
+<file path=ppt/slides/slide23.xml><?xml version="1.0" encoding="utf-8"?>
+<p:sld xmlns:a="http://schemas.openxmlformats.org/drawingml/2006/main" xmlns:r="http://schemas.openxmlformats.org/officeDocument/2006/relationships" xmlns:p="http://schemas.openxmlformats.org/presentationml/2006/main">
+  <p:cSld>
+    <p:spTree>
+      <p:nvGrpSpPr>
+        <p:cNvPr id="1" name=""/>
+        <p:cNvGrpSpPr/>
+        <p:nvPr/>
+      </p:nvGrpSpPr>
+      <p:grpSpPr>
+        <a:xfrm>
+          <a:off x="0" y="0"/>
+          <a:ext cx="0" cy="0"/>
+          <a:chOff x="0" y="0"/>
+          <a:chExt cx="0" cy="0"/>
+        </a:xfrm>
+      </p:grpSpPr>
+      <p:sp>
+        <p:nvSpPr>
+          <p:cNvPr id="5123" name="AutoShape 6"/>
+          <p:cNvSpPr>
+            <a:spLocks noChangeArrowheads="1"/>
+          </p:cNvSpPr>
+          <p:nvPr/>
+        </p:nvSpPr>
+        <p:spPr bwMode="auto">
+          <a:xfrm>
+            <a:off x="2566988" y="1339851"/>
+            <a:ext cx="6711950" cy="4214813"/>
+          </a:xfrm>
+          <a:prstGeom prst="roundRect">
+            <a:avLst>
+              <a:gd name="adj" fmla="val 16667"/>
+            </a:avLst>
+          </a:prstGeom>
+          <a:noFill/>
+          <a:ln w="28575">
+            <a:solidFill>
+              <a:srgbClr val="C0C0C0"/>
+            </a:solidFill>
+            <a:prstDash val="sysDot"/>
+            <a:round/>
+          </a:ln>
+          <a:extLst>
+            <a:ext uri="{909E8E84-426E-40DD-AFC4-6F175D3DCCD1}">
+              <a14:hiddenFill xmlns:a14="http://schemas.microsoft.com/office/drawing/2010/main">
+                <a:solidFill>
+                  <a:srgbClr val="FFFFFF"/>
+                </a:solidFill>
+              </a14:hiddenFill>
+            </a:ext>
+          </a:extLst>
+        </p:spPr>
+        <p:txBody>
+          <a:bodyPr wrap="none" anchor="ctr"/>
+          <a:lstStyle>
+            <a:lvl1pPr marL="457200" indent="-457200">
+              <a:defRPr sz="3200">
+                <a:solidFill>
+                  <a:schemeClr val="tx1"/>
+                </a:solidFill>
+                <a:latin typeface="Arial" panose="020B0604020202020204" pitchFamily="34" charset="0"/>
+                <a:ea typeface="微软雅黑" panose="020B0503020204020204" pitchFamily="34" charset="-122"/>
+              </a:defRPr>
+            </a:lvl1pPr>
+            <a:lvl2pPr marL="742950" indent="-285750">
+              <a:defRPr sz="3200">
+                <a:solidFill>
+                  <a:schemeClr val="tx1"/>
+                </a:solidFill>
+                <a:latin typeface="Arial" panose="020B0604020202020204" pitchFamily="34" charset="0"/>
+                <a:ea typeface="微软雅黑" panose="020B0503020204020204" pitchFamily="34" charset="-122"/>
+              </a:defRPr>
+            </a:lvl2pPr>
+            <a:lvl3pPr marL="1143000" indent="-228600">
+              <a:defRPr sz="3200">
+                <a:solidFill>
+                  <a:schemeClr val="tx1"/>
+                </a:solidFill>
+                <a:latin typeface="Arial" panose="020B0604020202020204" pitchFamily="34" charset="0"/>
+                <a:ea typeface="微软雅黑" panose="020B0503020204020204" pitchFamily="34" charset="-122"/>
+              </a:defRPr>
+            </a:lvl3pPr>
+            <a:lvl4pPr marL="1600200" indent="-228600">
+              <a:defRPr sz="3200">
+                <a:solidFill>
+                  <a:schemeClr val="tx1"/>
+                </a:solidFill>
+                <a:latin typeface="Arial" panose="020B0604020202020204" pitchFamily="34" charset="0"/>
+                <a:ea typeface="微软雅黑" panose="020B0503020204020204" pitchFamily="34" charset="-122"/>
+              </a:defRPr>
+            </a:lvl4pPr>
+            <a:lvl5pPr marL="2057400" indent="-228600">
+              <a:defRPr sz="3200">
+                <a:solidFill>
+                  <a:schemeClr val="tx1"/>
+                </a:solidFill>
+                <a:latin typeface="Arial" panose="020B0604020202020204" pitchFamily="34" charset="0"/>
+                <a:ea typeface="微软雅黑" panose="020B0503020204020204" pitchFamily="34" charset="-122"/>
+              </a:defRPr>
+            </a:lvl5pPr>
+            <a:lvl6pPr marL="2514600" indent="-228600" eaLnBrk="0" fontAlgn="base" hangingPunct="0">
+              <a:spcBef>
+                <a:spcPct val="0"/>
+              </a:spcBef>
+              <a:spcAft>
+                <a:spcPct val="0"/>
+              </a:spcAft>
+              <a:defRPr sz="3200">
+                <a:solidFill>
+                  <a:schemeClr val="tx1"/>
+                </a:solidFill>
+                <a:latin typeface="Arial" panose="020B0604020202020204" pitchFamily="34" charset="0"/>
+                <a:ea typeface="微软雅黑" panose="020B0503020204020204" pitchFamily="34" charset="-122"/>
+              </a:defRPr>
+            </a:lvl6pPr>
+            <a:lvl7pPr marL="2971800" indent="-228600" eaLnBrk="0" fontAlgn="base" hangingPunct="0">
+              <a:spcBef>
+                <a:spcPct val="0"/>
+              </a:spcBef>
+              <a:spcAft>
+                <a:spcPct val="0"/>
+              </a:spcAft>
+              <a:defRPr sz="3200">
+                <a:solidFill>
+                  <a:schemeClr val="tx1"/>
+                </a:solidFill>
+                <a:latin typeface="Arial" panose="020B0604020202020204" pitchFamily="34" charset="0"/>
+                <a:ea typeface="微软雅黑" panose="020B0503020204020204" pitchFamily="34" charset="-122"/>
+              </a:defRPr>
+            </a:lvl7pPr>
+            <a:lvl8pPr marL="3429000" indent="-228600" eaLnBrk="0" fontAlgn="base" hangingPunct="0">
+              <a:spcBef>
+                <a:spcPct val="0"/>
+              </a:spcBef>
+              <a:spcAft>
+                <a:spcPct val="0"/>
+              </a:spcAft>
+              <a:defRPr sz="3200">
+                <a:solidFill>
+                  <a:schemeClr val="tx1"/>
+                </a:solidFill>
+                <a:latin typeface="Arial" panose="020B0604020202020204" pitchFamily="34" charset="0"/>
+                <a:ea typeface="微软雅黑" panose="020B0503020204020204" pitchFamily="34" charset="-122"/>
+              </a:defRPr>
+            </a:lvl8pPr>
+            <a:lvl9pPr marL="3886200" indent="-228600" eaLnBrk="0" fontAlgn="base" hangingPunct="0">
+              <a:spcBef>
+                <a:spcPct val="0"/>
+              </a:spcBef>
+              <a:spcAft>
+                <a:spcPct val="0"/>
+              </a:spcAft>
+              <a:defRPr sz="3200">
+                <a:solidFill>
+                  <a:schemeClr val="tx1"/>
+                </a:solidFill>
+                <a:latin typeface="Arial" panose="020B0604020202020204" pitchFamily="34" charset="0"/>
+                <a:ea typeface="微软雅黑" panose="020B0503020204020204" pitchFamily="34" charset="-122"/>
+              </a:defRPr>
+            </a:lvl9pPr>
+          </a:lstStyle>
+          <a:p>
+            <a:pPr algn="l">
+              <a:lnSpc>
+                <a:spcPct val="150000"/>
+              </a:lnSpc>
+              <a:spcBef>
+                <a:spcPts val="1200"/>
+              </a:spcBef>
+              <a:spcAft>
+                <a:spcPts val="1200"/>
+              </a:spcAft>
+              <a:buClr>
+                <a:srgbClr val="92D050"/>
+              </a:buClr>
+              <a:buFont typeface="Wingdings" panose="05000000000000000000" pitchFamily="2" charset="2"/>
+              <a:buChar char="Ø"/>
+            </a:pPr>
+            <a:r>
+              <a:rPr lang="en-US" altLang="zh-CN" sz="2800" b="1">
+                <a:solidFill>
+                  <a:schemeClr val="tx1"/>
+                </a:solidFill>
+              </a:rPr>
+              <a:t>JS </a:t>
+            </a:r>
+            <a:r>
+              <a:rPr lang="zh-CN" altLang="en-US" sz="2800" b="1">
+                <a:solidFill>
+                  <a:schemeClr val="tx1"/>
+                </a:solidFill>
+              </a:rPr>
+              <a:t>对象软绑定</a:t>
+            </a:r>
+            <a:endParaRPr lang="zh-CN" altLang="en-US" sz="2800" b="1">
+              <a:solidFill>
+                <a:schemeClr val="tx1"/>
+              </a:solidFill>
+            </a:endParaRPr>
+          </a:p>
+          <a:p>
+            <a:pPr algn="l">
+              <a:lnSpc>
+                <a:spcPct val="150000"/>
+              </a:lnSpc>
+              <a:spcBef>
+                <a:spcPts val="1200"/>
+              </a:spcBef>
+              <a:spcAft>
+                <a:spcPts val="1200"/>
+              </a:spcAft>
+              <a:buClr>
+                <a:srgbClr val="92D050"/>
+              </a:buClr>
+              <a:buFont typeface="Wingdings" panose="05000000000000000000" pitchFamily="2" charset="2"/>
+              <a:buChar char="Ø"/>
+            </a:pPr>
+            <a:r>
+              <a:rPr lang="en-US" altLang="zh-CN" sz="2800" b="1">
+                <a:solidFill>
+                  <a:schemeClr val="accent3"/>
+                </a:solidFill>
+                <a:sym typeface="+mn-ea"/>
+              </a:rPr>
+              <a:t>JS </a:t>
+            </a:r>
+            <a:r>
+              <a:rPr lang="zh-CN" altLang="en-US" sz="2800" b="1">
+                <a:solidFill>
+                  <a:schemeClr val="accent3"/>
+                </a:solidFill>
+                <a:sym typeface="+mn-ea"/>
+              </a:rPr>
+              <a:t>对象硬绑定</a:t>
+            </a:r>
+            <a:endParaRPr lang="zh-CN" altLang="en-US" sz="2800" b="1">
+              <a:solidFill>
+                <a:schemeClr val="accent3"/>
+              </a:solidFill>
+              <a:sym typeface="+mn-ea"/>
+            </a:endParaRPr>
+          </a:p>
+        </p:txBody>
+      </p:sp>
+      <p:sp>
+        <p:nvSpPr>
+          <p:cNvPr id="4" name="内容占位符 3"/>
+          <p:cNvSpPr txBox="1"/>
+          <p:nvPr/>
+        </p:nvSpPr>
+        <p:spPr>
+          <a:xfrm>
+            <a:off x="981657" y="236943"/>
+            <a:ext cx="8191557" cy="490476"/>
+          </a:xfrm>
+          <a:prstGeom prst="rect">
+            <a:avLst/>
+          </a:prstGeom>
+        </p:spPr>
+        <p:txBody>
+          <a:bodyPr/>
+          <a:lstStyle>
+            <a:lvl1pPr marL="167005" indent="-167005" algn="l" defTabSz="0" rtl="0" eaLnBrk="0" fontAlgn="base" hangingPunct="0">
+              <a:spcBef>
+                <a:spcPct val="0"/>
+              </a:spcBef>
+              <a:spcAft>
+                <a:spcPct val="15000"/>
+              </a:spcAft>
+              <a:buClr>
+                <a:schemeClr val="tx2"/>
+              </a:buClr>
+              <a:buFont typeface="Arial" panose="020B0604020202020204" pitchFamily="34" charset="0"/>
+              <a:buChar char="•"/>
+              <a:defRPr kumimoji="1" sz="1600">
+                <a:solidFill>
+                  <a:srgbClr val="006F53"/>
+                </a:solidFill>
+                <a:latin typeface="微软雅黑" panose="020B0503020204020204" pitchFamily="34" charset="-122"/>
+                <a:ea typeface="微软雅黑" panose="020B0503020204020204" pitchFamily="34" charset="-122"/>
+                <a:cs typeface="微软雅黑" panose="020B0503020204020204" pitchFamily="34" charset="-122"/>
+              </a:defRPr>
+            </a:lvl1pPr>
+            <a:lvl2pPr marL="398780" indent="-230505" algn="l" defTabSz="0" rtl="0" eaLnBrk="0" fontAlgn="base" hangingPunct="0">
+              <a:spcBef>
+                <a:spcPct val="0"/>
+              </a:spcBef>
+              <a:spcAft>
+                <a:spcPct val="15000"/>
+              </a:spcAft>
+              <a:buClr>
+                <a:schemeClr val="tx2"/>
+              </a:buClr>
+              <a:buFont typeface="Arial" panose="020B0604020202020204" pitchFamily="34" charset="0"/>
+              <a:buChar char="–"/>
+              <a:defRPr kumimoji="1" sz="2800">
+                <a:solidFill>
+                  <a:schemeClr val="bg2"/>
+                </a:solidFill>
+                <a:latin typeface="微软雅黑" panose="020B0503020204020204" pitchFamily="34" charset="-122"/>
+                <a:ea typeface="微软雅黑" panose="020B0503020204020204" pitchFamily="34" charset="-122"/>
+                <a:cs typeface="微软雅黑" panose="020B0503020204020204" pitchFamily="34" charset="-122"/>
+              </a:defRPr>
+            </a:lvl2pPr>
+            <a:lvl3pPr marL="400050" indent="182880" algn="l" defTabSz="0" rtl="0" eaLnBrk="0" fontAlgn="base" hangingPunct="0">
+              <a:spcBef>
+                <a:spcPct val="0"/>
+              </a:spcBef>
+              <a:spcAft>
+                <a:spcPct val="15000"/>
+              </a:spcAft>
+              <a:buClr>
+                <a:schemeClr val="tx2"/>
+              </a:buClr>
+              <a:buFont typeface="Arial" panose="020B0604020202020204" pitchFamily="34" charset="0"/>
+              <a:buChar char="•"/>
+              <a:defRPr kumimoji="1" sz="1600">
+                <a:solidFill>
+                  <a:schemeClr val="bg2"/>
+                </a:solidFill>
+                <a:latin typeface="微软雅黑" panose="020B0503020204020204" pitchFamily="34" charset="-122"/>
+                <a:ea typeface="微软雅黑" panose="020B0503020204020204" pitchFamily="34" charset="-122"/>
+                <a:cs typeface="微软雅黑" panose="020B0503020204020204" pitchFamily="34" charset="-122"/>
+              </a:defRPr>
+            </a:lvl3pPr>
+            <a:lvl4pPr marL="825500" indent="-241300" algn="l" defTabSz="0" rtl="0" eaLnBrk="0" fontAlgn="base" hangingPunct="0">
+              <a:spcBef>
+                <a:spcPct val="0"/>
+              </a:spcBef>
+              <a:spcAft>
+                <a:spcPct val="15000"/>
+              </a:spcAft>
+              <a:buClr>
+                <a:schemeClr val="tx2"/>
+              </a:buClr>
+              <a:buFont typeface="Arial" panose="020B0604020202020204" pitchFamily="34" charset="0"/>
+              <a:buChar char="–"/>
+              <a:defRPr kumimoji="1" sz="1600">
+                <a:solidFill>
+                  <a:schemeClr val="bg2"/>
+                </a:solidFill>
+                <a:latin typeface="微软雅黑" panose="020B0503020204020204" pitchFamily="34" charset="-122"/>
+                <a:ea typeface="微软雅黑" panose="020B0503020204020204" pitchFamily="34" charset="-122"/>
+                <a:cs typeface="微软雅黑" panose="020B0503020204020204" pitchFamily="34" charset="-122"/>
+              </a:defRPr>
+            </a:lvl4pPr>
+            <a:lvl5pPr marL="2057400" indent="-228600" algn="l" defTabSz="0" rtl="0" eaLnBrk="0" fontAlgn="base" hangingPunct="0">
+              <a:spcBef>
+                <a:spcPct val="0"/>
+              </a:spcBef>
+              <a:spcAft>
+                <a:spcPct val="25000"/>
+              </a:spcAft>
+              <a:buClr>
+                <a:schemeClr val="tx2"/>
+              </a:buClr>
+              <a:buFont typeface="Arial" panose="020B0604020202020204" pitchFamily="34" charset="0"/>
+              <a:buChar char="–"/>
+              <a:defRPr kumimoji="1" sz="2000">
+                <a:solidFill>
+                  <a:schemeClr val="tx1"/>
+                </a:solidFill>
+                <a:latin typeface="+mn-lt"/>
+                <a:ea typeface="微软雅黑" panose="020B0503020204020204" pitchFamily="34" charset="-122"/>
+                <a:cs typeface="微软雅黑" panose="020B0503020204020204" pitchFamily="34" charset="-122"/>
+              </a:defRPr>
+            </a:lvl5pPr>
+            <a:lvl6pPr marL="2514600" indent="-228600" algn="l" defTabSz="0" rtl="0" eaLnBrk="0" fontAlgn="base" hangingPunct="0">
+              <a:spcBef>
+                <a:spcPct val="0"/>
+              </a:spcBef>
+              <a:spcAft>
+                <a:spcPct val="25000"/>
+              </a:spcAft>
+              <a:buClr>
+                <a:schemeClr val="tx2"/>
+              </a:buClr>
+              <a:buFont typeface="Arial" panose="020B0604020202020204" pitchFamily="34" charset="0"/>
+              <a:buChar char="–"/>
+              <a:defRPr>
+                <a:solidFill>
+                  <a:schemeClr val="tx1"/>
+                </a:solidFill>
+                <a:latin typeface="+mn-lt"/>
+              </a:defRPr>
+            </a:lvl6pPr>
+            <a:lvl7pPr marL="2971800" indent="-228600" algn="l" defTabSz="0" rtl="0" eaLnBrk="0" fontAlgn="base" hangingPunct="0">
+              <a:spcBef>
+                <a:spcPct val="0"/>
+              </a:spcBef>
+              <a:spcAft>
+                <a:spcPct val="25000"/>
+              </a:spcAft>
+              <a:buClr>
+                <a:schemeClr val="tx2"/>
+              </a:buClr>
+              <a:buFont typeface="Arial" panose="020B0604020202020204" pitchFamily="34" charset="0"/>
+              <a:buChar char="–"/>
+              <a:defRPr>
+                <a:solidFill>
+                  <a:schemeClr val="tx1"/>
+                </a:solidFill>
+                <a:latin typeface="+mn-lt"/>
+              </a:defRPr>
+            </a:lvl7pPr>
+            <a:lvl8pPr marL="3429000" indent="-228600" algn="l" defTabSz="0" rtl="0" eaLnBrk="0" fontAlgn="base" hangingPunct="0">
+              <a:spcBef>
+                <a:spcPct val="0"/>
+              </a:spcBef>
+              <a:spcAft>
+                <a:spcPct val="25000"/>
+              </a:spcAft>
+              <a:buClr>
+                <a:schemeClr val="tx2"/>
+              </a:buClr>
+              <a:buFont typeface="Arial" panose="020B0604020202020204" pitchFamily="34" charset="0"/>
+              <a:buChar char="–"/>
+              <a:defRPr>
+                <a:solidFill>
+                  <a:schemeClr val="tx1"/>
+                </a:solidFill>
+                <a:latin typeface="+mn-lt"/>
+              </a:defRPr>
+            </a:lvl8pPr>
+            <a:lvl9pPr marL="3886200" indent="-228600" algn="l" defTabSz="0" rtl="0" eaLnBrk="0" fontAlgn="base" hangingPunct="0">
+              <a:spcBef>
+                <a:spcPct val="0"/>
+              </a:spcBef>
+              <a:spcAft>
+                <a:spcPct val="25000"/>
+              </a:spcAft>
+              <a:buClr>
+                <a:schemeClr val="tx2"/>
+              </a:buClr>
+              <a:buFont typeface="Arial" panose="020B0604020202020204" pitchFamily="34" charset="0"/>
+              <a:buChar char="–"/>
+              <a:defRPr>
+                <a:solidFill>
+                  <a:schemeClr val="tx1"/>
+                </a:solidFill>
+                <a:latin typeface="+mn-lt"/>
+              </a:defRPr>
+            </a:lvl9pPr>
+          </a:lstStyle>
+          <a:p>
+            <a:pPr marL="0" indent="0">
+              <a:buNone/>
+            </a:pPr>
+            <a:r>
+              <a:rPr lang="zh-CN" altLang="en-US" sz="3200" dirty="0" smtClean="0">
+                <a:solidFill>
+                  <a:srgbClr val="C00000"/>
+                </a:solidFill>
+                <a:cs typeface="+mn-cs"/>
+                <a:sym typeface="+mn-ea"/>
+              </a:rPr>
+              <a:t>内容提纲</a:t>
+            </a:r>
+            <a:endParaRPr lang="zh-CN" altLang="en-US" kern="0" dirty="0"/>
+          </a:p>
+        </p:txBody>
+      </p:sp>
+    </p:spTree>
+  </p:cSld>
+  <p:clrMapOvr>
+    <a:masterClrMapping/>
+  </p:clrMapOvr>
+  <p:timing>
+    <p:tnLst>
+      <p:par>
+        <p:cTn id="1" dur="indefinite" restart="never" nodeType="tmRoot"/>
+      </p:par>
+    </p:tnLst>
+  </p:timing>
+</p:sld>
+</file>
+
+<file path=ppt/slides/slide24.xml><?xml version="1.0" encoding="utf-8"?>
+<p:sld xmlns:a="http://schemas.openxmlformats.org/drawingml/2006/main" xmlns:r="http://schemas.openxmlformats.org/officeDocument/2006/relationships" xmlns:p="http://schemas.openxmlformats.org/presentationml/2006/main">
+  <p:cSld>
+    <p:spTree>
+      <p:nvGrpSpPr>
+        <p:cNvPr id="1" name=""/>
+        <p:cNvGrpSpPr/>
+        <p:nvPr/>
+      </p:nvGrpSpPr>
+      <p:grpSpPr>
+        <a:xfrm>
+          <a:off x="0" y="0"/>
+          <a:ext cx="0" cy="0"/>
+          <a:chOff x="0" y="0"/>
+          <a:chExt cx="0" cy="0"/>
+        </a:xfrm>
+      </p:grpSpPr>
+      <p:pic>
+        <p:nvPicPr>
+          <p:cNvPr id="38914" name="Picture 5"/>
+          <p:cNvPicPr>
+            <a:picLocks noChangeAspect="1" noChangeArrowheads="1"/>
+          </p:cNvPicPr>
+          <p:nvPr/>
+        </p:nvPicPr>
+        <p:blipFill>
+          <a:blip r:embed="rId1">
+            <a:extLst>
+              <a:ext uri="{28A0092B-C50C-407E-A947-70E740481C1C}">
+                <a14:useLocalDpi xmlns:a14="http://schemas.microsoft.com/office/drawing/2010/main" val="0"/>
+              </a:ext>
+            </a:extLst>
+          </a:blip>
+          <a:srcRect/>
+          <a:stretch>
+            <a:fillRect/>
+          </a:stretch>
+        </p:blipFill>
+        <p:spPr bwMode="auto">
+          <a:xfrm>
+            <a:off x="0" y="0"/>
+            <a:ext cx="12192000" cy="6858000"/>
+          </a:xfrm>
+          <a:prstGeom prst="rect">
+            <a:avLst/>
+          </a:prstGeom>
+          <a:noFill/>
+          <a:ln>
+            <a:noFill/>
+          </a:ln>
+          <a:extLst>
+            <a:ext uri="{909E8E84-426E-40DD-AFC4-6F175D3DCCD1}">
+              <a14:hiddenFill xmlns:a14="http://schemas.microsoft.com/office/drawing/2010/main">
+                <a:solidFill>
+                  <a:srgbClr val="FFFFFF"/>
+                </a:solidFill>
+              </a14:hiddenFill>
+            </a:ext>
+            <a:ext uri="{91240B29-F687-4F45-9708-019B960494DF}">
+              <a14:hiddenLine xmlns:a14="http://schemas.microsoft.com/office/drawing/2010/main" w="9525">
+                <a:solidFill>
+                  <a:srgbClr val="000000"/>
+                </a:solidFill>
+                <a:miter lim="800000"/>
+                <a:headEnd/>
+                <a:tailEnd/>
+              </a14:hiddenLine>
+            </a:ext>
+          </a:extLst>
+        </p:spPr>
+      </p:pic>
+      <p:sp>
+        <p:nvSpPr>
+          <p:cNvPr id="38915" name="Rectangle 6"/>
+          <p:cNvSpPr>
+            <a:spLocks noGrp="1" noChangeArrowheads="1"/>
+          </p:cNvSpPr>
+          <p:nvPr>
+            <p:ph type="ctrTitle" idx="4294967295"/>
+          </p:nvPr>
+        </p:nvSpPr>
+        <p:spPr bwMode="auto">
+          <a:xfrm>
+            <a:off x="2547041" y="3068835"/>
+            <a:ext cx="7097918" cy="1285875"/>
+          </a:xfrm>
+          <a:prstGeom prst="rect">
+            <a:avLst/>
+          </a:prstGeom>
+          <a:noFill/>
+          <a:extLst>
+            <a:ext uri="{909E8E84-426E-40DD-AFC4-6F175D3DCCD1}">
+              <a14:hiddenFill xmlns:a14="http://schemas.microsoft.com/office/drawing/2010/main">
+                <a:solidFill>
+                  <a:srgbClr val="FFFFFF"/>
+                </a:solidFill>
+              </a14:hiddenFill>
+            </a:ext>
+            <a:ext uri="{91240B29-F687-4F45-9708-019B960494DF}">
+              <a14:hiddenLine xmlns:a14="http://schemas.microsoft.com/office/drawing/2010/main" w="9525">
+                <a:solidFill>
+                  <a:srgbClr val="000000"/>
+                </a:solidFill>
+                <a:miter lim="800000"/>
+                <a:headEnd/>
+                <a:tailEnd/>
+              </a14:hiddenLine>
+            </a:ext>
+          </a:extLst>
+        </p:spPr>
+        <p:txBody>
+          <a:bodyPr anchor="b"/>
+          <a:lstStyle/>
+          <a:p>
+            <a:pPr algn="ctr" eaLnBrk="1" hangingPunct="1"/>
+            <a:r>
+              <a:rPr kumimoji="0" lang="en-US" altLang="zh-CN" sz="5400" dirty="0"/>
+              <a:t>Thank </a:t>
+            </a:r>
+            <a:r>
+              <a:rPr kumimoji="0" lang="en-US" altLang="zh-CN" sz="5400" dirty="0">
+                <a:solidFill>
+                  <a:srgbClr val="FF0000"/>
+                </a:solidFill>
+              </a:rPr>
+              <a:t>You</a:t>
+            </a:r>
+            <a:r>
+              <a:rPr kumimoji="0" lang="zh-CN" altLang="en-US" sz="5400" dirty="0"/>
+              <a:t>！</a:t>
+            </a:r>
+            <a:endParaRPr kumimoji="0" lang="zh-CN" altLang="zh-CN" sz="5400" dirty="0"/>
+          </a:p>
+        </p:txBody>
+      </p:sp>
+      <p:pic>
+        <p:nvPicPr>
+          <p:cNvPr id="38916" name="图片 3" descr="软院logo横版.png"/>
+          <p:cNvPicPr>
+            <a:picLocks noChangeAspect="1"/>
+          </p:cNvPicPr>
+          <p:nvPr/>
+        </p:nvPicPr>
+        <p:blipFill>
+          <a:blip r:embed="rId2">
+            <a:extLst>
+              <a:ext uri="{28A0092B-C50C-407E-A947-70E740481C1C}">
+                <a14:useLocalDpi xmlns:a14="http://schemas.microsoft.com/office/drawing/2010/main" val="0"/>
+              </a:ext>
+            </a:extLst>
+          </a:blip>
+          <a:srcRect/>
+          <a:stretch>
+            <a:fillRect/>
+          </a:stretch>
+        </p:blipFill>
+        <p:spPr bwMode="auto">
+          <a:xfrm>
+            <a:off x="2062164" y="5927725"/>
+            <a:ext cx="3381375" cy="527050"/>
+          </a:xfrm>
+          <a:prstGeom prst="rect">
+            <a:avLst/>
+          </a:prstGeom>
+          <a:noFill/>
+          <a:ln>
+            <a:noFill/>
+          </a:ln>
+          <a:extLst>
+            <a:ext uri="{909E8E84-426E-40DD-AFC4-6F175D3DCCD1}">
+              <a14:hiddenFill xmlns:a14="http://schemas.microsoft.com/office/drawing/2010/main">
+                <a:solidFill>
+                  <a:srgbClr val="FFFFFF"/>
+                </a:solidFill>
+              </a14:hiddenFill>
+            </a:ext>
+            <a:ext uri="{91240B29-F687-4F45-9708-019B960494DF}">
+              <a14:hiddenLine xmlns:a14="http://schemas.microsoft.com/office/drawing/2010/main" w="9525">
+                <a:solidFill>
+                  <a:srgbClr val="000000"/>
+                </a:solidFill>
+                <a:miter lim="800000"/>
+                <a:headEnd/>
+                <a:tailEnd/>
+              </a14:hiddenLine>
+            </a:ext>
+          </a:extLst>
+        </p:spPr>
+      </p:pic>
+    </p:spTree>
+  </p:cSld>
+  <p:clrMapOvr>
+    <a:masterClrMapping/>
+  </p:clrMapOvr>
+  <p:timing>
+    <p:tnLst>
+      <p:par>
+        <p:cTn id="1" dur="indefinite" restart="never" nodeType="tmRoot"/>
+      </p:par>
+    </p:tnLst>
+  </p:timing>
+</p:sld>
+</file>
+
 <file path=ppt/slides/slide3.xml><?xml version="1.0" encoding="utf-8"?>
+<p:sld xmlns:a="http://schemas.openxmlformats.org/drawingml/2006/main" xmlns:r="http://schemas.openxmlformats.org/officeDocument/2006/relationships" xmlns:p="http://schemas.openxmlformats.org/presentationml/2006/main">
+  <p:cSld>
+    <p:spTree>
+      <p:nvGrpSpPr>
+        <p:cNvPr id="1" name=""/>
+        <p:cNvGrpSpPr/>
+        <p:nvPr/>
+      </p:nvGrpSpPr>
+      <p:grpSpPr>
+        <a:xfrm>
+          <a:off x="0" y="0"/>
+          <a:ext cx="0" cy="0"/>
+          <a:chOff x="0" y="0"/>
+          <a:chExt cx="0" cy="0"/>
+        </a:xfrm>
+      </p:grpSpPr>
+      <p:sp>
+        <p:nvSpPr>
+          <p:cNvPr id="5123" name="AutoShape 6"/>
+          <p:cNvSpPr>
+            <a:spLocks noChangeArrowheads="1"/>
+          </p:cNvSpPr>
+          <p:nvPr/>
+        </p:nvSpPr>
+        <p:spPr bwMode="auto">
+          <a:xfrm>
+            <a:off x="2566988" y="1339851"/>
+            <a:ext cx="6711950" cy="4214813"/>
+          </a:xfrm>
+          <a:prstGeom prst="roundRect">
+            <a:avLst>
+              <a:gd name="adj" fmla="val 16667"/>
+            </a:avLst>
+          </a:prstGeom>
+          <a:noFill/>
+          <a:ln w="28575">
+            <a:solidFill>
+              <a:srgbClr val="C0C0C0"/>
+            </a:solidFill>
+            <a:prstDash val="sysDot"/>
+            <a:round/>
+          </a:ln>
+          <a:extLst>
+            <a:ext uri="{909E8E84-426E-40DD-AFC4-6F175D3DCCD1}">
+              <a14:hiddenFill xmlns:a14="http://schemas.microsoft.com/office/drawing/2010/main">
+                <a:solidFill>
+                  <a:srgbClr val="FFFFFF"/>
+                </a:solidFill>
+              </a14:hiddenFill>
+            </a:ext>
+          </a:extLst>
+        </p:spPr>
+        <p:txBody>
+          <a:bodyPr wrap="none" anchor="ctr"/>
+          <a:lstStyle>
+            <a:lvl1pPr marL="457200" indent="-457200">
+              <a:defRPr sz="3200">
+                <a:solidFill>
+                  <a:schemeClr val="tx1"/>
+                </a:solidFill>
+                <a:latin typeface="Arial" panose="020B0604020202020204" pitchFamily="34" charset="0"/>
+                <a:ea typeface="微软雅黑" panose="020B0503020204020204" pitchFamily="34" charset="-122"/>
+              </a:defRPr>
+            </a:lvl1pPr>
+            <a:lvl2pPr marL="742950" indent="-285750">
+              <a:defRPr sz="3200">
+                <a:solidFill>
+                  <a:schemeClr val="tx1"/>
+                </a:solidFill>
+                <a:latin typeface="Arial" panose="020B0604020202020204" pitchFamily="34" charset="0"/>
+                <a:ea typeface="微软雅黑" panose="020B0503020204020204" pitchFamily="34" charset="-122"/>
+              </a:defRPr>
+            </a:lvl2pPr>
+            <a:lvl3pPr marL="1143000" indent="-228600">
+              <a:defRPr sz="3200">
+                <a:solidFill>
+                  <a:schemeClr val="tx1"/>
+                </a:solidFill>
+                <a:latin typeface="Arial" panose="020B0604020202020204" pitchFamily="34" charset="0"/>
+                <a:ea typeface="微软雅黑" panose="020B0503020204020204" pitchFamily="34" charset="-122"/>
+              </a:defRPr>
+            </a:lvl3pPr>
+            <a:lvl4pPr marL="1600200" indent="-228600">
+              <a:defRPr sz="3200">
+                <a:solidFill>
+                  <a:schemeClr val="tx1"/>
+                </a:solidFill>
+                <a:latin typeface="Arial" panose="020B0604020202020204" pitchFamily="34" charset="0"/>
+                <a:ea typeface="微软雅黑" panose="020B0503020204020204" pitchFamily="34" charset="-122"/>
+              </a:defRPr>
+            </a:lvl4pPr>
+            <a:lvl5pPr marL="2057400" indent="-228600">
+              <a:defRPr sz="3200">
+                <a:solidFill>
+                  <a:schemeClr val="tx1"/>
+                </a:solidFill>
+                <a:latin typeface="Arial" panose="020B0604020202020204" pitchFamily="34" charset="0"/>
+                <a:ea typeface="微软雅黑" panose="020B0503020204020204" pitchFamily="34" charset="-122"/>
+              </a:defRPr>
+            </a:lvl5pPr>
+            <a:lvl6pPr marL="2514600" indent="-228600" eaLnBrk="0" fontAlgn="base" hangingPunct="0">
+              <a:spcBef>
+                <a:spcPct val="0"/>
+              </a:spcBef>
+              <a:spcAft>
+                <a:spcPct val="0"/>
+              </a:spcAft>
+              <a:defRPr sz="3200">
+                <a:solidFill>
+                  <a:schemeClr val="tx1"/>
+                </a:solidFill>
+                <a:latin typeface="Arial" panose="020B0604020202020204" pitchFamily="34" charset="0"/>
+                <a:ea typeface="微软雅黑" panose="020B0503020204020204" pitchFamily="34" charset="-122"/>
+              </a:defRPr>
+            </a:lvl6pPr>
+            <a:lvl7pPr marL="2971800" indent="-228600" eaLnBrk="0" fontAlgn="base" hangingPunct="0">
+              <a:spcBef>
+                <a:spcPct val="0"/>
+              </a:spcBef>
+              <a:spcAft>
+                <a:spcPct val="0"/>
+              </a:spcAft>
+              <a:defRPr sz="3200">
+                <a:solidFill>
+                  <a:schemeClr val="tx1"/>
+                </a:solidFill>
+                <a:latin typeface="Arial" panose="020B0604020202020204" pitchFamily="34" charset="0"/>
+                <a:ea typeface="微软雅黑" panose="020B0503020204020204" pitchFamily="34" charset="-122"/>
+              </a:defRPr>
+            </a:lvl7pPr>
+            <a:lvl8pPr marL="3429000" indent="-228600" eaLnBrk="0" fontAlgn="base" hangingPunct="0">
+              <a:spcBef>
+                <a:spcPct val="0"/>
+              </a:spcBef>
+              <a:spcAft>
+                <a:spcPct val="0"/>
+              </a:spcAft>
+              <a:defRPr sz="3200">
+                <a:solidFill>
+                  <a:schemeClr val="tx1"/>
+                </a:solidFill>
+                <a:latin typeface="Arial" panose="020B0604020202020204" pitchFamily="34" charset="0"/>
+                <a:ea typeface="微软雅黑" panose="020B0503020204020204" pitchFamily="34" charset="-122"/>
+              </a:defRPr>
+            </a:lvl8pPr>
+            <a:lvl9pPr marL="3886200" indent="-228600" eaLnBrk="0" fontAlgn="base" hangingPunct="0">
+              <a:spcBef>
+                <a:spcPct val="0"/>
+              </a:spcBef>
+              <a:spcAft>
+                <a:spcPct val="0"/>
+              </a:spcAft>
+              <a:defRPr sz="3200">
+                <a:solidFill>
+                  <a:schemeClr val="tx1"/>
+                </a:solidFill>
+                <a:latin typeface="Arial" panose="020B0604020202020204" pitchFamily="34" charset="0"/>
+                <a:ea typeface="微软雅黑" panose="020B0503020204020204" pitchFamily="34" charset="-122"/>
+              </a:defRPr>
+            </a:lvl9pPr>
+          </a:lstStyle>
+          <a:p>
+            <a:pPr algn="l">
+              <a:lnSpc>
+                <a:spcPct val="150000"/>
+              </a:lnSpc>
+              <a:spcBef>
+                <a:spcPts val="1200"/>
+              </a:spcBef>
+              <a:spcAft>
+                <a:spcPts val="1200"/>
+              </a:spcAft>
+              <a:buClr>
+                <a:srgbClr val="92D050"/>
+              </a:buClr>
+              <a:buFont typeface="Wingdings" panose="05000000000000000000" pitchFamily="2" charset="2"/>
+              <a:buChar char="Ø"/>
+            </a:pPr>
+            <a:r>
+              <a:rPr lang="en-US" altLang="zh-CN" sz="2800" b="1">
+                <a:solidFill>
+                  <a:srgbClr val="FF0000"/>
+                </a:solidFill>
+              </a:rPr>
+              <a:t>JS this</a:t>
+            </a:r>
+            <a:r>
+              <a:rPr lang="zh-CN" altLang="en-US" sz="2800" b="1">
+                <a:solidFill>
+                  <a:srgbClr val="FF0000"/>
+                </a:solidFill>
+              </a:rPr>
+              <a:t>简介及特点</a:t>
+            </a:r>
+            <a:endParaRPr lang="zh-CN" altLang="en-US" sz="2800" b="1">
+              <a:solidFill>
+                <a:srgbClr val="FF0000"/>
+              </a:solidFill>
+            </a:endParaRPr>
+          </a:p>
+          <a:p>
+            <a:pPr algn="l">
+              <a:lnSpc>
+                <a:spcPct val="150000"/>
+              </a:lnSpc>
+              <a:spcBef>
+                <a:spcPts val="1200"/>
+              </a:spcBef>
+              <a:spcAft>
+                <a:spcPts val="1200"/>
+              </a:spcAft>
+              <a:buClr>
+                <a:srgbClr val="92D050"/>
+              </a:buClr>
+              <a:buFont typeface="Wingdings" panose="05000000000000000000" pitchFamily="2" charset="2"/>
+              <a:buChar char="Ø"/>
+            </a:pPr>
+            <a:r>
+              <a:rPr lang="en-US" altLang="zh-CN" sz="2800" b="1">
+                <a:solidFill>
+                  <a:schemeClr val="tx1"/>
+                </a:solidFill>
+                <a:sym typeface="+mn-ea"/>
+              </a:rPr>
+              <a:t>JS this</a:t>
+            </a:r>
+            <a:r>
+              <a:rPr lang="zh-CN" altLang="en-US" sz="2800" b="1">
+                <a:solidFill>
+                  <a:schemeClr val="tx1"/>
+                </a:solidFill>
+                <a:sym typeface="+mn-ea"/>
+              </a:rPr>
+              <a:t>四种应用场景</a:t>
+            </a:r>
+            <a:endParaRPr lang="zh-CN" altLang="en-US" sz="2800" b="1">
+              <a:solidFill>
+                <a:schemeClr val="tx1"/>
+              </a:solidFill>
+              <a:sym typeface="+mn-ea"/>
+            </a:endParaRPr>
+          </a:p>
+          <a:p>
+            <a:pPr algn="l">
+              <a:lnSpc>
+                <a:spcPct val="150000"/>
+              </a:lnSpc>
+              <a:spcBef>
+                <a:spcPts val="1200"/>
+              </a:spcBef>
+              <a:spcAft>
+                <a:spcPts val="1200"/>
+              </a:spcAft>
+              <a:buClr>
+                <a:srgbClr val="92D050"/>
+              </a:buClr>
+              <a:buFont typeface="Wingdings" panose="05000000000000000000" pitchFamily="2" charset="2"/>
+              <a:buChar char="Ø"/>
+            </a:pPr>
+            <a:r>
+              <a:rPr lang="en-US" altLang="zh-CN" sz="2800" b="1">
+                <a:solidFill>
+                  <a:schemeClr val="tx1"/>
+                </a:solidFill>
+                <a:sym typeface="+mn-ea"/>
+              </a:rPr>
+              <a:t>JS this</a:t>
+            </a:r>
+            <a:r>
+              <a:rPr lang="zh-CN" altLang="en-US" sz="2800" b="1">
+                <a:solidFill>
+                  <a:schemeClr val="tx1"/>
+                </a:solidFill>
+                <a:sym typeface="+mn-ea"/>
+              </a:rPr>
+              <a:t>缺陷及解决方法</a:t>
+            </a:r>
+            <a:endParaRPr lang="zh-CN" altLang="en-US" sz="2800" b="1">
+              <a:solidFill>
+                <a:schemeClr val="tx1"/>
+              </a:solidFill>
+              <a:sym typeface="+mn-ea"/>
+            </a:endParaRPr>
+          </a:p>
+        </p:txBody>
+      </p:sp>
+      <p:sp>
+        <p:nvSpPr>
+          <p:cNvPr id="4" name="内容占位符 3"/>
+          <p:cNvSpPr txBox="1"/>
+          <p:nvPr/>
+        </p:nvSpPr>
+        <p:spPr>
+          <a:xfrm>
+            <a:off x="981657" y="236943"/>
+            <a:ext cx="8191557" cy="490476"/>
+          </a:xfrm>
+          <a:prstGeom prst="rect">
+            <a:avLst/>
+          </a:prstGeom>
+        </p:spPr>
+        <p:txBody>
+          <a:bodyPr/>
+          <a:lstStyle>
+            <a:lvl1pPr marL="167005" indent="-167005" algn="l" defTabSz="0" rtl="0" eaLnBrk="0" fontAlgn="base" hangingPunct="0">
+              <a:spcBef>
+                <a:spcPct val="0"/>
+              </a:spcBef>
+              <a:spcAft>
+                <a:spcPct val="15000"/>
+              </a:spcAft>
+              <a:buClr>
+                <a:schemeClr val="tx2"/>
+              </a:buClr>
+              <a:buFont typeface="Arial" panose="020B0604020202020204" pitchFamily="34" charset="0"/>
+              <a:buChar char="•"/>
+              <a:defRPr kumimoji="1" sz="1600">
+                <a:solidFill>
+                  <a:srgbClr val="006F53"/>
+                </a:solidFill>
+                <a:latin typeface="微软雅黑" panose="020B0503020204020204" pitchFamily="34" charset="-122"/>
+                <a:ea typeface="微软雅黑" panose="020B0503020204020204" pitchFamily="34" charset="-122"/>
+                <a:cs typeface="微软雅黑" panose="020B0503020204020204" pitchFamily="34" charset="-122"/>
+              </a:defRPr>
+            </a:lvl1pPr>
+            <a:lvl2pPr marL="398780" indent="-230505" algn="l" defTabSz="0" rtl="0" eaLnBrk="0" fontAlgn="base" hangingPunct="0">
+              <a:spcBef>
+                <a:spcPct val="0"/>
+              </a:spcBef>
+              <a:spcAft>
+                <a:spcPct val="15000"/>
+              </a:spcAft>
+              <a:buClr>
+                <a:schemeClr val="tx2"/>
+              </a:buClr>
+              <a:buFont typeface="Arial" panose="020B0604020202020204" pitchFamily="34" charset="0"/>
+              <a:buChar char="–"/>
+              <a:defRPr kumimoji="1" sz="2800">
+                <a:solidFill>
+                  <a:schemeClr val="bg2"/>
+                </a:solidFill>
+                <a:latin typeface="微软雅黑" panose="020B0503020204020204" pitchFamily="34" charset="-122"/>
+                <a:ea typeface="微软雅黑" panose="020B0503020204020204" pitchFamily="34" charset="-122"/>
+                <a:cs typeface="微软雅黑" panose="020B0503020204020204" pitchFamily="34" charset="-122"/>
+              </a:defRPr>
+            </a:lvl2pPr>
+            <a:lvl3pPr marL="400050" indent="182880" algn="l" defTabSz="0" rtl="0" eaLnBrk="0" fontAlgn="base" hangingPunct="0">
+              <a:spcBef>
+                <a:spcPct val="0"/>
+              </a:spcBef>
+              <a:spcAft>
+                <a:spcPct val="15000"/>
+              </a:spcAft>
+              <a:buClr>
+                <a:schemeClr val="tx2"/>
+              </a:buClr>
+              <a:buFont typeface="Arial" panose="020B0604020202020204" pitchFamily="34" charset="0"/>
+              <a:buChar char="•"/>
+              <a:defRPr kumimoji="1" sz="1600">
+                <a:solidFill>
+                  <a:schemeClr val="bg2"/>
+                </a:solidFill>
+                <a:latin typeface="微软雅黑" panose="020B0503020204020204" pitchFamily="34" charset="-122"/>
+                <a:ea typeface="微软雅黑" panose="020B0503020204020204" pitchFamily="34" charset="-122"/>
+                <a:cs typeface="微软雅黑" panose="020B0503020204020204" pitchFamily="34" charset="-122"/>
+              </a:defRPr>
+            </a:lvl3pPr>
+            <a:lvl4pPr marL="825500" indent="-241300" algn="l" defTabSz="0" rtl="0" eaLnBrk="0" fontAlgn="base" hangingPunct="0">
+              <a:spcBef>
+                <a:spcPct val="0"/>
+              </a:spcBef>
+              <a:spcAft>
+                <a:spcPct val="15000"/>
+              </a:spcAft>
+              <a:buClr>
+                <a:schemeClr val="tx2"/>
+              </a:buClr>
+              <a:buFont typeface="Arial" panose="020B0604020202020204" pitchFamily="34" charset="0"/>
+              <a:buChar char="–"/>
+              <a:defRPr kumimoji="1" sz="1600">
+                <a:solidFill>
+                  <a:schemeClr val="bg2"/>
+                </a:solidFill>
+                <a:latin typeface="微软雅黑" panose="020B0503020204020204" pitchFamily="34" charset="-122"/>
+                <a:ea typeface="微软雅黑" panose="020B0503020204020204" pitchFamily="34" charset="-122"/>
+                <a:cs typeface="微软雅黑" panose="020B0503020204020204" pitchFamily="34" charset="-122"/>
+              </a:defRPr>
+            </a:lvl4pPr>
+            <a:lvl5pPr marL="2057400" indent="-228600" algn="l" defTabSz="0" rtl="0" eaLnBrk="0" fontAlgn="base" hangingPunct="0">
+              <a:spcBef>
+                <a:spcPct val="0"/>
+              </a:spcBef>
+              <a:spcAft>
+                <a:spcPct val="25000"/>
+              </a:spcAft>
+              <a:buClr>
+                <a:schemeClr val="tx2"/>
+              </a:buClr>
+              <a:buFont typeface="Arial" panose="020B0604020202020204" pitchFamily="34" charset="0"/>
+              <a:buChar char="–"/>
+              <a:defRPr kumimoji="1" sz="2000">
+                <a:solidFill>
+                  <a:schemeClr val="tx1"/>
+                </a:solidFill>
+                <a:latin typeface="+mn-lt"/>
+                <a:ea typeface="微软雅黑" panose="020B0503020204020204" pitchFamily="34" charset="-122"/>
+                <a:cs typeface="微软雅黑" panose="020B0503020204020204" pitchFamily="34" charset="-122"/>
+              </a:defRPr>
+            </a:lvl5pPr>
+            <a:lvl6pPr marL="2514600" indent="-228600" algn="l" defTabSz="0" rtl="0" eaLnBrk="0" fontAlgn="base" hangingPunct="0">
+              <a:spcBef>
+                <a:spcPct val="0"/>
+              </a:spcBef>
+              <a:spcAft>
+                <a:spcPct val="25000"/>
+              </a:spcAft>
+              <a:buClr>
+                <a:schemeClr val="tx2"/>
+              </a:buClr>
+              <a:buFont typeface="Arial" panose="020B0604020202020204" pitchFamily="34" charset="0"/>
+              <a:buChar char="–"/>
+              <a:defRPr>
+                <a:solidFill>
+                  <a:schemeClr val="tx1"/>
+                </a:solidFill>
+                <a:latin typeface="+mn-lt"/>
+              </a:defRPr>
+            </a:lvl6pPr>
+            <a:lvl7pPr marL="2971800" indent="-228600" algn="l" defTabSz="0" rtl="0" eaLnBrk="0" fontAlgn="base" hangingPunct="0">
+              <a:spcBef>
+                <a:spcPct val="0"/>
+              </a:spcBef>
+              <a:spcAft>
+                <a:spcPct val="25000"/>
+              </a:spcAft>
+              <a:buClr>
+                <a:schemeClr val="tx2"/>
+              </a:buClr>
+              <a:buFont typeface="Arial" panose="020B0604020202020204" pitchFamily="34" charset="0"/>
+              <a:buChar char="–"/>
+              <a:defRPr>
+                <a:solidFill>
+                  <a:schemeClr val="tx1"/>
+                </a:solidFill>
+                <a:latin typeface="+mn-lt"/>
+              </a:defRPr>
+            </a:lvl7pPr>
+            <a:lvl8pPr marL="3429000" indent="-228600" algn="l" defTabSz="0" rtl="0" eaLnBrk="0" fontAlgn="base" hangingPunct="0">
+              <a:spcBef>
+                <a:spcPct val="0"/>
+              </a:spcBef>
+              <a:spcAft>
+                <a:spcPct val="25000"/>
+              </a:spcAft>
+              <a:buClr>
+                <a:schemeClr val="tx2"/>
+              </a:buClr>
+              <a:buFont typeface="Arial" panose="020B0604020202020204" pitchFamily="34" charset="0"/>
+              <a:buChar char="–"/>
+              <a:defRPr>
+                <a:solidFill>
+                  <a:schemeClr val="tx1"/>
+                </a:solidFill>
+                <a:latin typeface="+mn-lt"/>
+              </a:defRPr>
+            </a:lvl8pPr>
+            <a:lvl9pPr marL="3886200" indent="-228600" algn="l" defTabSz="0" rtl="0" eaLnBrk="0" fontAlgn="base" hangingPunct="0">
+              <a:spcBef>
+                <a:spcPct val="0"/>
+              </a:spcBef>
+              <a:spcAft>
+                <a:spcPct val="25000"/>
+              </a:spcAft>
+              <a:buClr>
+                <a:schemeClr val="tx2"/>
+              </a:buClr>
+              <a:buFont typeface="Arial" panose="020B0604020202020204" pitchFamily="34" charset="0"/>
+              <a:buChar char="–"/>
+              <a:defRPr>
+                <a:solidFill>
+                  <a:schemeClr val="tx1"/>
+                </a:solidFill>
+                <a:latin typeface="+mn-lt"/>
+              </a:defRPr>
+            </a:lvl9pPr>
+          </a:lstStyle>
+          <a:p>
+            <a:pPr marL="0" indent="0">
+              <a:buNone/>
+            </a:pPr>
+            <a:r>
+              <a:rPr lang="zh-CN" altLang="en-US" sz="3200" dirty="0" smtClean="0">
+                <a:solidFill>
+                  <a:srgbClr val="C00000"/>
+                </a:solidFill>
+                <a:cs typeface="+mn-cs"/>
+                <a:sym typeface="+mn-ea"/>
+              </a:rPr>
+              <a:t>内容提纲</a:t>
+            </a:r>
+            <a:endParaRPr lang="zh-CN" altLang="en-US" kern="0" dirty="0"/>
+          </a:p>
+        </p:txBody>
+      </p:sp>
+    </p:spTree>
+  </p:cSld>
+  <p:clrMapOvr>
+    <a:masterClrMapping/>
+  </p:clrMapOvr>
+  <p:timing>
+    <p:tnLst>
+      <p:par>
+        <p:cTn id="1" dur="indefinite" restart="never" nodeType="tmRoot"/>
+      </p:par>
+    </p:tnLst>
+  </p:timing>
+</p:sld>
+</file>
+
+<file path=ppt/slides/slide4.xml><?xml version="1.0" encoding="utf-8"?>
 <p:sld xmlns:a="http://schemas.openxmlformats.org/drawingml/2006/main" xmlns:r="http://schemas.openxmlformats.org/officeDocument/2006/relationships" xmlns:p="http://schemas.openxmlformats.org/presentationml/2006/main">
   <p:cSld>
     <p:spTree>
@@ -10516,7 +13365,7 @@
 </p:sld>
 </file>
 
-<file path=ppt/slides/slide4.xml><?xml version="1.0" encoding="utf-8"?>
+<file path=ppt/slides/slide5.xml><?xml version="1.0" encoding="utf-8"?>
 <p:sld xmlns:a="http://schemas.openxmlformats.org/drawingml/2006/main" xmlns:r="http://schemas.openxmlformats.org/officeDocument/2006/relationships" xmlns:p="http://schemas.openxmlformats.org/presentationml/2006/main">
   <p:cSld>
     <p:spTree>
@@ -11036,7 +13885,7 @@
 </p:sld>
 </file>
 
-<file path=ppt/slides/slide5.xml><?xml version="1.0" encoding="utf-8"?>
+<file path=ppt/slides/slide6.xml><?xml version="1.0" encoding="utf-8"?>
 <p:sld xmlns:a="http://schemas.openxmlformats.org/drawingml/2006/main" xmlns:r="http://schemas.openxmlformats.org/officeDocument/2006/relationships" xmlns:p="http://schemas.openxmlformats.org/presentationml/2006/main">
   <p:cSld>
     <p:spTree>
@@ -11675,7 +14524,7 @@
 </p:sld>
 </file>
 
-<file path=ppt/slides/slide6.xml><?xml version="1.0" encoding="utf-8"?>
+<file path=ppt/slides/slide7.xml><?xml version="1.0" encoding="utf-8"?>
 <p:sld xmlns:a="http://schemas.openxmlformats.org/drawingml/2006/main" xmlns:r="http://schemas.openxmlformats.org/officeDocument/2006/relationships" xmlns:p="http://schemas.openxmlformats.org/presentationml/2006/main">
   <p:cSld>
     <p:spTree>
@@ -12571,7 +15420,7 @@
 </p:sld>
 </file>
 
-<file path=ppt/slides/slide7.xml><?xml version="1.0" encoding="utf-8"?>
+<file path=ppt/slides/slide8.xml><?xml version="1.0" encoding="utf-8"?>
 <p:sld xmlns:a="http://schemas.openxmlformats.org/drawingml/2006/main" xmlns:r="http://schemas.openxmlformats.org/officeDocument/2006/relationships" xmlns:p="http://schemas.openxmlformats.org/presentationml/2006/main">
   <p:cSld>
     <p:spTree>
@@ -13478,7 +16327,7 @@
 </p:sld>
 </file>
 
-<file path=ppt/slides/slide8.xml><?xml version="1.0" encoding="utf-8"?>
+<file path=ppt/slides/slide9.xml><?xml version="1.0" encoding="utf-8"?>
 <p:sld xmlns:a="http://schemas.openxmlformats.org/drawingml/2006/main" xmlns:r="http://schemas.openxmlformats.org/officeDocument/2006/relationships" xmlns:p="http://schemas.openxmlformats.org/presentationml/2006/main">
   <p:cSld>
     <p:spTree>
@@ -13761,17 +16610,7 @@
                 <a:latin typeface="+mn-ea"/>
                 <a:ea typeface="+mn-ea"/>
               </a:rPr>
-              <a:t>对象方法</a:t>
-            </a:r>
-            <a:r>
-              <a:rPr lang="zh-CN" altLang="en-US" sz="2200">
-                <a:solidFill>
-                  <a:srgbClr val="FF0000"/>
-                </a:solidFill>
-                <a:latin typeface="+mn-ea"/>
-                <a:ea typeface="+mn-ea"/>
-              </a:rPr>
-              <a:t>中的</a:t>
+              <a:t>对象方法中的</a:t>
             </a:r>
             <a:r>
               <a:rPr lang="en-US" altLang="zh-CN" sz="2200">
@@ -14190,771 +17029,6 @@
     </p:tnLst>
     <p:bldLst>
       <p:bldP spid="2" grpId="0"/>
-    </p:bldLst>
-  </p:timing>
-</p:sld>
-</file>
-
-<file path=ppt/slides/slide9.xml><?xml version="1.0" encoding="utf-8"?>
-<p:sld xmlns:a="http://schemas.openxmlformats.org/drawingml/2006/main" xmlns:r="http://schemas.openxmlformats.org/officeDocument/2006/relationships" xmlns:p="http://schemas.openxmlformats.org/presentationml/2006/main">
-  <p:cSld>
-    <p:spTree>
-      <p:nvGrpSpPr>
-        <p:cNvPr id="1" name=""/>
-        <p:cNvGrpSpPr/>
-        <p:nvPr/>
-      </p:nvGrpSpPr>
-      <p:grpSpPr>
-        <a:xfrm>
-          <a:off x="0" y="0"/>
-          <a:ext cx="0" cy="0"/>
-          <a:chOff x="0" y="0"/>
-          <a:chExt cx="0" cy="0"/>
-        </a:xfrm>
-      </p:grpSpPr>
-      <p:sp>
-        <p:nvSpPr>
-          <p:cNvPr id="30722" name="内容占位符 1"/>
-          <p:cNvSpPr>
-            <a:spLocks noGrp="1"/>
-          </p:cNvSpPr>
-          <p:nvPr>
-            <p:ph sz="quarter" idx="10"/>
-          </p:nvPr>
-        </p:nvSpPr>
-        <p:spPr bwMode="auto">
-          <a:xfrm>
-            <a:off x="947420" y="923290"/>
-            <a:ext cx="9940290" cy="5010785"/>
-          </a:xfrm>
-          <a:noFill/>
-          <a:extLst>
-            <a:ext uri="{909E8E84-426E-40DD-AFC4-6F175D3DCCD1}">
-              <a14:hiddenFill xmlns:a14="http://schemas.microsoft.com/office/drawing/2010/main">
-                <a:solidFill>
-                  <a:srgbClr val="FFFFFF"/>
-                </a:solidFill>
-              </a14:hiddenFill>
-            </a:ext>
-            <a:ext uri="{91240B29-F687-4F45-9708-019B960494DF}">
-              <a14:hiddenLine xmlns:a14="http://schemas.microsoft.com/office/drawing/2010/main" w="9525">
-                <a:solidFill>
-                  <a:srgbClr val="000000"/>
-                </a:solidFill>
-                <a:miter lim="800000"/>
-                <a:headEnd/>
-                <a:tailEnd/>
-              </a14:hiddenLine>
-            </a:ext>
-          </a:extLst>
-        </p:spPr>
-        <p:txBody>
-          <a:bodyPr vert="horz" wrap="square" lIns="91440" tIns="45720" rIns="91440" bIns="45720" numCol="1" anchor="t" anchorCtr="0" compatLnSpc="1"/>
-          <a:lstStyle/>
-          <a:p>
-            <a:pPr>
-              <a:lnSpc>
-                <a:spcPts val="3800"/>
-              </a:lnSpc>
-              <a:spcBef>
-                <a:spcPts val="600"/>
-              </a:spcBef>
-              <a:spcAft>
-                <a:spcPts val="600"/>
-              </a:spcAft>
-              <a:buFont typeface="Arial" panose="020B0604020202020204" pitchFamily="34" charset="0"/>
-              <a:buChar char="•"/>
-            </a:pPr>
-            <a:r>
-              <a:rPr lang="zh-CN" altLang="en-US" dirty="0" smtClean="0">
-                <a:solidFill>
-                  <a:srgbClr val="000000"/>
-                </a:solidFill>
-                <a:latin typeface="微软雅黑" panose="020B0503020204020204" pitchFamily="34" charset="-122"/>
-                <a:ea typeface="微软雅黑" panose="020B0503020204020204" pitchFamily="34" charset="-122"/>
-              </a:rPr>
-              <a:t>构造函数中的</a:t>
-            </a:r>
-            <a:r>
-              <a:rPr lang="en-US" altLang="zh-CN" dirty="0" smtClean="0">
-                <a:solidFill>
-                  <a:srgbClr val="000000"/>
-                </a:solidFill>
-                <a:latin typeface="微软雅黑" panose="020B0503020204020204" pitchFamily="34" charset="-122"/>
-                <a:ea typeface="微软雅黑" panose="020B0503020204020204" pitchFamily="34" charset="-122"/>
-              </a:rPr>
-              <a:t>this</a:t>
-            </a:r>
-            <a:r>
-              <a:rPr lang="zh-CN" altLang="en-US" dirty="0" smtClean="0">
-                <a:solidFill>
-                  <a:srgbClr val="000000"/>
-                </a:solidFill>
-                <a:latin typeface="微软雅黑" panose="020B0503020204020204" pitchFamily="34" charset="-122"/>
-                <a:ea typeface="微软雅黑" panose="020B0503020204020204" pitchFamily="34" charset="-122"/>
-              </a:rPr>
-              <a:t>指代</a:t>
-            </a:r>
-            <a:r>
-              <a:rPr lang="zh-CN" altLang="en-US" dirty="0" smtClean="0">
-                <a:solidFill>
-                  <a:srgbClr val="FF0000"/>
-                </a:solidFill>
-                <a:latin typeface="微软雅黑" panose="020B0503020204020204" pitchFamily="34" charset="-122"/>
-                <a:ea typeface="微软雅黑" panose="020B0503020204020204" pitchFamily="34" charset="-122"/>
-              </a:rPr>
-              <a:t>通过</a:t>
-            </a:r>
-            <a:r>
-              <a:rPr lang="en-US" altLang="zh-CN" dirty="0" smtClean="0">
-                <a:solidFill>
-                  <a:srgbClr val="FF0000"/>
-                </a:solidFill>
-                <a:latin typeface="微软雅黑" panose="020B0503020204020204" pitchFamily="34" charset="-122"/>
-                <a:ea typeface="微软雅黑" panose="020B0503020204020204" pitchFamily="34" charset="-122"/>
-              </a:rPr>
-              <a:t>new</a:t>
-            </a:r>
-            <a:r>
-              <a:rPr lang="zh-CN" altLang="en-US" dirty="0" smtClean="0">
-                <a:solidFill>
-                  <a:srgbClr val="FF0000"/>
-                </a:solidFill>
-                <a:latin typeface="微软雅黑" panose="020B0503020204020204" pitchFamily="34" charset="-122"/>
-                <a:ea typeface="微软雅黑" panose="020B0503020204020204" pitchFamily="34" charset="-122"/>
-              </a:rPr>
-              <a:t>新创建的对象</a:t>
-            </a:r>
-            <a:br>
-              <a:rPr lang="zh-CN" altLang="en-US" dirty="0" smtClean="0">
-                <a:solidFill>
-                  <a:srgbClr val="000000"/>
-                </a:solidFill>
-                <a:latin typeface="微软雅黑" panose="020B0503020204020204" pitchFamily="34" charset="-122"/>
-                <a:ea typeface="微软雅黑" panose="020B0503020204020204" pitchFamily="34" charset="-122"/>
-              </a:rPr>
-            </a:br>
-            <a:r>
-              <a:rPr kumimoji="0" lang="en-US" altLang="zh-CN" sz="1800" dirty="0" smtClean="0">
-                <a:solidFill>
-                  <a:schemeClr val="tx1"/>
-                </a:solidFill>
-                <a:latin typeface="微软雅黑" panose="020B0503020204020204" pitchFamily="34" charset="-122"/>
-                <a:ea typeface="微软雅黑" panose="020B0503020204020204" pitchFamily="34" charset="-122"/>
-              </a:rPr>
-              <a:t>- JS</a:t>
-            </a:r>
-            <a:r>
-              <a:rPr kumimoji="0" lang="zh-CN" altLang="en-US" sz="1800" dirty="0" smtClean="0">
-                <a:solidFill>
-                  <a:schemeClr val="tx1"/>
-                </a:solidFill>
-                <a:latin typeface="微软雅黑" panose="020B0503020204020204" pitchFamily="34" charset="-122"/>
-                <a:ea typeface="微软雅黑" panose="020B0503020204020204" pitchFamily="34" charset="-122"/>
-              </a:rPr>
-              <a:t>（</a:t>
-            </a:r>
-            <a:r>
-              <a:rPr kumimoji="0" lang="en-US" altLang="zh-CN" sz="1800" dirty="0" smtClean="0">
-                <a:solidFill>
-                  <a:schemeClr val="tx1"/>
-                </a:solidFill>
-                <a:latin typeface="微软雅黑" panose="020B0503020204020204" pitchFamily="34" charset="-122"/>
-                <a:ea typeface="微软雅黑" panose="020B0503020204020204" pitchFamily="34" charset="-122"/>
-              </a:rPr>
-              <a:t>ES5</a:t>
-            </a:r>
-            <a:r>
-              <a:rPr kumimoji="0" lang="zh-CN" altLang="en-US" sz="1800" dirty="0" smtClean="0">
-                <a:solidFill>
-                  <a:schemeClr val="tx1"/>
-                </a:solidFill>
-                <a:latin typeface="微软雅黑" panose="020B0503020204020204" pitchFamily="34" charset="-122"/>
-                <a:ea typeface="微软雅黑" panose="020B0503020204020204" pitchFamily="34" charset="-122"/>
-              </a:rPr>
-              <a:t>）</a:t>
-            </a:r>
-            <a:r>
-              <a:rPr kumimoji="0" lang="en-US" altLang="zh-CN" sz="1800" dirty="0" smtClean="0">
-                <a:solidFill>
-                  <a:schemeClr val="tx1"/>
-                </a:solidFill>
-                <a:latin typeface="微软雅黑" panose="020B0503020204020204" pitchFamily="34" charset="-122"/>
-                <a:ea typeface="微软雅黑" panose="020B0503020204020204" pitchFamily="34" charset="-122"/>
-              </a:rPr>
-              <a:t> 并没有类（class）的概念，</a:t>
-            </a:r>
-            <a:r>
-              <a:rPr kumimoji="0" lang="en-US" altLang="zh-CN" sz="1800" dirty="0" smtClean="0">
-                <a:solidFill>
-                  <a:schemeClr val="tx1"/>
-                </a:solidFill>
-                <a:sym typeface="+mn-ea"/>
-              </a:rPr>
-              <a:t>而是使用基于原型（prototype）的继承方式</a:t>
-            </a:r>
-            <a:br>
-              <a:rPr kumimoji="0" lang="en-US" altLang="zh-CN" sz="1800" dirty="0" smtClean="0">
-                <a:solidFill>
-                  <a:schemeClr val="tx1"/>
-                </a:solidFill>
-                <a:latin typeface="微软雅黑" panose="020B0503020204020204" pitchFamily="34" charset="-122"/>
-                <a:ea typeface="微软雅黑" panose="020B0503020204020204" pitchFamily="34" charset="-122"/>
-              </a:rPr>
-            </a:br>
-            <a:r>
-              <a:rPr kumimoji="0" lang="en-US" altLang="zh-CN" sz="1800" dirty="0" smtClean="0">
-                <a:solidFill>
-                  <a:schemeClr val="tx1"/>
-                </a:solidFill>
-                <a:latin typeface="微软雅黑" panose="020B0503020204020204" pitchFamily="34" charset="-122"/>
-                <a:ea typeface="微软雅黑" panose="020B0503020204020204" pitchFamily="34" charset="-122"/>
-              </a:rPr>
-              <a:t>- JS中的构造函数</a:t>
-            </a:r>
-            <a:r>
-              <a:rPr kumimoji="0" lang="zh-CN" altLang="en-US" sz="1800" dirty="0" smtClean="0">
-                <a:solidFill>
-                  <a:schemeClr val="tx1"/>
-                </a:solidFill>
-                <a:latin typeface="微软雅黑" panose="020B0503020204020204" pitchFamily="34" charset="-122"/>
-                <a:ea typeface="微软雅黑" panose="020B0503020204020204" pitchFamily="34" charset="-122"/>
-              </a:rPr>
-              <a:t>充当了类的角色</a:t>
-            </a:r>
-            <a:r>
-              <a:rPr kumimoji="0" lang="en-US" altLang="zh-CN" sz="1800" dirty="0" smtClean="0">
-                <a:solidFill>
-                  <a:schemeClr val="tx1"/>
-                </a:solidFill>
-                <a:latin typeface="微软雅黑" panose="020B0503020204020204" pitchFamily="34" charset="-122"/>
-                <a:ea typeface="微软雅黑" panose="020B0503020204020204" pitchFamily="34" charset="-122"/>
-              </a:rPr>
-              <a:t>，如果不使用 new 调用，则和普通函数一样。</a:t>
-            </a:r>
-            <a:br>
-              <a:rPr kumimoji="0" lang="en-US" altLang="zh-CN" sz="1800" dirty="0" smtClean="0">
-                <a:solidFill>
-                  <a:schemeClr val="tx1"/>
-                </a:solidFill>
-                <a:latin typeface="微软雅黑" panose="020B0503020204020204" pitchFamily="34" charset="-122"/>
-                <a:ea typeface="微软雅黑" panose="020B0503020204020204" pitchFamily="34" charset="-122"/>
-              </a:rPr>
-            </a:br>
-            <a:r>
-              <a:rPr kumimoji="0" lang="en-US" altLang="zh-CN" sz="1800" dirty="0" smtClean="0">
-                <a:solidFill>
-                  <a:schemeClr val="tx1"/>
-                </a:solidFill>
-                <a:latin typeface="微软雅黑" panose="020B0503020204020204" pitchFamily="34" charset="-122"/>
-                <a:ea typeface="微软雅黑" panose="020B0503020204020204" pitchFamily="34" charset="-122"/>
-              </a:rPr>
-              <a:t>- 如果</a:t>
-            </a:r>
-            <a:r>
-              <a:rPr kumimoji="0" lang="zh-CN" altLang="en-US" sz="1800" dirty="0" smtClean="0">
-                <a:solidFill>
-                  <a:schemeClr val="tx1"/>
-                </a:solidFill>
-                <a:latin typeface="微软雅黑" panose="020B0503020204020204" pitchFamily="34" charset="-122"/>
-                <a:ea typeface="微软雅黑" panose="020B0503020204020204" pitchFamily="34" charset="-122"/>
-              </a:rPr>
-              <a:t>作为构造函数正确调用时</a:t>
-            </a:r>
-            <a:r>
-              <a:rPr kumimoji="0" lang="en-US" altLang="zh-CN" sz="1800" dirty="0" smtClean="0">
-                <a:solidFill>
-                  <a:schemeClr val="tx1"/>
-                </a:solidFill>
-                <a:latin typeface="微软雅黑" panose="020B0503020204020204" pitchFamily="34" charset="-122"/>
-                <a:ea typeface="微软雅黑" panose="020B0503020204020204" pitchFamily="34" charset="-122"/>
-              </a:rPr>
-              <a:t>，</a:t>
-            </a:r>
-            <a:r>
-              <a:rPr kumimoji="0" lang="zh-CN" altLang="en-US" sz="1800" dirty="0" smtClean="0">
-                <a:solidFill>
-                  <a:schemeClr val="tx1"/>
-                </a:solidFill>
-                <a:latin typeface="微软雅黑" panose="020B0503020204020204" pitchFamily="34" charset="-122"/>
-                <a:ea typeface="微软雅黑" panose="020B0503020204020204" pitchFamily="34" charset="-122"/>
-              </a:rPr>
-              <a:t>构造函数中的</a:t>
-            </a:r>
-            <a:r>
-              <a:rPr kumimoji="0" lang="en-US" altLang="zh-CN" sz="1800" dirty="0" smtClean="0">
-                <a:solidFill>
-                  <a:schemeClr val="tx1"/>
-                </a:solidFill>
-                <a:latin typeface="微软雅黑" panose="020B0503020204020204" pitchFamily="34" charset="-122"/>
-                <a:ea typeface="微软雅黑" panose="020B0503020204020204" pitchFamily="34" charset="-122"/>
-              </a:rPr>
-              <a:t>this 绑定到新创建的对象上</a:t>
-            </a:r>
-            <a:endParaRPr kumimoji="0" lang="zh-CN" altLang="en-US" sz="1800" dirty="0" smtClean="0">
-              <a:solidFill>
-                <a:schemeClr val="tx1"/>
-              </a:solidFill>
-              <a:latin typeface="微软雅黑" panose="020B0503020204020204" pitchFamily="34" charset="-122"/>
-              <a:ea typeface="微软雅黑" panose="020B0503020204020204" pitchFamily="34" charset="-122"/>
-            </a:endParaRPr>
-          </a:p>
-        </p:txBody>
-      </p:sp>
-      <p:sp>
-        <p:nvSpPr>
-          <p:cNvPr id="3" name="内容占位符 2"/>
-          <p:cNvSpPr>
-            <a:spLocks noGrp="1"/>
-          </p:cNvSpPr>
-          <p:nvPr>
-            <p:ph sz="quarter" idx="11"/>
-          </p:nvPr>
-        </p:nvSpPr>
-        <p:spPr>
-          <a:xfrm>
-            <a:off x="947204" y="308698"/>
-            <a:ext cx="8191557" cy="490476"/>
-          </a:xfrm>
-        </p:spPr>
-        <p:txBody>
-          <a:bodyPr/>
-          <a:p>
-            <a:r>
-              <a:rPr kumimoji="0" lang="zh-CN" b="0" dirty="0">
-                <a:solidFill>
-                  <a:srgbClr val="C00000"/>
-                </a:solidFill>
-              </a:rPr>
-              <a:t>三、构造函数中的</a:t>
-            </a:r>
-            <a:r>
-              <a:rPr kumimoji="0" lang="en-US" altLang="zh-CN" b="0" dirty="0">
-                <a:solidFill>
-                  <a:srgbClr val="C00000"/>
-                </a:solidFill>
-              </a:rPr>
-              <a:t>this</a:t>
-            </a:r>
-            <a:endParaRPr kumimoji="0" lang="zh-CN" altLang="en-US" b="0" dirty="0">
-              <a:solidFill>
-                <a:srgbClr val="C00000"/>
-              </a:solidFill>
-            </a:endParaRPr>
-          </a:p>
-          <a:p>
-            <a:endParaRPr lang="zh-CN" altLang="en-US" dirty="0"/>
-          </a:p>
-        </p:txBody>
-      </p:sp>
-      <p:pic>
-        <p:nvPicPr>
-          <p:cNvPr id="2" name="图片 1" descr="02OLZ9HCUUST$M3[5$(C_%V"/>
-          <p:cNvPicPr>
-            <a:picLocks noChangeAspect="1"/>
-          </p:cNvPicPr>
-          <p:nvPr/>
-        </p:nvPicPr>
-        <p:blipFill>
-          <a:blip r:embed="rId1"/>
-          <a:stretch>
-            <a:fillRect/>
-          </a:stretch>
-        </p:blipFill>
-        <p:spPr>
-          <a:xfrm>
-            <a:off x="1154430" y="3093720"/>
-            <a:ext cx="4782820" cy="2839720"/>
-          </a:xfrm>
-          <a:prstGeom prst="rect">
-            <a:avLst/>
-          </a:prstGeom>
-        </p:spPr>
-      </p:pic>
-      <p:sp>
-        <p:nvSpPr>
-          <p:cNvPr id="4" name="文本框 3"/>
-          <p:cNvSpPr txBox="1"/>
-          <p:nvPr/>
-        </p:nvSpPr>
-        <p:spPr>
-          <a:xfrm>
-            <a:off x="5153025" y="6036945"/>
-            <a:ext cx="4793615" cy="429895"/>
-          </a:xfrm>
-          <a:prstGeom prst="rect">
-            <a:avLst/>
-          </a:prstGeom>
-          <a:noFill/>
-        </p:spPr>
-        <p:txBody>
-          <a:bodyPr wrap="square" rtlCol="0">
-            <a:spAutoFit/>
-          </a:bodyPr>
-          <a:p>
-            <a:pPr algn="l"/>
-            <a:r>
-              <a:rPr lang="zh-CN" altLang="en-US" sz="2200">
-                <a:solidFill>
-                  <a:srgbClr val="FF0000"/>
-                </a:solidFill>
-                <a:latin typeface="+mn-ea"/>
-                <a:ea typeface="+mn-ea"/>
-              </a:rPr>
-              <a:t>参见实例</a:t>
-            </a:r>
-            <a:r>
-              <a:rPr lang="en-US" altLang="zh-CN" sz="2200">
-                <a:solidFill>
-                  <a:srgbClr val="FF0000"/>
-                </a:solidFill>
-                <a:latin typeface="+mn-ea"/>
-                <a:ea typeface="+mn-ea"/>
-              </a:rPr>
-              <a:t>demo04 </a:t>
-            </a:r>
-            <a:r>
-              <a:rPr lang="zh-CN" altLang="en-US" sz="2200">
-                <a:solidFill>
-                  <a:srgbClr val="FF0000"/>
-                </a:solidFill>
-                <a:latin typeface="+mn-ea"/>
-                <a:ea typeface="+mn-ea"/>
-              </a:rPr>
-              <a:t>构造函数中的</a:t>
-            </a:r>
-            <a:r>
-              <a:rPr lang="en-US" altLang="zh-CN" sz="2200">
-                <a:solidFill>
-                  <a:srgbClr val="FF0000"/>
-                </a:solidFill>
-                <a:latin typeface="+mn-ea"/>
-                <a:ea typeface="+mn-ea"/>
-              </a:rPr>
-              <a:t>this</a:t>
-            </a:r>
-            <a:endParaRPr lang="zh-CN" altLang="en-US" sz="2200">
-              <a:solidFill>
-                <a:srgbClr val="FF0000"/>
-              </a:solidFill>
-              <a:latin typeface="+mn-ea"/>
-              <a:ea typeface="+mn-ea"/>
-            </a:endParaRPr>
-          </a:p>
-        </p:txBody>
-      </p:sp>
-    </p:spTree>
-  </p:cSld>
-  <p:clrMapOvr>
-    <a:masterClrMapping/>
-  </p:clrMapOvr>
-  <p:timing>
-    <p:tnLst>
-      <p:par>
-        <p:cTn id="1" dur="indefinite" restart="never" nodeType="tmRoot">
-          <p:childTnLst>
-            <p:seq concurrent="1" nextAc="seek">
-              <p:cTn id="2" dur="indefinite" nodeType="mainSeq">
-                <p:childTnLst>
-                  <p:par>
-                    <p:cTn id="3" fill="hold">
-                      <p:stCondLst>
-                        <p:cond delay="indefinite"/>
-                      </p:stCondLst>
-                      <p:childTnLst>
-                        <p:par>
-                          <p:cTn id="4" fill="hold">
-                            <p:stCondLst>
-                              <p:cond delay="0"/>
-                            </p:stCondLst>
-                            <p:childTnLst>
-                              <p:par>
-                                <p:cTn id="5" presetID="2" presetClass="entr" presetSubtype="4" fill="hold" nodeType="clickEffect">
-                                  <p:stCondLst>
-                                    <p:cond delay="0"/>
-                                  </p:stCondLst>
-                                  <p:childTnLst>
-                                    <p:set>
-                                      <p:cBhvr>
-                                        <p:cTn id="6" dur="1" fill="hold">
-                                          <p:stCondLst>
-                                            <p:cond delay="0"/>
-                                          </p:stCondLst>
-                                        </p:cTn>
-                                        <p:tgtEl>
-                                          <p:spTgt spid="30722">
-                                            <p:txEl>
-                                              <p:pRg st="0" end="0"/>
-                                            </p:txEl>
-                                          </p:spTgt>
-                                        </p:tgtEl>
-                                        <p:attrNameLst>
-                                          <p:attrName>style.visibility</p:attrName>
-                                        </p:attrNameLst>
-                                      </p:cBhvr>
-                                      <p:to>
-                                        <p:strVal val="visible"/>
-                                      </p:to>
-                                    </p:set>
-                                    <p:anim calcmode="lin" valueType="num">
-                                      <p:cBhvr additive="base">
-                                        <p:cTn id="7" dur="500" fill="hold"/>
-                                        <p:tgtEl>
-                                          <p:spTgt spid="30722">
-                                            <p:txEl>
-                                              <p:pRg st="0" end="0"/>
-                                            </p:txEl>
-                                          </p:spTgt>
-                                        </p:tgtEl>
-                                        <p:attrNameLst>
-                                          <p:attrName>ppt_x</p:attrName>
-                                        </p:attrNameLst>
-                                      </p:cBhvr>
-                                      <p:tavLst>
-                                        <p:tav tm="0">
-                                          <p:val>
-                                            <p:strVal val="#ppt_x"/>
-                                          </p:val>
-                                        </p:tav>
-                                        <p:tav tm="100000">
-                                          <p:val>
-                                            <p:strVal val="#ppt_x"/>
-                                          </p:val>
-                                        </p:tav>
-                                      </p:tavLst>
-                                    </p:anim>
-                                    <p:anim calcmode="lin" valueType="num">
-                                      <p:cBhvr additive="base">
-                                        <p:cTn id="8" dur="500" fill="hold"/>
-                                        <p:tgtEl>
-                                          <p:spTgt spid="30722">
-                                            <p:txEl>
-                                              <p:pRg st="0" end="0"/>
-                                            </p:txEl>
-                                          </p:spTgt>
-                                        </p:tgtEl>
-                                        <p:attrNameLst>
-                                          <p:attrName>ppt_y</p:attrName>
-                                        </p:attrNameLst>
-                                      </p:cBhvr>
-                                      <p:tavLst>
-                                        <p:tav tm="0">
-                                          <p:val>
-                                            <p:strVal val="1+#ppt_h/2"/>
-                                          </p:val>
-                                        </p:tav>
-                                        <p:tav tm="100000">
-                                          <p:val>
-                                            <p:strVal val="#ppt_y"/>
-                                          </p:val>
-                                        </p:tav>
-                                      </p:tavLst>
-                                    </p:anim>
-                                  </p:childTnLst>
-                                </p:cTn>
-                              </p:par>
-                            </p:childTnLst>
-                          </p:cTn>
-                        </p:par>
-                      </p:childTnLst>
-                    </p:cTn>
-                  </p:par>
-                  <p:par>
-                    <p:cTn id="9" fill="hold">
-                      <p:stCondLst>
-                        <p:cond delay="indefinite"/>
-                      </p:stCondLst>
-                      <p:childTnLst>
-                        <p:par>
-                          <p:cTn id="10" fill="hold">
-                            <p:stCondLst>
-                              <p:cond delay="0"/>
-                            </p:stCondLst>
-                            <p:childTnLst>
-                              <p:par>
-                                <p:cTn id="11" presetID="2" presetClass="entr" presetSubtype="4" fill="hold" nodeType="clickEffect">
-                                  <p:stCondLst>
-                                    <p:cond delay="0"/>
-                                  </p:stCondLst>
-                                  <p:childTnLst>
-                                    <p:set>
-                                      <p:cBhvr>
-                                        <p:cTn id="12" dur="1" fill="hold">
-                                          <p:stCondLst>
-                                            <p:cond delay="0"/>
-                                          </p:stCondLst>
-                                        </p:cTn>
-                                        <p:tgtEl>
-                                          <p:spTgt spid="2"/>
-                                        </p:tgtEl>
-                                        <p:attrNameLst>
-                                          <p:attrName>style.visibility</p:attrName>
-                                        </p:attrNameLst>
-                                      </p:cBhvr>
-                                      <p:to>
-                                        <p:strVal val="visible"/>
-                                      </p:to>
-                                    </p:set>
-                                    <p:anim calcmode="lin" valueType="num">
-                                      <p:cBhvr additive="base">
-                                        <p:cTn id="13" dur="500" fill="hold"/>
-                                        <p:tgtEl>
-                                          <p:spTgt spid="2"/>
-                                        </p:tgtEl>
-                                        <p:attrNameLst>
-                                          <p:attrName>ppt_x</p:attrName>
-                                        </p:attrNameLst>
-                                      </p:cBhvr>
-                                      <p:tavLst>
-                                        <p:tav tm="0">
-                                          <p:val>
-                                            <p:strVal val="#ppt_x"/>
-                                          </p:val>
-                                        </p:tav>
-                                        <p:tav tm="100000">
-                                          <p:val>
-                                            <p:strVal val="#ppt_x"/>
-                                          </p:val>
-                                        </p:tav>
-                                      </p:tavLst>
-                                    </p:anim>
-                                    <p:anim calcmode="lin" valueType="num">
-                                      <p:cBhvr additive="base">
-                                        <p:cTn id="14" dur="500" fill="hold"/>
-                                        <p:tgtEl>
-                                          <p:spTgt spid="2"/>
-                                        </p:tgtEl>
-                                        <p:attrNameLst>
-                                          <p:attrName>ppt_y</p:attrName>
-                                        </p:attrNameLst>
-                                      </p:cBhvr>
-                                      <p:tavLst>
-                                        <p:tav tm="0">
-                                          <p:val>
-                                            <p:strVal val="1+#ppt_h/2"/>
-                                          </p:val>
-                                        </p:tav>
-                                        <p:tav tm="100000">
-                                          <p:val>
-                                            <p:strVal val="#ppt_y"/>
-                                          </p:val>
-                                        </p:tav>
-                                      </p:tavLst>
-                                    </p:anim>
-                                  </p:childTnLst>
-                                </p:cTn>
-                              </p:par>
-                            </p:childTnLst>
-                          </p:cTn>
-                        </p:par>
-                        <p:par>
-                          <p:cTn id="15" fill="hold">
-                            <p:stCondLst>
-                              <p:cond delay="500"/>
-                            </p:stCondLst>
-                            <p:childTnLst>
-                              <p:par>
-                                <p:cTn id="16" presetID="2" presetClass="entr" presetSubtype="4" fill="hold" grpId="0" nodeType="afterEffect">
-                                  <p:stCondLst>
-                                    <p:cond delay="0"/>
-                                  </p:stCondLst>
-                                  <p:childTnLst>
-                                    <p:set>
-                                      <p:cBhvr>
-                                        <p:cTn id="17" dur="1" fill="hold">
-                                          <p:stCondLst>
-                                            <p:cond delay="0"/>
-                                          </p:stCondLst>
-                                        </p:cTn>
-                                        <p:tgtEl>
-                                          <p:spTgt spid="4"/>
-                                        </p:tgtEl>
-                                        <p:attrNameLst>
-                                          <p:attrName>style.visibility</p:attrName>
-                                        </p:attrNameLst>
-                                      </p:cBhvr>
-                                      <p:to>
-                                        <p:strVal val="visible"/>
-                                      </p:to>
-                                    </p:set>
-                                    <p:anim calcmode="lin" valueType="num">
-                                      <p:cBhvr additive="base">
-                                        <p:cTn id="18" dur="500" fill="hold"/>
-                                        <p:tgtEl>
-                                          <p:spTgt spid="4"/>
-                                        </p:tgtEl>
-                                        <p:attrNameLst>
-                                          <p:attrName>ppt_x</p:attrName>
-                                        </p:attrNameLst>
-                                      </p:cBhvr>
-                                      <p:tavLst>
-                                        <p:tav tm="0">
-                                          <p:val>
-                                            <p:strVal val="#ppt_x"/>
-                                          </p:val>
-                                        </p:tav>
-                                        <p:tav tm="100000">
-                                          <p:val>
-                                            <p:strVal val="#ppt_x"/>
-                                          </p:val>
-                                        </p:tav>
-                                      </p:tavLst>
-                                    </p:anim>
-                                    <p:anim calcmode="lin" valueType="num">
-                                      <p:cBhvr additive="base">
-                                        <p:cTn id="19" dur="500" fill="hold"/>
-                                        <p:tgtEl>
-                                          <p:spTgt spid="4"/>
-                                        </p:tgtEl>
-                                        <p:attrNameLst>
-                                          <p:attrName>ppt_y</p:attrName>
-                                        </p:attrNameLst>
-                                      </p:cBhvr>
-                                      <p:tavLst>
-                                        <p:tav tm="0">
-                                          <p:val>
-                                            <p:strVal val="1+#ppt_h/2"/>
-                                          </p:val>
-                                        </p:tav>
-                                        <p:tav tm="100000">
-                                          <p:val>
-                                            <p:strVal val="#ppt_y"/>
-                                          </p:val>
-                                        </p:tav>
-                                      </p:tavLst>
-                                    </p:anim>
-                                  </p:childTnLst>
-                                </p:cTn>
-                              </p:par>
-                            </p:childTnLst>
-                          </p:cTn>
-                        </p:par>
-                      </p:childTnLst>
-                    </p:cTn>
-                  </p:par>
-                </p:childTnLst>
-              </p:cTn>
-              <p:prevCondLst>
-                <p:cond evt="onPrev" delay="0">
-                  <p:tgtEl>
-                    <p:sldTgt/>
-                  </p:tgtEl>
-                </p:cond>
-              </p:prevCondLst>
-              <p:nextCondLst>
-                <p:cond evt="onNext" delay="0">
-                  <p:tgtEl>
-                    <p:sldTgt/>
-                  </p:tgtEl>
-                </p:cond>
-              </p:nextCondLst>
-            </p:seq>
-          </p:childTnLst>
-        </p:cTn>
-      </p:par>
-    </p:tnLst>
-    <p:bldLst>
-      <p:bldP spid="4" grpId="0"/>
     </p:bldLst>
   </p:timing>
 </p:sld>

--- a/课程PPT/08.JavaScript面向对象编程 二（8、this详解）.pptx
+++ b/课程PPT/08.JavaScript面向对象编程 二（8、this详解）.pptx
@@ -6532,7 +6532,7 @@
         <p:spPr>
           <a:xfrm>
             <a:off x="6407785" y="2816860"/>
-            <a:ext cx="3615055" cy="2676525"/>
+            <a:ext cx="3615055" cy="3415030"/>
           </a:xfrm>
           <a:prstGeom prst="rect">
             <a:avLst/>
@@ -6576,7 +6576,19 @@
             </a:br>
             <a:r>
               <a:rPr lang="zh-CN" altLang="en-US" sz="2400"/>
-              <a:t>这是软绑定形式，</a:t>
+              <a:t>这是</a:t>
+            </a:r>
+            <a:r>
+              <a:rPr lang="zh-CN" altLang="en-US" sz="2400">
+                <a:solidFill>
+                  <a:srgbClr val="FF0000"/>
+                </a:solidFill>
+              </a:rPr>
+              <a:t>软绑定</a:t>
+            </a:r>
+            <a:r>
+              <a:rPr lang="zh-CN" altLang="en-US" sz="2400"/>
+              <a:t>形式，</a:t>
             </a:r>
             <a:r>
               <a:rPr lang="zh-CN" altLang="en-US" sz="2400">
@@ -6589,14 +6601,69 @@
               <a:t>还可以通过函数对象的</a:t>
             </a:r>
             <a:r>
-              <a:rPr lang="en-US" altLang="zh-CN" sz="2400"/>
+              <a:rPr lang="en-US" altLang="zh-CN" sz="2400">
+                <a:solidFill>
+                  <a:srgbClr val="FF0000"/>
+                </a:solidFill>
+              </a:rPr>
               <a:t>bind</a:t>
             </a:r>
             <a:r>
+              <a:rPr lang="zh-CN" altLang="en-US" sz="2400">
+                <a:solidFill>
+                  <a:srgbClr val="FF0000"/>
+                </a:solidFill>
+              </a:rPr>
+              <a:t>方法进行硬绑定</a:t>
+            </a:r>
+            <a:endParaRPr lang="zh-CN" altLang="en-US" sz="2400">
+              <a:solidFill>
+                <a:srgbClr val="FF0000"/>
+              </a:solidFill>
+            </a:endParaRPr>
+          </a:p>
+          <a:p>
+            <a:r>
               <a:rPr lang="zh-CN" altLang="en-US" sz="2400"/>
-              <a:t>方法进行硬绑定</a:t>
-            </a:r>
-            <a:endParaRPr lang="zh-CN" altLang="en-US" sz="2400"/>
+              <a:t>或通过</a:t>
+            </a:r>
+            <a:r>
+              <a:rPr lang="en-US" altLang="zh-CN" sz="2400">
+                <a:solidFill>
+                  <a:srgbClr val="FF0000"/>
+                </a:solidFill>
+              </a:rPr>
+              <a:t>call/apply</a:t>
+            </a:r>
+            <a:r>
+              <a:rPr lang="zh-CN" altLang="en-US" sz="2400">
+                <a:solidFill>
+                  <a:srgbClr val="FF0000"/>
+                </a:solidFill>
+              </a:rPr>
+              <a:t>间接指定</a:t>
+            </a:r>
+            <a:r>
+              <a:rPr lang="en-US" altLang="zh-CN" sz="2400">
+                <a:solidFill>
+                  <a:srgbClr val="FF0000"/>
+                </a:solidFill>
+              </a:rPr>
+              <a:t>this</a:t>
+            </a:r>
+            <a:r>
+              <a:rPr lang="zh-CN" altLang="en-US" sz="2400">
+                <a:solidFill>
+                  <a:srgbClr val="FF0000"/>
+                </a:solidFill>
+              </a:rPr>
+              <a:t>对象</a:t>
+            </a:r>
+            <a:endParaRPr lang="zh-CN" altLang="en-US" sz="2400">
+              <a:solidFill>
+                <a:srgbClr val="FF0000"/>
+              </a:solidFill>
+            </a:endParaRPr>
           </a:p>
         </p:txBody>
       </p:sp>
